--- a/note/document.pptx
+++ b/note/document.pptx
@@ -11,6 +11,7 @@
     <p:sldId id="259" r:id="rId6"/>
     <p:sldId id="260" r:id="rId7"/>
     <p:sldId id="261" r:id="rId8"/>
+    <p:sldId id="262" r:id="rId9"/>
   </p:sldIdLst>
   <p:sldSz cx="12192000" cy="6858000"/>
   <p:notesSz cx="7103745" cy="10234295"/>
@@ -6211,6 +6212,400 @@
 </p:sld>
 </file>
 
+<file path=ppt/slides/slide7.xml><?xml version="1.0" encoding="utf-8"?>
+<p:sld xmlns:a="http://schemas.openxmlformats.org/drawingml/2006/main" xmlns:r="http://schemas.openxmlformats.org/officeDocument/2006/relationships" xmlns:p="http://schemas.openxmlformats.org/presentationml/2006/main">
+  <p:cSld>
+    <p:spTree>
+      <p:nvGrpSpPr>
+        <p:cNvPr id="1" name=""/>
+        <p:cNvGrpSpPr/>
+        <p:nvPr/>
+      </p:nvGrpSpPr>
+      <p:grpSpPr/>
+      <p:sp>
+        <p:nvSpPr>
+          <p:cNvPr id="4" name="圆角矩形 3"/>
+          <p:cNvSpPr/>
+          <p:nvPr/>
+        </p:nvSpPr>
+        <p:spPr>
+          <a:xfrm>
+            <a:off x="4352290" y="1983740"/>
+            <a:ext cx="4438015" cy="1576070"/>
+          </a:xfrm>
+          <a:prstGeom prst="roundRect">
+            <a:avLst/>
+          </a:prstGeom>
+          <a:ln>
+            <a:noFill/>
+          </a:ln>
+        </p:spPr>
+        <p:style>
+          <a:lnRef idx="2">
+            <a:schemeClr val="accent1">
+              <a:shade val="50000"/>
+            </a:schemeClr>
+          </a:lnRef>
+          <a:fillRef idx="1">
+            <a:schemeClr val="accent1"/>
+          </a:fillRef>
+          <a:effectRef idx="0">
+            <a:schemeClr val="accent1"/>
+          </a:effectRef>
+          <a:fontRef idx="minor">
+            <a:schemeClr val="lt1"/>
+          </a:fontRef>
+        </p:style>
+        <p:txBody>
+          <a:bodyPr rtlCol="0" anchor="ctr"/>
+          <a:p>
+            <a:pPr algn="ctr"/>
+            <a:endParaRPr lang="zh-CN" altLang="en-US"/>
+          </a:p>
+        </p:txBody>
+      </p:sp>
+      <p:sp>
+        <p:nvSpPr>
+          <p:cNvPr id="5" name="文本框 4"/>
+          <p:cNvSpPr txBox="1"/>
+          <p:nvPr/>
+        </p:nvSpPr>
+        <p:spPr>
+          <a:xfrm>
+            <a:off x="4700905" y="2494915"/>
+            <a:ext cx="3741420" cy="368300"/>
+          </a:xfrm>
+          <a:prstGeom prst="rect">
+            <a:avLst/>
+          </a:prstGeom>
+          <a:noFill/>
+        </p:spPr>
+        <p:txBody>
+          <a:bodyPr wrap="square" rtlCol="0">
+            <a:spAutoFit/>
+          </a:bodyPr>
+          <a:p>
+            <a:r>
+              <a:rPr lang="en-US" altLang="zh-CN"/>
+              <a:t>1000(</a:t>
+            </a:r>
+            <a:r>
+              <a:rPr lang="zh-CN" altLang="en-US"/>
+              <a:t>件</a:t>
+            </a:r>
+            <a:r>
+              <a:rPr lang="en-US" altLang="zh-CN"/>
+              <a:t>)</a:t>
+            </a:r>
+            <a:endParaRPr lang="en-US" altLang="zh-CN"/>
+          </a:p>
+        </p:txBody>
+      </p:sp>
+      <p:cxnSp>
+        <p:nvCxnSpPr>
+          <p:cNvPr id="9" name="直接箭头连接符 8"/>
+          <p:cNvCxnSpPr/>
+          <p:nvPr/>
+        </p:nvCxnSpPr>
+        <p:spPr>
+          <a:xfrm>
+            <a:off x="6520180" y="606425"/>
+            <a:ext cx="1382395" cy="1189355"/>
+          </a:xfrm>
+          <a:prstGeom prst="straightConnector1">
+            <a:avLst/>
+          </a:prstGeom>
+          <a:ln>
+            <a:tailEnd type="arrow"/>
+          </a:ln>
+        </p:spPr>
+        <p:style>
+          <a:lnRef idx="1">
+            <a:schemeClr val="accent1"/>
+          </a:lnRef>
+          <a:fillRef idx="0">
+            <a:schemeClr val="accent1"/>
+          </a:fillRef>
+          <a:effectRef idx="0">
+            <a:schemeClr val="accent1"/>
+          </a:effectRef>
+          <a:fontRef idx="minor">
+            <a:schemeClr val="tx1"/>
+          </a:fontRef>
+        </p:style>
+      </p:cxnSp>
+      <p:cxnSp>
+        <p:nvCxnSpPr>
+          <p:cNvPr id="10" name="直接箭头连接符 9"/>
+          <p:cNvCxnSpPr/>
+          <p:nvPr/>
+        </p:nvCxnSpPr>
+        <p:spPr>
+          <a:xfrm>
+            <a:off x="2569210" y="2177415"/>
+            <a:ext cx="1382395" cy="1189355"/>
+          </a:xfrm>
+          <a:prstGeom prst="straightConnector1">
+            <a:avLst/>
+          </a:prstGeom>
+          <a:ln>
+            <a:tailEnd type="arrow"/>
+          </a:ln>
+        </p:spPr>
+        <p:style>
+          <a:lnRef idx="1">
+            <a:schemeClr val="accent1"/>
+          </a:lnRef>
+          <a:fillRef idx="0">
+            <a:schemeClr val="accent1"/>
+          </a:fillRef>
+          <a:effectRef idx="0">
+            <a:schemeClr val="accent1"/>
+          </a:effectRef>
+          <a:fontRef idx="minor">
+            <a:schemeClr val="tx1"/>
+          </a:fontRef>
+        </p:style>
+      </p:cxnSp>
+      <p:cxnSp>
+        <p:nvCxnSpPr>
+          <p:cNvPr id="11" name="直接箭头连接符 10"/>
+          <p:cNvCxnSpPr/>
+          <p:nvPr/>
+        </p:nvCxnSpPr>
+        <p:spPr>
+          <a:xfrm>
+            <a:off x="5701030" y="606425"/>
+            <a:ext cx="1382395" cy="1189355"/>
+          </a:xfrm>
+          <a:prstGeom prst="straightConnector1">
+            <a:avLst/>
+          </a:prstGeom>
+          <a:ln>
+            <a:tailEnd type="arrow"/>
+          </a:ln>
+        </p:spPr>
+        <p:style>
+          <a:lnRef idx="1">
+            <a:schemeClr val="accent1"/>
+          </a:lnRef>
+          <a:fillRef idx="0">
+            <a:schemeClr val="accent1"/>
+          </a:fillRef>
+          <a:effectRef idx="0">
+            <a:schemeClr val="accent1"/>
+          </a:effectRef>
+          <a:fontRef idx="minor">
+            <a:schemeClr val="tx1"/>
+          </a:fontRef>
+        </p:style>
+      </p:cxnSp>
+      <p:cxnSp>
+        <p:nvCxnSpPr>
+          <p:cNvPr id="12" name="直接箭头连接符 11"/>
+          <p:cNvCxnSpPr/>
+          <p:nvPr/>
+        </p:nvCxnSpPr>
+        <p:spPr>
+          <a:xfrm>
+            <a:off x="2569210" y="1414780"/>
+            <a:ext cx="1382395" cy="1189355"/>
+          </a:xfrm>
+          <a:prstGeom prst="straightConnector1">
+            <a:avLst/>
+          </a:prstGeom>
+          <a:ln>
+            <a:tailEnd type="arrow"/>
+          </a:ln>
+        </p:spPr>
+        <p:style>
+          <a:lnRef idx="1">
+            <a:schemeClr val="accent1"/>
+          </a:lnRef>
+          <a:fillRef idx="0">
+            <a:schemeClr val="accent1"/>
+          </a:fillRef>
+          <a:effectRef idx="0">
+            <a:schemeClr val="accent1"/>
+          </a:effectRef>
+          <a:fontRef idx="minor">
+            <a:schemeClr val="tx1"/>
+          </a:fontRef>
+        </p:style>
+      </p:cxnSp>
+      <p:cxnSp>
+        <p:nvCxnSpPr>
+          <p:cNvPr id="13" name="直接箭头连接符 12"/>
+          <p:cNvCxnSpPr/>
+          <p:nvPr/>
+        </p:nvCxnSpPr>
+        <p:spPr>
+          <a:xfrm>
+            <a:off x="7407910" y="606425"/>
+            <a:ext cx="1382395" cy="1189355"/>
+          </a:xfrm>
+          <a:prstGeom prst="straightConnector1">
+            <a:avLst/>
+          </a:prstGeom>
+          <a:ln>
+            <a:tailEnd type="arrow"/>
+          </a:ln>
+        </p:spPr>
+        <p:style>
+          <a:lnRef idx="1">
+            <a:schemeClr val="accent1"/>
+          </a:lnRef>
+          <a:fillRef idx="0">
+            <a:schemeClr val="accent1"/>
+          </a:fillRef>
+          <a:effectRef idx="0">
+            <a:schemeClr val="accent1"/>
+          </a:effectRef>
+          <a:fontRef idx="minor">
+            <a:schemeClr val="tx1"/>
+          </a:fontRef>
+        </p:style>
+      </p:cxnSp>
+      <p:cxnSp>
+        <p:nvCxnSpPr>
+          <p:cNvPr id="14" name="直接箭头连接符 13"/>
+          <p:cNvCxnSpPr/>
+          <p:nvPr/>
+        </p:nvCxnSpPr>
+        <p:spPr>
+          <a:xfrm>
+            <a:off x="4979035" y="606425"/>
+            <a:ext cx="1382395" cy="1189355"/>
+          </a:xfrm>
+          <a:prstGeom prst="straightConnector1">
+            <a:avLst/>
+          </a:prstGeom>
+          <a:ln>
+            <a:tailEnd type="arrow"/>
+          </a:ln>
+        </p:spPr>
+        <p:style>
+          <a:lnRef idx="1">
+            <a:schemeClr val="accent1"/>
+          </a:lnRef>
+          <a:fillRef idx="0">
+            <a:schemeClr val="accent1"/>
+          </a:fillRef>
+          <a:effectRef idx="0">
+            <a:schemeClr val="accent1"/>
+          </a:effectRef>
+          <a:fontRef idx="minor">
+            <a:schemeClr val="tx1"/>
+          </a:fontRef>
+        </p:style>
+      </p:cxnSp>
+      <p:cxnSp>
+        <p:nvCxnSpPr>
+          <p:cNvPr id="15" name="直接箭头连接符 14"/>
+          <p:cNvCxnSpPr/>
+          <p:nvPr/>
+        </p:nvCxnSpPr>
+        <p:spPr>
+          <a:xfrm>
+            <a:off x="2715895" y="794385"/>
+            <a:ext cx="1382395" cy="1189355"/>
+          </a:xfrm>
+          <a:prstGeom prst="straightConnector1">
+            <a:avLst/>
+          </a:prstGeom>
+          <a:ln>
+            <a:tailEnd type="arrow"/>
+          </a:ln>
+        </p:spPr>
+        <p:style>
+          <a:lnRef idx="1">
+            <a:schemeClr val="accent1"/>
+          </a:lnRef>
+          <a:fillRef idx="0">
+            <a:schemeClr val="accent1"/>
+          </a:fillRef>
+          <a:effectRef idx="0">
+            <a:schemeClr val="accent1"/>
+          </a:effectRef>
+          <a:fontRef idx="minor">
+            <a:schemeClr val="tx1"/>
+          </a:fontRef>
+        </p:style>
+      </p:cxnSp>
+      <p:cxnSp>
+        <p:nvCxnSpPr>
+          <p:cNvPr id="16" name="直接箭头连接符 15"/>
+          <p:cNvCxnSpPr/>
+          <p:nvPr/>
+        </p:nvCxnSpPr>
+        <p:spPr>
+          <a:xfrm>
+            <a:off x="3463290" y="606425"/>
+            <a:ext cx="1382395" cy="1189355"/>
+          </a:xfrm>
+          <a:prstGeom prst="straightConnector1">
+            <a:avLst/>
+          </a:prstGeom>
+          <a:ln>
+            <a:tailEnd type="arrow"/>
+          </a:ln>
+        </p:spPr>
+        <p:style>
+          <a:lnRef idx="1">
+            <a:schemeClr val="accent1"/>
+          </a:lnRef>
+          <a:fillRef idx="0">
+            <a:schemeClr val="accent1"/>
+          </a:fillRef>
+          <a:effectRef idx="0">
+            <a:schemeClr val="accent1"/>
+          </a:effectRef>
+          <a:fontRef idx="minor">
+            <a:schemeClr val="tx1"/>
+          </a:fontRef>
+        </p:style>
+      </p:cxnSp>
+      <p:cxnSp>
+        <p:nvCxnSpPr>
+          <p:cNvPr id="17" name="直接箭头连接符 16"/>
+          <p:cNvCxnSpPr/>
+          <p:nvPr/>
+        </p:nvCxnSpPr>
+        <p:spPr>
+          <a:xfrm>
+            <a:off x="4225290" y="606425"/>
+            <a:ext cx="1382395" cy="1189355"/>
+          </a:xfrm>
+          <a:prstGeom prst="straightConnector1">
+            <a:avLst/>
+          </a:prstGeom>
+          <a:ln>
+            <a:tailEnd type="arrow"/>
+          </a:ln>
+        </p:spPr>
+        <p:style>
+          <a:lnRef idx="1">
+            <a:schemeClr val="accent1"/>
+          </a:lnRef>
+          <a:fillRef idx="0">
+            <a:schemeClr val="accent1"/>
+          </a:fillRef>
+          <a:effectRef idx="0">
+            <a:schemeClr val="accent1"/>
+          </a:effectRef>
+          <a:fontRef idx="minor">
+            <a:schemeClr val="tx1"/>
+          </a:fontRef>
+        </p:style>
+      </p:cxnSp>
+    </p:spTree>
+  </p:cSld>
+  <p:clrMapOvr>
+    <a:masterClrMapping/>
+  </p:clrMapOvr>
+</p:sld>
+</file>
+
 <file path=ppt/theme/theme1.xml><?xml version="1.0" encoding="utf-8"?>
 <a:theme xmlns:a="http://schemas.openxmlformats.org/drawingml/2006/main" name="Office 主题">
   <a:themeElements>

--- a/note/document.pptx
+++ b/note/document.pptx
@@ -12,6 +12,7 @@
     <p:sldId id="260" r:id="rId7"/>
     <p:sldId id="261" r:id="rId8"/>
     <p:sldId id="262" r:id="rId9"/>
+    <p:sldId id="263" r:id="rId10"/>
   </p:sldIdLst>
   <p:sldSz cx="12192000" cy="6858000"/>
   <p:notesSz cx="7103745" cy="10234295"/>
@@ -6606,6 +6607,341 @@
 </p:sld>
 </file>
 
+<file path=ppt/slides/slide8.xml><?xml version="1.0" encoding="utf-8"?>
+<p:sld xmlns:a="http://schemas.openxmlformats.org/drawingml/2006/main" xmlns:r="http://schemas.openxmlformats.org/officeDocument/2006/relationships" xmlns:p="http://schemas.openxmlformats.org/presentationml/2006/main">
+  <p:cSld>
+    <p:spTree>
+      <p:nvGrpSpPr>
+        <p:cNvPr id="1" name=""/>
+        <p:cNvGrpSpPr/>
+        <p:nvPr/>
+      </p:nvGrpSpPr>
+      <p:grpSpPr/>
+      <p:sp>
+        <p:nvSpPr>
+          <p:cNvPr id="4" name="文本框 3"/>
+          <p:cNvSpPr txBox="1"/>
+          <p:nvPr/>
+        </p:nvSpPr>
+        <p:spPr>
+          <a:xfrm>
+            <a:off x="2282190" y="1972310"/>
+            <a:ext cx="1040130" cy="368300"/>
+          </a:xfrm>
+          <a:prstGeom prst="rect">
+            <a:avLst/>
+          </a:prstGeom>
+          <a:ln w="0" cap="rnd" cmpd="dbl">
+            <a:prstDash val="solid"/>
+            <a:round/>
+          </a:ln>
+          <a:effectLst>
+            <a:outerShdw blurRad="50800" dist="50800" dir="1200000" sx="87000" sy="87000" algn="ctr" rotWithShape="0">
+              <a:srgbClr val="000000">
+                <a:alpha val="42000"/>
+              </a:srgbClr>
+            </a:outerShdw>
+            <a:softEdge rad="31750"/>
+          </a:effectLst>
+        </p:spPr>
+        <p:style>
+          <a:lnRef idx="3">
+            <a:schemeClr val="lt1"/>
+          </a:lnRef>
+          <a:fillRef idx="1">
+            <a:schemeClr val="accent6"/>
+          </a:fillRef>
+          <a:effectRef idx="1">
+            <a:schemeClr val="accent6"/>
+          </a:effectRef>
+          <a:fontRef idx="minor">
+            <a:schemeClr val="lt1"/>
+          </a:fontRef>
+        </p:style>
+        <p:txBody>
+          <a:bodyPr wrap="square" rtlCol="0">
+            <a:spAutoFit/>
+          </a:bodyPr>
+          <a:p>
+            <a:r>
+              <a:rPr lang="en-US" altLang="zh-CN"/>
+              <a:t>SpringAC</a:t>
+            </a:r>
+            <a:endParaRPr lang="en-US" altLang="zh-CN"/>
+          </a:p>
+        </p:txBody>
+      </p:sp>
+      <p:sp>
+        <p:nvSpPr>
+          <p:cNvPr id="6" name="文本框 5"/>
+          <p:cNvSpPr txBox="1"/>
+          <p:nvPr/>
+        </p:nvSpPr>
+        <p:spPr>
+          <a:xfrm>
+            <a:off x="327660" y="1972310"/>
+            <a:ext cx="1668780" cy="368300"/>
+          </a:xfrm>
+          <a:prstGeom prst="rect">
+            <a:avLst/>
+          </a:prstGeom>
+          <a:ln w="0" cap="rnd" cmpd="dbl">
+            <a:prstDash val="solid"/>
+            <a:round/>
+          </a:ln>
+          <a:effectLst>
+            <a:outerShdw blurRad="50800" dist="50800" dir="1200000" sx="87000" sy="87000" algn="ctr" rotWithShape="0">
+              <a:srgbClr val="000000">
+                <a:alpha val="42000"/>
+              </a:srgbClr>
+            </a:outerShdw>
+            <a:softEdge rad="31750"/>
+          </a:effectLst>
+        </p:spPr>
+        <p:style>
+          <a:lnRef idx="3">
+            <a:schemeClr val="lt1"/>
+          </a:lnRef>
+          <a:fillRef idx="1">
+            <a:schemeClr val="accent6"/>
+          </a:fillRef>
+          <a:effectRef idx="1">
+            <a:schemeClr val="accent6"/>
+          </a:effectRef>
+          <a:fontRef idx="minor">
+            <a:schemeClr val="lt1"/>
+          </a:fontRef>
+        </p:style>
+        <p:txBody>
+          <a:bodyPr wrap="none" rtlCol="0">
+            <a:spAutoFit/>
+          </a:bodyPr>
+          <a:p>
+            <a:r>
+              <a:rPr lang="en-US" altLang="zh-CN"/>
+              <a:t>ClassPathXmlAC</a:t>
+            </a:r>
+            <a:endParaRPr lang="en-US" altLang="zh-CN"/>
+          </a:p>
+        </p:txBody>
+      </p:sp>
+      <p:sp>
+        <p:nvSpPr>
+          <p:cNvPr id="7" name="文本框 6"/>
+          <p:cNvSpPr txBox="1"/>
+          <p:nvPr/>
+        </p:nvSpPr>
+        <p:spPr>
+          <a:xfrm>
+            <a:off x="3602990" y="1972310"/>
+            <a:ext cx="862965" cy="368300"/>
+          </a:xfrm>
+          <a:prstGeom prst="rect">
+            <a:avLst/>
+          </a:prstGeom>
+          <a:ln w="0" cap="rnd" cmpd="dbl">
+            <a:prstDash val="solid"/>
+            <a:round/>
+          </a:ln>
+          <a:effectLst>
+            <a:outerShdw blurRad="50800" dist="50800" dir="1200000" sx="87000" sy="87000" algn="ctr" rotWithShape="0">
+              <a:srgbClr val="000000">
+                <a:alpha val="42000"/>
+              </a:srgbClr>
+            </a:outerShdw>
+            <a:softEdge rad="31750"/>
+          </a:effectLst>
+        </p:spPr>
+        <p:style>
+          <a:lnRef idx="3">
+            <a:schemeClr val="lt1"/>
+          </a:lnRef>
+          <a:fillRef idx="1">
+            <a:schemeClr val="accent6"/>
+          </a:fillRef>
+          <a:effectRef idx="1">
+            <a:schemeClr val="accent6"/>
+          </a:effectRef>
+          <a:fontRef idx="minor">
+            <a:schemeClr val="lt1"/>
+          </a:fontRef>
+        </p:style>
+        <p:txBody>
+          <a:bodyPr wrap="none" rtlCol="0">
+            <a:spAutoFit/>
+          </a:bodyPr>
+          <a:p>
+            <a:r>
+              <a:rPr lang="en-US" altLang="zh-CN"/>
+              <a:t>WebAC</a:t>
+            </a:r>
+            <a:endParaRPr lang="en-US" altLang="zh-CN"/>
+          </a:p>
+        </p:txBody>
+      </p:sp>
+      <p:sp>
+        <p:nvSpPr>
+          <p:cNvPr id="8" name="文本框 7"/>
+          <p:cNvSpPr txBox="1"/>
+          <p:nvPr/>
+        </p:nvSpPr>
+        <p:spPr>
+          <a:xfrm>
+            <a:off x="1542415" y="3489960"/>
+            <a:ext cx="2060575" cy="368300"/>
+          </a:xfrm>
+          <a:prstGeom prst="rect">
+            <a:avLst/>
+          </a:prstGeom>
+          <a:ln w="0" cap="rnd" cmpd="dbl">
+            <a:prstDash val="solid"/>
+            <a:round/>
+          </a:ln>
+          <a:effectLst>
+            <a:outerShdw blurRad="50800" dist="50800" dir="1200000" sx="87000" sy="87000" algn="ctr" rotWithShape="0">
+              <a:srgbClr val="000000">
+                <a:alpha val="42000"/>
+              </a:srgbClr>
+            </a:outerShdw>
+            <a:softEdge rad="31750"/>
+          </a:effectLst>
+        </p:spPr>
+        <p:style>
+          <a:lnRef idx="3">
+            <a:schemeClr val="lt1"/>
+          </a:lnRef>
+          <a:fillRef idx="1">
+            <a:schemeClr val="accent6"/>
+          </a:fillRef>
+          <a:effectRef idx="1">
+            <a:schemeClr val="accent6"/>
+          </a:effectRef>
+          <a:fontRef idx="minor">
+            <a:schemeClr val="lt1"/>
+          </a:fontRef>
+        </p:style>
+        <p:txBody>
+          <a:bodyPr wrap="none" rtlCol="0">
+            <a:spAutoFit/>
+          </a:bodyPr>
+          <a:p>
+            <a:r>
+              <a:rPr lang="en-US" altLang="zh-CN"/>
+              <a:t>AbstractAC.refresh()</a:t>
+            </a:r>
+            <a:endParaRPr lang="en-US" altLang="zh-CN"/>
+          </a:p>
+        </p:txBody>
+      </p:sp>
+      <p:cxnSp>
+        <p:nvCxnSpPr>
+          <p:cNvPr id="10" name="直接箭头连接符 9"/>
+          <p:cNvCxnSpPr/>
+          <p:nvPr/>
+        </p:nvCxnSpPr>
+        <p:spPr>
+          <a:xfrm flipH="1">
+            <a:off x="2773045" y="2340610"/>
+            <a:ext cx="1373505" cy="1111885"/>
+          </a:xfrm>
+          <a:prstGeom prst="straightConnector1">
+            <a:avLst/>
+          </a:prstGeom>
+          <a:ln>
+            <a:tailEnd type="arrow" w="med" len="med"/>
+          </a:ln>
+        </p:spPr>
+        <p:style>
+          <a:lnRef idx="3">
+            <a:schemeClr val="accent3"/>
+          </a:lnRef>
+          <a:fillRef idx="0">
+            <a:schemeClr val="accent3"/>
+          </a:fillRef>
+          <a:effectRef idx="2">
+            <a:schemeClr val="accent3"/>
+          </a:effectRef>
+          <a:fontRef idx="minor">
+            <a:schemeClr val="tx1"/>
+          </a:fontRef>
+        </p:style>
+      </p:cxnSp>
+      <p:cxnSp>
+        <p:nvCxnSpPr>
+          <p:cNvPr id="12" name="直接箭头连接符 11"/>
+          <p:cNvCxnSpPr>
+            <a:endCxn id="8" idx="0"/>
+          </p:cNvCxnSpPr>
+          <p:nvPr/>
+        </p:nvCxnSpPr>
+        <p:spPr>
+          <a:xfrm>
+            <a:off x="1581150" y="2390775"/>
+            <a:ext cx="991870" cy="1099185"/>
+          </a:xfrm>
+          <a:prstGeom prst="straightConnector1">
+            <a:avLst/>
+          </a:prstGeom>
+          <a:ln>
+            <a:tailEnd type="arrow" w="med" len="med"/>
+          </a:ln>
+        </p:spPr>
+        <p:style>
+          <a:lnRef idx="3">
+            <a:schemeClr val="accent3"/>
+          </a:lnRef>
+          <a:fillRef idx="0">
+            <a:schemeClr val="accent3"/>
+          </a:fillRef>
+          <a:effectRef idx="2">
+            <a:schemeClr val="accent3"/>
+          </a:effectRef>
+          <a:fontRef idx="minor">
+            <a:schemeClr val="tx1"/>
+          </a:fontRef>
+        </p:style>
+      </p:cxnSp>
+      <p:cxnSp>
+        <p:nvCxnSpPr>
+          <p:cNvPr id="13" name="直接箭头连接符 12"/>
+          <p:cNvCxnSpPr/>
+          <p:nvPr/>
+        </p:nvCxnSpPr>
+        <p:spPr>
+          <a:xfrm flipH="1">
+            <a:off x="2663190" y="2392680"/>
+            <a:ext cx="277495" cy="1059815"/>
+          </a:xfrm>
+          <a:prstGeom prst="straightConnector1">
+            <a:avLst/>
+          </a:prstGeom>
+          <a:ln>
+            <a:tailEnd type="arrow" w="med" len="med"/>
+          </a:ln>
+        </p:spPr>
+        <p:style>
+          <a:lnRef idx="3">
+            <a:schemeClr val="accent3"/>
+          </a:lnRef>
+          <a:fillRef idx="0">
+            <a:schemeClr val="accent3"/>
+          </a:fillRef>
+          <a:effectRef idx="2">
+            <a:schemeClr val="accent3"/>
+          </a:effectRef>
+          <a:fontRef idx="minor">
+            <a:schemeClr val="tx1"/>
+          </a:fontRef>
+        </p:style>
+      </p:cxnSp>
+    </p:spTree>
+  </p:cSld>
+  <p:clrMapOvr>
+    <a:masterClrMapping/>
+  </p:clrMapOvr>
+</p:sld>
+</file>
+
 <file path=ppt/theme/theme1.xml><?xml version="1.0" encoding="utf-8"?>
 <a:theme xmlns:a="http://schemas.openxmlformats.org/drawingml/2006/main" name="Office 主题">
   <a:themeElements>

--- a/note/document.pptx
+++ b/note/document.pptx
@@ -5,15 +5,16 @@
     <p:sldMasterId id="2147483648" r:id="rId1"/>
   </p:sldMasterIdLst>
   <p:sldIdLst>
-    <p:sldId id="256" r:id="rId3"/>
-    <p:sldId id="257" r:id="rId4"/>
-    <p:sldId id="258" r:id="rId5"/>
-    <p:sldId id="259" r:id="rId6"/>
-    <p:sldId id="260" r:id="rId7"/>
-    <p:sldId id="261" r:id="rId8"/>
+    <p:sldId id="256" r:id="rId2"/>
+    <p:sldId id="257" r:id="rId3"/>
+    <p:sldId id="258" r:id="rId4"/>
+    <p:sldId id="259" r:id="rId5"/>
+    <p:sldId id="260" r:id="rId6"/>
+    <p:sldId id="261" r:id="rId7"/>
+    <p:sldId id="262" r:id="rId8"/>
   </p:sldIdLst>
   <p:sldSz cx="12192000" cy="6858000"/>
-  <p:notesSz cx="7103745" cy="10234295"/>
+  <p:notesSz cx="7104063" cy="10234613"/>
   <p:defaultTextStyle>
     <a:defPPr>
       <a:defRPr lang="zh-CN"/>
@@ -109,6 +110,11 @@
       </a:defRPr>
     </a:lvl9pPr>
   </p:defaultTextStyle>
+  <p:extLst>
+    <p:ext uri="{EFAFB233-063F-42B5-8137-9DF3F51BA10A}">
+      <p15:sldGuideLst xmlns:p15="http://schemas.microsoft.com/office/powerpoint/2012/main"/>
+    </p:ext>
+  </p:extLst>
 </p:presentation>
 </file>
 
@@ -154,10 +160,9 @@
           </a:lstStyle>
           <a:p>
             <a:r>
-              <a:rPr lang="zh-CN" altLang="en-US" smtClean="0"/>
+              <a:rPr lang="zh-CN" altLang="en-US"/>
               <a:t>单击此处编辑母版标题样式</a:t>
             </a:r>
-            <a:endParaRPr lang="zh-CN" altLang="en-US"/>
           </a:p>
         </p:txBody>
       </p:sp>
@@ -219,10 +224,9 @@
           </a:lstStyle>
           <a:p>
             <a:r>
-              <a:rPr lang="zh-CN" altLang="en-US" smtClean="0"/>
+              <a:rPr lang="zh-CN" altLang="en-US"/>
               <a:t>单击此处编辑母版副标题样式</a:t>
             </a:r>
-            <a:endParaRPr lang="zh-CN" altLang="en-US"/>
           </a:p>
         </p:txBody>
       </p:sp>
@@ -243,6 +247,7 @@
           <a:p>
             <a:fld id="{82F288E0-7875-42C4-84C8-98DBBD3BF4D2}" type="datetimeFigureOut">
               <a:rPr lang="zh-CN" altLang="en-US" smtClean="0"/>
+              <a:t>2020/2/1</a:t>
             </a:fld>
             <a:endParaRPr lang="zh-CN" altLang="en-US"/>
           </a:p>
@@ -284,6 +289,7 @@
           <a:p>
             <a:fld id="{7D9BB5D0-35E4-459D-AEF3-FE4D7C45CC19}" type="slidenum">
               <a:rPr lang="zh-CN" altLang="en-US" smtClean="0"/>
+              <a:t>‹#›</a:t>
             </a:fld>
             <a:endParaRPr lang="zh-CN" altLang="en-US"/>
           </a:p>
@@ -336,42 +342,37 @@
           <a:p>
             <a:pPr lvl="0"/>
             <a:r>
-              <a:rPr lang="zh-CN" altLang="en-US" smtClean="0"/>
+              <a:rPr lang="zh-CN" altLang="en-US"/>
               <a:t>单击此处编辑母版文本样式</a:t>
             </a:r>
-            <a:endParaRPr lang="zh-CN" altLang="en-US" smtClean="0"/>
           </a:p>
           <a:p>
             <a:pPr lvl="1"/>
             <a:r>
-              <a:rPr lang="zh-CN" altLang="en-US" smtClean="0"/>
+              <a:rPr lang="zh-CN" altLang="en-US"/>
               <a:t>第二级</a:t>
             </a:r>
-            <a:endParaRPr lang="zh-CN" altLang="en-US" smtClean="0"/>
           </a:p>
           <a:p>
             <a:pPr lvl="2"/>
             <a:r>
-              <a:rPr lang="zh-CN" altLang="en-US" smtClean="0"/>
+              <a:rPr lang="zh-CN" altLang="en-US"/>
               <a:t>第三级</a:t>
             </a:r>
-            <a:endParaRPr lang="zh-CN" altLang="en-US" smtClean="0"/>
           </a:p>
           <a:p>
             <a:pPr lvl="3"/>
             <a:r>
-              <a:rPr lang="zh-CN" altLang="en-US" smtClean="0"/>
+              <a:rPr lang="zh-CN" altLang="en-US"/>
               <a:t>第四级</a:t>
             </a:r>
-            <a:endParaRPr lang="zh-CN" altLang="en-US" smtClean="0"/>
           </a:p>
           <a:p>
             <a:pPr lvl="4"/>
             <a:r>
-              <a:rPr lang="zh-CN" altLang="en-US" smtClean="0"/>
+              <a:rPr lang="zh-CN" altLang="en-US"/>
               <a:t>第五级</a:t>
             </a:r>
-            <a:endParaRPr lang="zh-CN" altLang="en-US"/>
           </a:p>
         </p:txBody>
       </p:sp>
@@ -392,6 +393,7 @@
           <a:p>
             <a:fld id="{82F288E0-7875-42C4-84C8-98DBBD3BF4D2}" type="datetimeFigureOut">
               <a:rPr lang="zh-CN" altLang="en-US" smtClean="0"/>
+              <a:t>2020/2/1</a:t>
             </a:fld>
             <a:endParaRPr lang="zh-CN" altLang="en-US"/>
           </a:p>
@@ -433,6 +435,7 @@
           <a:p>
             <a:fld id="{7D9BB5D0-35E4-459D-AEF3-FE4D7C45CC19}" type="slidenum">
               <a:rPr lang="zh-CN" altLang="en-US" smtClean="0"/>
+              <a:t>‹#›</a:t>
             </a:fld>
             <a:endParaRPr lang="zh-CN" altLang="en-US"/>
           </a:p>
@@ -479,10 +482,9 @@
           <a:lstStyle/>
           <a:p>
             <a:r>
-              <a:rPr lang="zh-CN" altLang="en-US" smtClean="0"/>
+              <a:rPr lang="zh-CN" altLang="en-US"/>
               <a:t>单击此处编辑母版标题样式</a:t>
             </a:r>
-            <a:endParaRPr lang="zh-CN" altLang="en-US"/>
           </a:p>
         </p:txBody>
       </p:sp>
@@ -503,42 +505,37 @@
           <a:p>
             <a:pPr lvl="0"/>
             <a:r>
-              <a:rPr lang="zh-CN" altLang="en-US" smtClean="0"/>
+              <a:rPr lang="zh-CN" altLang="en-US"/>
               <a:t>单击此处编辑母版文本样式</a:t>
             </a:r>
-            <a:endParaRPr lang="zh-CN" altLang="en-US" smtClean="0"/>
           </a:p>
           <a:p>
             <a:pPr lvl="1"/>
             <a:r>
-              <a:rPr lang="zh-CN" altLang="en-US" smtClean="0"/>
+              <a:rPr lang="zh-CN" altLang="en-US"/>
               <a:t>第二级</a:t>
             </a:r>
-            <a:endParaRPr lang="zh-CN" altLang="en-US" smtClean="0"/>
           </a:p>
           <a:p>
             <a:pPr lvl="2"/>
             <a:r>
-              <a:rPr lang="zh-CN" altLang="en-US" smtClean="0"/>
+              <a:rPr lang="zh-CN" altLang="en-US"/>
               <a:t>第三级</a:t>
             </a:r>
-            <a:endParaRPr lang="zh-CN" altLang="en-US" smtClean="0"/>
           </a:p>
           <a:p>
             <a:pPr lvl="3"/>
             <a:r>
-              <a:rPr lang="zh-CN" altLang="en-US" smtClean="0"/>
+              <a:rPr lang="zh-CN" altLang="en-US"/>
               <a:t>第四级</a:t>
             </a:r>
-            <a:endParaRPr lang="zh-CN" altLang="en-US" smtClean="0"/>
           </a:p>
           <a:p>
             <a:pPr lvl="4"/>
             <a:r>
-              <a:rPr lang="zh-CN" altLang="en-US" smtClean="0"/>
+              <a:rPr lang="zh-CN" altLang="en-US"/>
               <a:t>第五级</a:t>
             </a:r>
-            <a:endParaRPr lang="zh-CN" altLang="en-US"/>
           </a:p>
         </p:txBody>
       </p:sp>
@@ -559,6 +556,7 @@
           <a:p>
             <a:fld id="{82F288E0-7875-42C4-84C8-98DBBD3BF4D2}" type="datetimeFigureOut">
               <a:rPr lang="zh-CN" altLang="en-US" smtClean="0"/>
+              <a:t>2020/2/1</a:t>
             </a:fld>
             <a:endParaRPr lang="zh-CN" altLang="en-US"/>
           </a:p>
@@ -600,6 +598,7 @@
           <a:p>
             <a:fld id="{7D9BB5D0-35E4-459D-AEF3-FE4D7C45CC19}" type="slidenum">
               <a:rPr lang="zh-CN" altLang="en-US" smtClean="0"/>
+              <a:t>‹#›</a:t>
             </a:fld>
             <a:endParaRPr lang="zh-CN" altLang="en-US"/>
           </a:p>
@@ -655,10 +654,9 @@
           </a:lstStyle>
           <a:p>
             <a:r>
-              <a:rPr lang="zh-CN" altLang="en-US" smtClean="0"/>
+              <a:rPr lang="zh-CN" altLang="en-US"/>
               <a:t>单击此处编辑母版标题样式</a:t>
             </a:r>
-            <a:endParaRPr lang="zh-CN" altLang="en-US"/>
           </a:p>
         </p:txBody>
       </p:sp>
@@ -775,10 +773,9 @@
           <a:p>
             <a:pPr lvl="0"/>
             <a:r>
-              <a:rPr lang="zh-CN" altLang="en-US" smtClean="0"/>
+              <a:rPr lang="zh-CN" altLang="en-US"/>
               <a:t>单击此处编辑母版文本样式</a:t>
             </a:r>
-            <a:endParaRPr lang="zh-CN" altLang="en-US" smtClean="0"/>
           </a:p>
         </p:txBody>
       </p:sp>
@@ -799,6 +796,7 @@
           <a:p>
             <a:fld id="{82F288E0-7875-42C4-84C8-98DBBD3BF4D2}" type="datetimeFigureOut">
               <a:rPr lang="zh-CN" altLang="en-US" smtClean="0"/>
+              <a:t>2020/2/1</a:t>
             </a:fld>
             <a:endParaRPr lang="zh-CN" altLang="en-US"/>
           </a:p>
@@ -840,6 +838,7 @@
           <a:p>
             <a:fld id="{7D9BB5D0-35E4-459D-AEF3-FE4D7C45CC19}" type="slidenum">
               <a:rPr lang="zh-CN" altLang="en-US" smtClean="0"/>
+              <a:t>‹#›</a:t>
             </a:fld>
             <a:endParaRPr lang="zh-CN" altLang="en-US"/>
           </a:p>
@@ -886,10 +885,9 @@
           <a:lstStyle/>
           <a:p>
             <a:r>
-              <a:rPr lang="zh-CN" altLang="en-US" smtClean="0"/>
+              <a:rPr lang="zh-CN" altLang="en-US"/>
               <a:t>单击此处编辑母版标题样式</a:t>
             </a:r>
-            <a:endParaRPr lang="zh-CN" altLang="en-US"/>
           </a:p>
         </p:txBody>
       </p:sp>
@@ -915,42 +913,37 @@
           <a:p>
             <a:pPr lvl="0"/>
             <a:r>
-              <a:rPr lang="zh-CN" altLang="en-US" smtClean="0"/>
+              <a:rPr lang="zh-CN" altLang="en-US"/>
               <a:t>单击此处编辑母版文本样式</a:t>
             </a:r>
-            <a:endParaRPr lang="zh-CN" altLang="en-US" smtClean="0"/>
           </a:p>
           <a:p>
             <a:pPr lvl="1"/>
             <a:r>
-              <a:rPr lang="zh-CN" altLang="en-US" smtClean="0"/>
+              <a:rPr lang="zh-CN" altLang="en-US"/>
               <a:t>第二级</a:t>
             </a:r>
-            <a:endParaRPr lang="zh-CN" altLang="en-US" smtClean="0"/>
           </a:p>
           <a:p>
             <a:pPr lvl="2"/>
             <a:r>
-              <a:rPr lang="zh-CN" altLang="en-US" smtClean="0"/>
+              <a:rPr lang="zh-CN" altLang="en-US"/>
               <a:t>第三级</a:t>
             </a:r>
-            <a:endParaRPr lang="zh-CN" altLang="en-US" smtClean="0"/>
           </a:p>
           <a:p>
             <a:pPr lvl="3"/>
             <a:r>
-              <a:rPr lang="zh-CN" altLang="en-US" smtClean="0"/>
+              <a:rPr lang="zh-CN" altLang="en-US"/>
               <a:t>第四级</a:t>
             </a:r>
-            <a:endParaRPr lang="zh-CN" altLang="en-US" smtClean="0"/>
           </a:p>
           <a:p>
             <a:pPr lvl="4"/>
             <a:r>
-              <a:rPr lang="zh-CN" altLang="en-US" smtClean="0"/>
+              <a:rPr lang="zh-CN" altLang="en-US"/>
               <a:t>第五级</a:t>
             </a:r>
-            <a:endParaRPr lang="zh-CN" altLang="en-US"/>
           </a:p>
         </p:txBody>
       </p:sp>
@@ -976,42 +969,37 @@
           <a:p>
             <a:pPr lvl="0"/>
             <a:r>
-              <a:rPr lang="zh-CN" altLang="en-US" smtClean="0"/>
+              <a:rPr lang="zh-CN" altLang="en-US"/>
               <a:t>单击此处编辑母版文本样式</a:t>
             </a:r>
-            <a:endParaRPr lang="zh-CN" altLang="en-US" smtClean="0"/>
           </a:p>
           <a:p>
             <a:pPr lvl="1"/>
             <a:r>
-              <a:rPr lang="zh-CN" altLang="en-US" smtClean="0"/>
+              <a:rPr lang="zh-CN" altLang="en-US"/>
               <a:t>第二级</a:t>
             </a:r>
-            <a:endParaRPr lang="zh-CN" altLang="en-US" smtClean="0"/>
           </a:p>
           <a:p>
             <a:pPr lvl="2"/>
             <a:r>
-              <a:rPr lang="zh-CN" altLang="en-US" smtClean="0"/>
+              <a:rPr lang="zh-CN" altLang="en-US"/>
               <a:t>第三级</a:t>
             </a:r>
-            <a:endParaRPr lang="zh-CN" altLang="en-US" smtClean="0"/>
           </a:p>
           <a:p>
             <a:pPr lvl="3"/>
             <a:r>
-              <a:rPr lang="zh-CN" altLang="en-US" smtClean="0"/>
+              <a:rPr lang="zh-CN" altLang="en-US"/>
               <a:t>第四级</a:t>
             </a:r>
-            <a:endParaRPr lang="zh-CN" altLang="en-US" smtClean="0"/>
           </a:p>
           <a:p>
             <a:pPr lvl="4"/>
             <a:r>
-              <a:rPr lang="zh-CN" altLang="en-US" smtClean="0"/>
+              <a:rPr lang="zh-CN" altLang="en-US"/>
               <a:t>第五级</a:t>
             </a:r>
-            <a:endParaRPr lang="zh-CN" altLang="en-US"/>
           </a:p>
         </p:txBody>
       </p:sp>
@@ -1032,6 +1020,7 @@
           <a:p>
             <a:fld id="{82F288E0-7875-42C4-84C8-98DBBD3BF4D2}" type="datetimeFigureOut">
               <a:rPr lang="zh-CN" altLang="en-US" smtClean="0"/>
+              <a:t>2020/2/1</a:t>
             </a:fld>
             <a:endParaRPr lang="zh-CN" altLang="en-US"/>
           </a:p>
@@ -1073,6 +1062,7 @@
           <a:p>
             <a:fld id="{7D9BB5D0-35E4-459D-AEF3-FE4D7C45CC19}" type="slidenum">
               <a:rPr lang="zh-CN" altLang="en-US" smtClean="0"/>
+              <a:t>‹#›</a:t>
             </a:fld>
             <a:endParaRPr lang="zh-CN" altLang="en-US"/>
           </a:p>
@@ -1124,10 +1114,9 @@
           <a:lstStyle/>
           <a:p>
             <a:r>
-              <a:rPr lang="zh-CN" altLang="en-US" smtClean="0"/>
+              <a:rPr lang="zh-CN" altLang="en-US"/>
               <a:t>单击此处编辑母版标题样式</a:t>
             </a:r>
-            <a:endParaRPr lang="zh-CN" altLang="en-US"/>
           </a:p>
         </p:txBody>
       </p:sp>
@@ -1190,10 +1179,9 @@
           <a:p>
             <a:pPr lvl="0"/>
             <a:r>
-              <a:rPr lang="zh-CN" altLang="en-US" smtClean="0"/>
+              <a:rPr lang="zh-CN" altLang="en-US"/>
               <a:t>单击此处编辑母版文本样式</a:t>
             </a:r>
-            <a:endParaRPr lang="zh-CN" altLang="en-US" smtClean="0"/>
           </a:p>
         </p:txBody>
       </p:sp>
@@ -1219,42 +1207,37 @@
           <a:p>
             <a:pPr lvl="0"/>
             <a:r>
-              <a:rPr lang="zh-CN" altLang="en-US" smtClean="0"/>
+              <a:rPr lang="zh-CN" altLang="en-US"/>
               <a:t>单击此处编辑母版文本样式</a:t>
             </a:r>
-            <a:endParaRPr lang="zh-CN" altLang="en-US" smtClean="0"/>
           </a:p>
           <a:p>
             <a:pPr lvl="1"/>
             <a:r>
-              <a:rPr lang="zh-CN" altLang="en-US" smtClean="0"/>
+              <a:rPr lang="zh-CN" altLang="en-US"/>
               <a:t>第二级</a:t>
             </a:r>
-            <a:endParaRPr lang="zh-CN" altLang="en-US" smtClean="0"/>
           </a:p>
           <a:p>
             <a:pPr lvl="2"/>
             <a:r>
-              <a:rPr lang="zh-CN" altLang="en-US" smtClean="0"/>
+              <a:rPr lang="zh-CN" altLang="en-US"/>
               <a:t>第三级</a:t>
             </a:r>
-            <a:endParaRPr lang="zh-CN" altLang="en-US" smtClean="0"/>
           </a:p>
           <a:p>
             <a:pPr lvl="3"/>
             <a:r>
-              <a:rPr lang="zh-CN" altLang="en-US" smtClean="0"/>
+              <a:rPr lang="zh-CN" altLang="en-US"/>
               <a:t>第四级</a:t>
             </a:r>
-            <a:endParaRPr lang="zh-CN" altLang="en-US" smtClean="0"/>
           </a:p>
           <a:p>
             <a:pPr lvl="4"/>
             <a:r>
-              <a:rPr lang="zh-CN" altLang="en-US" smtClean="0"/>
+              <a:rPr lang="zh-CN" altLang="en-US"/>
               <a:t>第五级</a:t>
             </a:r>
-            <a:endParaRPr lang="zh-CN" altLang="en-US"/>
           </a:p>
         </p:txBody>
       </p:sp>
@@ -1317,10 +1300,9 @@
           <a:p>
             <a:pPr lvl="0"/>
             <a:r>
-              <a:rPr lang="zh-CN" altLang="en-US" smtClean="0"/>
+              <a:rPr lang="zh-CN" altLang="en-US"/>
               <a:t>单击此处编辑母版文本样式</a:t>
             </a:r>
-            <a:endParaRPr lang="zh-CN" altLang="en-US" smtClean="0"/>
           </a:p>
         </p:txBody>
       </p:sp>
@@ -1346,42 +1328,37 @@
           <a:p>
             <a:pPr lvl="0"/>
             <a:r>
-              <a:rPr lang="zh-CN" altLang="en-US" smtClean="0"/>
+              <a:rPr lang="zh-CN" altLang="en-US"/>
               <a:t>单击此处编辑母版文本样式</a:t>
             </a:r>
-            <a:endParaRPr lang="zh-CN" altLang="en-US" smtClean="0"/>
           </a:p>
           <a:p>
             <a:pPr lvl="1"/>
             <a:r>
-              <a:rPr lang="zh-CN" altLang="en-US" smtClean="0"/>
+              <a:rPr lang="zh-CN" altLang="en-US"/>
               <a:t>第二级</a:t>
             </a:r>
-            <a:endParaRPr lang="zh-CN" altLang="en-US" smtClean="0"/>
           </a:p>
           <a:p>
             <a:pPr lvl="2"/>
             <a:r>
-              <a:rPr lang="zh-CN" altLang="en-US" smtClean="0"/>
+              <a:rPr lang="zh-CN" altLang="en-US"/>
               <a:t>第三级</a:t>
             </a:r>
-            <a:endParaRPr lang="zh-CN" altLang="en-US" smtClean="0"/>
           </a:p>
           <a:p>
             <a:pPr lvl="3"/>
             <a:r>
-              <a:rPr lang="zh-CN" altLang="en-US" smtClean="0"/>
+              <a:rPr lang="zh-CN" altLang="en-US"/>
               <a:t>第四级</a:t>
             </a:r>
-            <a:endParaRPr lang="zh-CN" altLang="en-US" smtClean="0"/>
           </a:p>
           <a:p>
             <a:pPr lvl="4"/>
             <a:r>
-              <a:rPr lang="zh-CN" altLang="en-US" smtClean="0"/>
+              <a:rPr lang="zh-CN" altLang="en-US"/>
               <a:t>第五级</a:t>
             </a:r>
-            <a:endParaRPr lang="zh-CN" altLang="en-US"/>
           </a:p>
         </p:txBody>
       </p:sp>
@@ -1402,6 +1379,7 @@
           <a:p>
             <a:fld id="{82F288E0-7875-42C4-84C8-98DBBD3BF4D2}" type="datetimeFigureOut">
               <a:rPr lang="zh-CN" altLang="en-US" smtClean="0"/>
+              <a:t>2020/2/1</a:t>
             </a:fld>
             <a:endParaRPr lang="zh-CN" altLang="en-US"/>
           </a:p>
@@ -1443,6 +1421,7 @@
           <a:p>
             <a:fld id="{7D9BB5D0-35E4-459D-AEF3-FE4D7C45CC19}" type="slidenum">
               <a:rPr lang="zh-CN" altLang="en-US" smtClean="0"/>
+              <a:t>‹#›</a:t>
             </a:fld>
             <a:endParaRPr lang="zh-CN" altLang="en-US"/>
           </a:p>
@@ -1489,10 +1468,9 @@
           <a:lstStyle/>
           <a:p>
             <a:r>
-              <a:rPr lang="zh-CN" altLang="en-US" smtClean="0"/>
+              <a:rPr lang="zh-CN" altLang="en-US"/>
               <a:t>单击此处编辑母版标题样式</a:t>
             </a:r>
-            <a:endParaRPr lang="zh-CN" altLang="en-US"/>
           </a:p>
         </p:txBody>
       </p:sp>
@@ -1513,6 +1491,7 @@
           <a:p>
             <a:fld id="{82F288E0-7875-42C4-84C8-98DBBD3BF4D2}" type="datetimeFigureOut">
               <a:rPr lang="zh-CN" altLang="en-US" smtClean="0"/>
+              <a:t>2020/2/1</a:t>
             </a:fld>
             <a:endParaRPr lang="zh-CN" altLang="en-US"/>
           </a:p>
@@ -1554,6 +1533,7 @@
           <a:p>
             <a:fld id="{7D9BB5D0-35E4-459D-AEF3-FE4D7C45CC19}" type="slidenum">
               <a:rPr lang="zh-CN" altLang="en-US" smtClean="0"/>
+              <a:t>‹#›</a:t>
             </a:fld>
             <a:endParaRPr lang="zh-CN" altLang="en-US"/>
           </a:p>
@@ -1601,6 +1581,7 @@
           <a:p>
             <a:fld id="{82F288E0-7875-42C4-84C8-98DBBD3BF4D2}" type="datetimeFigureOut">
               <a:rPr lang="zh-CN" altLang="en-US" smtClean="0"/>
+              <a:t>2020/2/1</a:t>
             </a:fld>
             <a:endParaRPr lang="zh-CN" altLang="en-US"/>
           </a:p>
@@ -1642,6 +1623,7 @@
           <a:p>
             <a:fld id="{7D9BB5D0-35E4-459D-AEF3-FE4D7C45CC19}" type="slidenum">
               <a:rPr lang="zh-CN" altLang="en-US" smtClean="0"/>
+              <a:t>‹#›</a:t>
             </a:fld>
             <a:endParaRPr lang="zh-CN" altLang="en-US"/>
           </a:p>
@@ -1697,10 +1679,9 @@
           </a:lstStyle>
           <a:p>
             <a:r>
-              <a:rPr lang="zh-CN" altLang="en-US" smtClean="0"/>
+              <a:rPr lang="zh-CN" altLang="en-US"/>
               <a:t>单击此处编辑母版标题样式</a:t>
             </a:r>
-            <a:endParaRPr lang="zh-CN" altLang="en-US"/>
           </a:p>
         </p:txBody>
       </p:sp>
@@ -1824,10 +1805,9 @@
           <a:p>
             <a:pPr lvl="0"/>
             <a:r>
-              <a:rPr lang="zh-CN" altLang="en-US" smtClean="0"/>
+              <a:rPr lang="zh-CN" altLang="en-US"/>
               <a:t>单击此处编辑母版文本样式</a:t>
             </a:r>
-            <a:endParaRPr lang="zh-CN" altLang="en-US" smtClean="0"/>
           </a:p>
         </p:txBody>
       </p:sp>
@@ -1848,6 +1828,7 @@
           <a:p>
             <a:fld id="{82F288E0-7875-42C4-84C8-98DBBD3BF4D2}" type="datetimeFigureOut">
               <a:rPr lang="zh-CN" altLang="en-US" smtClean="0"/>
+              <a:t>2020/2/1</a:t>
             </a:fld>
             <a:endParaRPr lang="zh-CN" altLang="en-US"/>
           </a:p>
@@ -1889,6 +1870,7 @@
           <a:p>
             <a:fld id="{7D9BB5D0-35E4-459D-AEF3-FE4D7C45CC19}" type="slidenum">
               <a:rPr lang="zh-CN" altLang="en-US" smtClean="0"/>
+              <a:t>‹#›</a:t>
             </a:fld>
             <a:endParaRPr lang="zh-CN" altLang="en-US"/>
           </a:p>
@@ -1940,10 +1922,9 @@
           <a:lstStyle/>
           <a:p>
             <a:r>
-              <a:rPr lang="zh-CN" altLang="en-US" smtClean="0"/>
+              <a:rPr lang="zh-CN" altLang="en-US"/>
               <a:t>单击此处编辑母版标题样式</a:t>
             </a:r>
-            <a:endParaRPr lang="zh-CN" altLang="en-US"/>
           </a:p>
         </p:txBody>
       </p:sp>
@@ -1969,42 +1950,37 @@
           <a:p>
             <a:pPr lvl="0"/>
             <a:r>
-              <a:rPr lang="zh-CN" altLang="en-US" smtClean="0"/>
+              <a:rPr lang="zh-CN" altLang="en-US"/>
               <a:t>单击此处编辑母版文本样式</a:t>
             </a:r>
-            <a:endParaRPr lang="zh-CN" altLang="en-US" smtClean="0"/>
           </a:p>
           <a:p>
             <a:pPr lvl="1"/>
             <a:r>
-              <a:rPr lang="zh-CN" altLang="en-US" smtClean="0"/>
+              <a:rPr lang="zh-CN" altLang="en-US"/>
               <a:t>第二级</a:t>
             </a:r>
-            <a:endParaRPr lang="zh-CN" altLang="en-US" smtClean="0"/>
           </a:p>
           <a:p>
             <a:pPr lvl="2"/>
             <a:r>
-              <a:rPr lang="zh-CN" altLang="en-US" smtClean="0"/>
+              <a:rPr lang="zh-CN" altLang="en-US"/>
               <a:t>第三级</a:t>
             </a:r>
-            <a:endParaRPr lang="zh-CN" altLang="en-US" smtClean="0"/>
           </a:p>
           <a:p>
             <a:pPr lvl="3"/>
             <a:r>
-              <a:rPr lang="zh-CN" altLang="en-US" smtClean="0"/>
+              <a:rPr lang="zh-CN" altLang="en-US"/>
               <a:t>第四级</a:t>
             </a:r>
-            <a:endParaRPr lang="zh-CN" altLang="en-US" smtClean="0"/>
           </a:p>
           <a:p>
             <a:pPr lvl="4"/>
             <a:r>
-              <a:rPr lang="zh-CN" altLang="en-US" smtClean="0"/>
+              <a:rPr lang="zh-CN" altLang="en-US"/>
               <a:t>第五级</a:t>
             </a:r>
-            <a:endParaRPr lang="zh-CN" altLang="en-US"/>
           </a:p>
         </p:txBody>
       </p:sp>
@@ -2025,6 +2001,7 @@
           <a:p>
             <a:fld id="{82F288E0-7875-42C4-84C8-98DBBD3BF4D2}" type="datetimeFigureOut">
               <a:rPr lang="zh-CN" altLang="en-US" smtClean="0"/>
+              <a:t>2020/2/1</a:t>
             </a:fld>
             <a:endParaRPr lang="zh-CN" altLang="en-US"/>
           </a:p>
@@ -2066,6 +2043,7 @@
           <a:p>
             <a:fld id="{7D9BB5D0-35E4-459D-AEF3-FE4D7C45CC19}" type="slidenum">
               <a:rPr lang="zh-CN" altLang="en-US" smtClean="0"/>
+              <a:t>‹#›</a:t>
             </a:fld>
             <a:endParaRPr lang="zh-CN" altLang="en-US"/>
           </a:p>
@@ -2127,10 +2105,9 @@
           <a:lstStyle/>
           <a:p>
             <a:r>
-              <a:rPr lang="zh-CN" altLang="en-US" smtClean="0"/>
+              <a:rPr lang="zh-CN" altLang="en-US"/>
               <a:t>单击此处编辑母版标题样式</a:t>
             </a:r>
-            <a:endParaRPr lang="zh-CN" altLang="en-US"/>
           </a:p>
         </p:txBody>
       </p:sp>
@@ -2161,42 +2138,37 @@
           <a:p>
             <a:pPr lvl="0"/>
             <a:r>
-              <a:rPr lang="zh-CN" altLang="en-US" smtClean="0"/>
+              <a:rPr lang="zh-CN" altLang="en-US"/>
               <a:t>单击此处编辑母版文本样式</a:t>
             </a:r>
-            <a:endParaRPr lang="zh-CN" altLang="en-US" smtClean="0"/>
           </a:p>
           <a:p>
             <a:pPr lvl="1"/>
             <a:r>
-              <a:rPr lang="zh-CN" altLang="en-US" smtClean="0"/>
+              <a:rPr lang="zh-CN" altLang="en-US"/>
               <a:t>第二级</a:t>
             </a:r>
-            <a:endParaRPr lang="zh-CN" altLang="en-US" smtClean="0"/>
           </a:p>
           <a:p>
             <a:pPr lvl="2"/>
             <a:r>
-              <a:rPr lang="zh-CN" altLang="en-US" smtClean="0"/>
+              <a:rPr lang="zh-CN" altLang="en-US"/>
               <a:t>第三级</a:t>
             </a:r>
-            <a:endParaRPr lang="zh-CN" altLang="en-US" smtClean="0"/>
           </a:p>
           <a:p>
             <a:pPr lvl="3"/>
             <a:r>
-              <a:rPr lang="zh-CN" altLang="en-US" smtClean="0"/>
+              <a:rPr lang="zh-CN" altLang="en-US"/>
               <a:t>第四级</a:t>
             </a:r>
-            <a:endParaRPr lang="zh-CN" altLang="en-US" smtClean="0"/>
           </a:p>
           <a:p>
             <a:pPr lvl="4"/>
             <a:r>
-              <a:rPr lang="zh-CN" altLang="en-US" smtClean="0"/>
+              <a:rPr lang="zh-CN" altLang="en-US"/>
               <a:t>第五级</a:t>
             </a:r>
-            <a:endParaRPr lang="zh-CN" altLang="en-US"/>
           </a:p>
         </p:txBody>
       </p:sp>
@@ -2235,6 +2207,7 @@
           <a:p>
             <a:fld id="{82F288E0-7875-42C4-84C8-98DBBD3BF4D2}" type="datetimeFigureOut">
               <a:rPr lang="zh-CN" altLang="en-US" smtClean="0"/>
+              <a:t>2020/2/1</a:t>
             </a:fld>
             <a:endParaRPr lang="zh-CN" altLang="en-US"/>
           </a:p>
@@ -2312,6 +2285,7 @@
           <a:p>
             <a:fld id="{7D9BB5D0-35E4-459D-AEF3-FE4D7C45CC19}" type="slidenum">
               <a:rPr lang="zh-CN" altLang="en-US" smtClean="0"/>
+              <a:t>‹#›</a:t>
             </a:fld>
             <a:endParaRPr lang="zh-CN" altLang="en-US"/>
           </a:p>
@@ -2624,7 +2598,14 @@
         <p:cNvGrpSpPr/>
         <p:nvPr/>
       </p:nvGrpSpPr>
-      <p:grpSpPr/>
+      <p:grpSpPr>
+        <a:xfrm>
+          <a:off x="0" y="0"/>
+          <a:ext cx="0" cy="0"/>
+          <a:chOff x="0" y="0"/>
+          <a:chExt cx="0" cy="0"/>
+        </a:xfrm>
+      </p:grpSpPr>
       <p:grpSp>
         <p:nvGrpSpPr>
           <p:cNvPr id="22" name="组合 21"/>
@@ -2672,6 +2653,7 @@
           </p:style>
           <p:txBody>
             <a:bodyPr rtlCol="0" anchor="ctr"/>
+            <a:lstStyle/>
             <a:p>
               <a:pPr algn="ctr"/>
               <a:endParaRPr lang="zh-CN" altLang="en-US"/>
@@ -2698,12 +2680,12 @@
             <a:bodyPr wrap="none" rtlCol="0">
               <a:spAutoFit/>
             </a:bodyPr>
+            <a:lstStyle/>
             <a:p>
               <a:r>
                 <a:rPr lang="en-US" altLang="zh-CN"/>
                 <a:t>AQS</a:t>
               </a:r>
-              <a:endParaRPr lang="en-US" altLang="zh-CN"/>
             </a:p>
           </p:txBody>
         </p:sp>
@@ -2727,12 +2709,12 @@
             <a:bodyPr wrap="none" rtlCol="0">
               <a:spAutoFit/>
             </a:bodyPr>
+            <a:lstStyle/>
             <a:p>
               <a:r>
                 <a:rPr lang="en-US" altLang="zh-CN"/>
                 <a:t>state=0</a:t>
               </a:r>
-              <a:endParaRPr lang="en-US" altLang="zh-CN"/>
             </a:p>
           </p:txBody>
         </p:sp>
@@ -2789,19 +2771,18 @@
             <a:bodyPr wrap="square" rtlCol="0">
               <a:spAutoFit/>
             </a:bodyPr>
+            <a:lstStyle/>
             <a:p>
               <a:r>
                 <a:rPr lang="en-US" altLang="zh-CN" sz="1200"/>
                 <a:t>Lock.lock()</a:t>
               </a:r>
-              <a:endParaRPr lang="en-US" altLang="zh-CN" sz="1200"/>
             </a:p>
             <a:p>
               <a:r>
                 <a:rPr lang="en-US" altLang="zh-CN" sz="1200"/>
                 <a:t> </a:t>
               </a:r>
-              <a:endParaRPr lang="en-US" altLang="zh-CN" sz="1200"/>
             </a:p>
           </p:txBody>
         </p:sp>
@@ -2825,12 +2806,12 @@
             <a:bodyPr wrap="square" rtlCol="0">
               <a:spAutoFit/>
             </a:bodyPr>
+            <a:lstStyle/>
             <a:p>
               <a:r>
                 <a:rPr lang="en-US" altLang="zh-CN" sz="1200"/>
                 <a:t>thread-0</a:t>
               </a:r>
-              <a:endParaRPr lang="en-US" altLang="zh-CN" sz="1200"/>
             </a:p>
           </p:txBody>
         </p:sp>
@@ -2854,6 +2835,7 @@
             <a:bodyPr wrap="square" rtlCol="0">
               <a:spAutoFit/>
             </a:bodyPr>
+            <a:lstStyle/>
             <a:p>
               <a:pPr algn="l">
                 <a:buClrTx/>
@@ -2864,7 +2846,6 @@
                 <a:rPr lang="zh-CN" altLang="en-US" sz="1200"/>
                 <a:t>判断AQS中的states是否为0如果为0就说明能够lock()</a:t>
               </a:r>
-              <a:endParaRPr lang="zh-CN" altLang="en-US" sz="1200"/>
             </a:p>
             <a:p>
               <a:pPr algn="l">
@@ -2928,6 +2909,7 @@
           </p:style>
           <p:txBody>
             <a:bodyPr rtlCol="0" anchor="ctr"/>
+            <a:lstStyle/>
             <a:p>
               <a:pPr algn="ctr"/>
               <a:endParaRPr lang="zh-CN" altLang="en-US"/>
@@ -2954,12 +2936,12 @@
             <a:bodyPr wrap="none" rtlCol="0">
               <a:spAutoFit/>
             </a:bodyPr>
+            <a:lstStyle/>
             <a:p>
               <a:r>
                 <a:rPr lang="en-US" altLang="zh-CN"/>
                 <a:t>AQS</a:t>
               </a:r>
-              <a:endParaRPr lang="en-US" altLang="zh-CN"/>
             </a:p>
           </p:txBody>
         </p:sp>
@@ -2983,12 +2965,12 @@
             <a:bodyPr wrap="none" rtlCol="0">
               <a:spAutoFit/>
             </a:bodyPr>
+            <a:lstStyle/>
             <a:p>
               <a:r>
                 <a:rPr lang="en-US" altLang="zh-CN"/>
                 <a:t>state=1</a:t>
               </a:r>
-              <a:endParaRPr lang="en-US" altLang="zh-CN"/>
             </a:p>
           </p:txBody>
         </p:sp>
@@ -3045,19 +3027,18 @@
             <a:bodyPr wrap="square" rtlCol="0">
               <a:spAutoFit/>
             </a:bodyPr>
+            <a:lstStyle/>
             <a:p>
               <a:r>
                 <a:rPr lang="zh-CN" altLang="en-US" sz="1200"/>
                 <a:t>Lock.lock()</a:t>
               </a:r>
-              <a:endParaRPr lang="zh-CN" altLang="en-US" sz="1200"/>
             </a:p>
             <a:p>
               <a:r>
                 <a:rPr lang="en-US" altLang="zh-CN"/>
                 <a:t> </a:t>
               </a:r>
-              <a:endParaRPr lang="en-US" altLang="zh-CN"/>
             </a:p>
           </p:txBody>
         </p:sp>
@@ -3081,6 +3062,7 @@
             <a:bodyPr wrap="square" rtlCol="0">
               <a:spAutoFit/>
             </a:bodyPr>
+            <a:lstStyle/>
             <a:p>
               <a:r>
                 <a:rPr lang="zh-CN" altLang="en-US" sz="1200"/>
@@ -3110,6 +3092,7 @@
             <a:bodyPr wrap="square" rtlCol="0">
               <a:spAutoFit/>
             </a:bodyPr>
+            <a:lstStyle/>
             <a:p>
               <a:pPr algn="l">
                 <a:buClrTx/>
@@ -3120,7 +3103,6 @@
                 <a:rPr lang="zh-CN" altLang="en-US" sz="1200"/>
                 <a:t>判断AQS中的states是否为0</a:t>
               </a:r>
-              <a:endParaRPr lang="zh-CN" altLang="en-US" sz="1200"/>
             </a:p>
             <a:p>
               <a:pPr algn="l">
@@ -3132,7 +3114,6 @@
                 <a:rPr lang="zh-CN" altLang="en-US" sz="1200"/>
                 <a:t>不为0在看看锁住的线程是否为当前线程如果是就执行state=state+1</a:t>
               </a:r>
-              <a:endParaRPr lang="zh-CN" altLang="en-US" sz="1200"/>
             </a:p>
             <a:p>
               <a:pPr algn="l">
@@ -3144,7 +3125,6 @@
                 <a:rPr lang="zh-CN" altLang="en-US" sz="1200"/>
                 <a:t> </a:t>
               </a:r>
-              <a:endParaRPr lang="zh-CN" altLang="en-US" sz="1200"/>
             </a:p>
           </p:txBody>
         </p:sp>
@@ -3169,6 +3149,7 @@
           <a:bodyPr wrap="square" rtlCol="0">
             <a:spAutoFit/>
           </a:bodyPr>
+          <a:lstStyle/>
           <a:p>
             <a:r>
               <a:rPr lang="zh-CN" altLang="en-US" sz="1200"/>
@@ -3182,7 +3163,6 @@
               <a:rPr lang="zh-CN" altLang="en-US" sz="1200"/>
               <a:t>说明获取锁失败</a:t>
             </a:r>
-            <a:endParaRPr lang="zh-CN" altLang="en-US" sz="1200"/>
           </a:p>
         </p:txBody>
       </p:sp>
@@ -3222,6 +3202,7 @@
         </p:style>
         <p:txBody>
           <a:bodyPr rtlCol="0" anchor="ctr"/>
+          <a:lstStyle/>
           <a:p>
             <a:pPr algn="ctr"/>
             <a:endParaRPr lang="zh-CN" altLang="en-US"/>
@@ -3248,6 +3229,7 @@
           <a:bodyPr wrap="square" rtlCol="0">
             <a:spAutoFit/>
           </a:bodyPr>
+          <a:lstStyle/>
           <a:p>
             <a:r>
               <a:rPr lang="en-US" altLang="zh-CN"/>
@@ -3257,7 +3239,6 @@
               <a:rPr lang="zh-CN" altLang="en-US"/>
               <a:t>获取锁的过程</a:t>
             </a:r>
-            <a:endParaRPr lang="zh-CN" altLang="en-US"/>
           </a:p>
         </p:txBody>
       </p:sp>
@@ -3281,6 +3262,7 @@
           <a:bodyPr wrap="square" rtlCol="0">
             <a:spAutoFit/>
           </a:bodyPr>
+          <a:lstStyle/>
           <a:p>
             <a:r>
               <a:rPr lang="zh-CN" altLang="en-US" sz="1200">
@@ -3306,11 +3288,6 @@
               </a:rPr>
               <a:t>说明一个线程已经再次获取了这个锁，到时候释放的时候这个线程相应的也会释放两次</a:t>
             </a:r>
-            <a:endParaRPr lang="zh-CN" altLang="en-US" sz="1200">
-              <a:solidFill>
-                <a:srgbClr val="FF0000"/>
-              </a:solidFill>
-            </a:endParaRPr>
           </a:p>
         </p:txBody>
       </p:sp>
@@ -3331,7 +3308,14 @@
         <p:cNvGrpSpPr/>
         <p:nvPr/>
       </p:nvGrpSpPr>
-      <p:grpSpPr/>
+      <p:grpSpPr>
+        <a:xfrm>
+          <a:off x="0" y="0"/>
+          <a:ext cx="0" cy="0"/>
+          <a:chOff x="0" y="0"/>
+          <a:chExt cx="0" cy="0"/>
+        </a:xfrm>
+      </p:grpSpPr>
       <p:grpSp>
         <p:nvGrpSpPr>
           <p:cNvPr id="22" name="组合 21"/>
@@ -3379,6 +3363,7 @@
           </p:style>
           <p:txBody>
             <a:bodyPr rtlCol="0" anchor="ctr"/>
+            <a:lstStyle/>
             <a:p>
               <a:pPr algn="ctr"/>
               <a:endParaRPr lang="zh-CN" altLang="en-US"/>
@@ -3405,12 +3390,12 @@
             <a:bodyPr wrap="none" rtlCol="0">
               <a:spAutoFit/>
             </a:bodyPr>
+            <a:lstStyle/>
             <a:p>
               <a:r>
                 <a:rPr lang="en-US" altLang="zh-CN"/>
                 <a:t>AQS</a:t>
               </a:r>
-              <a:endParaRPr lang="en-US" altLang="zh-CN"/>
             </a:p>
           </p:txBody>
         </p:sp>
@@ -3434,12 +3419,12 @@
             <a:bodyPr wrap="none" rtlCol="0">
               <a:spAutoFit/>
             </a:bodyPr>
+            <a:lstStyle/>
             <a:p>
               <a:r>
                 <a:rPr lang="en-US" altLang="zh-CN"/>
                 <a:t>state=3</a:t>
               </a:r>
-              <a:endParaRPr lang="en-US" altLang="zh-CN"/>
             </a:p>
           </p:txBody>
         </p:sp>
@@ -3496,19 +3481,18 @@
             <a:bodyPr wrap="square" rtlCol="0">
               <a:spAutoFit/>
             </a:bodyPr>
+            <a:lstStyle/>
             <a:p>
               <a:r>
                 <a:rPr lang="en-US" altLang="zh-CN" sz="1200"/>
                 <a:t>Lock.unlock()</a:t>
               </a:r>
-              <a:endParaRPr lang="en-US" altLang="zh-CN" sz="1200"/>
             </a:p>
             <a:p>
               <a:r>
                 <a:rPr lang="en-US" altLang="zh-CN" sz="1200"/>
                 <a:t> </a:t>
               </a:r>
-              <a:endParaRPr lang="en-US" altLang="zh-CN" sz="1200"/>
             </a:p>
           </p:txBody>
         </p:sp>
@@ -3532,12 +3516,12 @@
             <a:bodyPr wrap="square" rtlCol="0">
               <a:spAutoFit/>
             </a:bodyPr>
+            <a:lstStyle/>
             <a:p>
               <a:r>
                 <a:rPr lang="en-US" altLang="zh-CN" sz="1200"/>
                 <a:t>thread-0</a:t>
               </a:r>
-              <a:endParaRPr lang="en-US" altLang="zh-CN" sz="1200"/>
             </a:p>
           </p:txBody>
         </p:sp>
@@ -3561,6 +3545,7 @@
             <a:bodyPr wrap="square" rtlCol="0">
               <a:spAutoFit/>
             </a:bodyPr>
+            <a:lstStyle/>
             <a:p>
               <a:pPr algn="l">
                 <a:buClrTx/>
@@ -3575,7 +3560,6 @@
                 <a:rPr lang="en-US" altLang="zh-CN" sz="1200"/>
                 <a:t>state=state-1</a:t>
               </a:r>
-              <a:endParaRPr lang="en-US" altLang="zh-CN" sz="1200"/>
             </a:p>
             <a:p>
               <a:pPr algn="l">
@@ -3599,7 +3583,6 @@
                 <a:rPr lang="en-US" altLang="zh-CN" sz="1200"/>
                 <a:t>null</a:t>
               </a:r>
-              <a:endParaRPr lang="en-US" altLang="zh-CN" sz="1200"/>
             </a:p>
           </p:txBody>
         </p:sp>
@@ -3624,6 +3607,7 @@
           <a:bodyPr wrap="none" rtlCol="0" anchor="t">
             <a:spAutoFit/>
           </a:bodyPr>
+          <a:lstStyle/>
           <a:p>
             <a:r>
               <a:rPr lang="en-US" altLang="zh-CN">
@@ -3658,7 +3642,14 @@
         <p:cNvGrpSpPr/>
         <p:nvPr/>
       </p:nvGrpSpPr>
-      <p:grpSpPr/>
+      <p:grpSpPr>
+        <a:xfrm>
+          <a:off x="0" y="0"/>
+          <a:ext cx="0" cy="0"/>
+          <a:chOff x="0" y="0"/>
+          <a:chExt cx="0" cy="0"/>
+        </a:xfrm>
+      </p:grpSpPr>
       <p:grpSp>
         <p:nvGrpSpPr>
           <p:cNvPr id="22" name="组合 21"/>
@@ -3706,6 +3697,7 @@
           </p:style>
           <p:txBody>
             <a:bodyPr rtlCol="0" anchor="ctr"/>
+            <a:lstStyle/>
             <a:p>
               <a:pPr algn="ctr"/>
               <a:endParaRPr lang="zh-CN" altLang="en-US"/>
@@ -3732,12 +3724,12 @@
             <a:bodyPr wrap="none" rtlCol="0">
               <a:spAutoFit/>
             </a:bodyPr>
+            <a:lstStyle/>
             <a:p>
               <a:r>
                 <a:rPr lang="en-US" altLang="zh-CN"/>
                 <a:t>AQS</a:t>
               </a:r>
-              <a:endParaRPr lang="en-US" altLang="zh-CN"/>
             </a:p>
           </p:txBody>
         </p:sp>
@@ -3761,12 +3753,12 @@
             <a:bodyPr wrap="none" rtlCol="0">
               <a:spAutoFit/>
             </a:bodyPr>
+            <a:lstStyle/>
             <a:p>
               <a:r>
                 <a:rPr lang="en-US" altLang="zh-CN"/>
                 <a:t>state=3</a:t>
               </a:r>
-              <a:endParaRPr lang="en-US" altLang="zh-CN"/>
             </a:p>
           </p:txBody>
         </p:sp>
@@ -3823,19 +3815,18 @@
             <a:bodyPr wrap="square" rtlCol="0">
               <a:spAutoFit/>
             </a:bodyPr>
+            <a:lstStyle/>
             <a:p>
               <a:r>
                 <a:rPr lang="en-US" altLang="zh-CN" sz="1200"/>
                 <a:t>Lock.unlock()</a:t>
               </a:r>
-              <a:endParaRPr lang="en-US" altLang="zh-CN" sz="1200"/>
             </a:p>
             <a:p>
               <a:r>
                 <a:rPr lang="en-US" altLang="zh-CN" sz="1200"/>
                 <a:t> </a:t>
               </a:r>
-              <a:endParaRPr lang="en-US" altLang="zh-CN" sz="1200"/>
             </a:p>
           </p:txBody>
         </p:sp>
@@ -3859,12 +3850,12 @@
             <a:bodyPr wrap="square" rtlCol="0">
               <a:spAutoFit/>
             </a:bodyPr>
+            <a:lstStyle/>
             <a:p>
               <a:r>
                 <a:rPr lang="en-US" altLang="zh-CN" sz="1200"/>
                 <a:t>thread-0</a:t>
               </a:r>
-              <a:endParaRPr lang="en-US" altLang="zh-CN" sz="1200"/>
             </a:p>
           </p:txBody>
         </p:sp>
@@ -3888,6 +3879,7 @@
             <a:bodyPr wrap="square" rtlCol="0">
               <a:spAutoFit/>
             </a:bodyPr>
+            <a:lstStyle/>
             <a:p>
               <a:pPr algn="l">
                 <a:buClrTx/>
@@ -3902,7 +3894,6 @@
                 <a:rPr lang="en-US" altLang="zh-CN" sz="1200"/>
                 <a:t>state=state-1</a:t>
               </a:r>
-              <a:endParaRPr lang="en-US" altLang="zh-CN" sz="1200"/>
             </a:p>
             <a:p>
               <a:pPr algn="l">
@@ -3926,7 +3917,6 @@
                 <a:rPr lang="en-US" altLang="zh-CN" sz="1200"/>
                 <a:t>null</a:t>
               </a:r>
-              <a:endParaRPr lang="en-US" altLang="zh-CN" sz="1200"/>
             </a:p>
           </p:txBody>
         </p:sp>
@@ -3951,12 +3941,12 @@
           <a:bodyPr wrap="square" rtlCol="0">
             <a:spAutoFit/>
           </a:bodyPr>
+          <a:lstStyle/>
           <a:p>
             <a:r>
               <a:rPr lang="en-US" altLang="zh-CN"/>
               <a:t>ReentrantReadWriteLock</a:t>
             </a:r>
-            <a:endParaRPr lang="en-US" altLang="zh-CN"/>
           </a:p>
         </p:txBody>
       </p:sp>
@@ -3977,7 +3967,14 @@
         <p:cNvGrpSpPr/>
         <p:nvPr/>
       </p:nvGrpSpPr>
-      <p:grpSpPr/>
+      <p:grpSpPr>
+        <a:xfrm>
+          <a:off x="0" y="0"/>
+          <a:ext cx="0" cy="0"/>
+          <a:chOff x="0" y="0"/>
+          <a:chExt cx="0" cy="0"/>
+        </a:xfrm>
+      </p:grpSpPr>
       <p:grpSp>
         <p:nvGrpSpPr>
           <p:cNvPr id="13" name="组合 12"/>
@@ -4028,6 +4025,7 @@
           </p:style>
           <p:txBody>
             <a:bodyPr rtlCol="0" anchor="ctr"/>
+            <a:lstStyle/>
             <a:p>
               <a:pPr algn="ctr"/>
               <a:endParaRPr lang="zh-CN" altLang="en-US"/>
@@ -4075,6 +4073,7 @@
           </p:style>
           <p:txBody>
             <a:bodyPr rtlCol="0" anchor="ctr"/>
+            <a:lstStyle/>
             <a:p>
               <a:pPr algn="ctr"/>
               <a:endParaRPr lang="zh-CN" altLang="en-US"/>
@@ -4182,6 +4181,7 @@
           </p:style>
           <p:txBody>
             <a:bodyPr rtlCol="0" anchor="ctr"/>
+            <a:lstStyle/>
             <a:p>
               <a:pPr algn="ctr"/>
               <a:endParaRPr lang="zh-CN" altLang="en-US"/>
@@ -4229,6 +4229,7 @@
           </p:style>
           <p:txBody>
             <a:bodyPr rtlCol="0" anchor="ctr"/>
+            <a:lstStyle/>
             <a:p>
               <a:pPr algn="ctr"/>
               <a:endParaRPr lang="zh-CN" altLang="en-US"/>
@@ -4255,12 +4256,12 @@
             <a:bodyPr wrap="square" rtlCol="0">
               <a:spAutoFit/>
             </a:bodyPr>
+            <a:lstStyle/>
             <a:p>
               <a:r>
                 <a:rPr lang="en-US" altLang="zh-CN"/>
                 <a:t>client</a:t>
               </a:r>
-              <a:endParaRPr lang="en-US" altLang="zh-CN"/>
             </a:p>
           </p:txBody>
         </p:sp>
@@ -4284,12 +4285,12 @@
             <a:bodyPr wrap="square" rtlCol="0">
               <a:spAutoFit/>
             </a:bodyPr>
+            <a:lstStyle/>
             <a:p>
               <a:r>
                 <a:rPr lang="en-US" altLang="zh-CN"/>
                 <a:t>Server</a:t>
               </a:r>
-              <a:endParaRPr lang="en-US" altLang="zh-CN"/>
             </a:p>
           </p:txBody>
         </p:sp>
@@ -4313,12 +4314,12 @@
             <a:bodyPr wrap="square" rtlCol="0">
               <a:spAutoFit/>
             </a:bodyPr>
+            <a:lstStyle/>
             <a:p>
               <a:r>
                 <a:rPr lang="en-US" altLang="zh-CN"/>
                 <a:t>package1</a:t>
               </a:r>
-              <a:endParaRPr lang="en-US" altLang="zh-CN"/>
             </a:p>
           </p:txBody>
         </p:sp>
@@ -4342,12 +4343,12 @@
             <a:bodyPr wrap="square" rtlCol="0">
               <a:spAutoFit/>
             </a:bodyPr>
+            <a:lstStyle/>
             <a:p>
               <a:r>
                 <a:rPr lang="en-US" altLang="zh-CN"/>
                 <a:t>package2</a:t>
               </a:r>
-              <a:endParaRPr lang="en-US" altLang="zh-CN"/>
             </a:p>
           </p:txBody>
         </p:sp>
@@ -4402,6 +4403,7 @@
           </p:style>
           <p:txBody>
             <a:bodyPr rtlCol="0" anchor="ctr"/>
+            <a:lstStyle/>
             <a:p>
               <a:pPr algn="ctr"/>
               <a:endParaRPr lang="zh-CN" altLang="en-US"/>
@@ -4449,6 +4451,7 @@
           </p:style>
           <p:txBody>
             <a:bodyPr rtlCol="0" anchor="ctr"/>
+            <a:lstStyle/>
             <a:p>
               <a:pPr algn="ctr"/>
               <a:endParaRPr lang="zh-CN" altLang="en-US"/>
@@ -4556,6 +4559,7 @@
           </p:style>
           <p:txBody>
             <a:bodyPr rtlCol="0" anchor="ctr"/>
+            <a:lstStyle/>
             <a:p>
               <a:pPr algn="ctr"/>
               <a:endParaRPr lang="zh-CN" altLang="en-US"/>
@@ -4603,6 +4607,7 @@
           </p:style>
           <p:txBody>
             <a:bodyPr rtlCol="0" anchor="ctr"/>
+            <a:lstStyle/>
             <a:p>
               <a:pPr algn="ctr"/>
               <a:endParaRPr lang="zh-CN" altLang="en-US"/>
@@ -4629,12 +4634,12 @@
             <a:bodyPr wrap="square" rtlCol="0">
               <a:spAutoFit/>
             </a:bodyPr>
+            <a:lstStyle/>
             <a:p>
               <a:r>
                 <a:rPr lang="en-US" altLang="zh-CN"/>
                 <a:t>client</a:t>
               </a:r>
-              <a:endParaRPr lang="en-US" altLang="zh-CN"/>
             </a:p>
           </p:txBody>
         </p:sp>
@@ -4658,12 +4663,12 @@
             <a:bodyPr wrap="square" rtlCol="0">
               <a:spAutoFit/>
             </a:bodyPr>
+            <a:lstStyle/>
             <a:p>
               <a:r>
                 <a:rPr lang="en-US" altLang="zh-CN"/>
                 <a:t>Server</a:t>
               </a:r>
-              <a:endParaRPr lang="en-US" altLang="zh-CN"/>
             </a:p>
           </p:txBody>
         </p:sp>
@@ -4687,12 +4692,12 @@
             <a:bodyPr wrap="square" rtlCol="0">
               <a:spAutoFit/>
             </a:bodyPr>
+            <a:lstStyle/>
             <a:p>
               <a:r>
                 <a:rPr lang="en-US" altLang="zh-CN"/>
                 <a:t>package1</a:t>
               </a:r>
-              <a:endParaRPr lang="en-US" altLang="zh-CN"/>
             </a:p>
           </p:txBody>
         </p:sp>
@@ -4716,12 +4721,12 @@
             <a:bodyPr wrap="square" rtlCol="0">
               <a:spAutoFit/>
             </a:bodyPr>
+            <a:lstStyle/>
             <a:p>
               <a:r>
                 <a:rPr lang="en-US" altLang="zh-CN"/>
                 <a:t>package2</a:t>
               </a:r>
-              <a:endParaRPr lang="en-US" altLang="zh-CN"/>
             </a:p>
           </p:txBody>
         </p:sp>
@@ -4767,6 +4772,7 @@
         </p:style>
         <p:txBody>
           <a:bodyPr rtlCol="0" anchor="ctr"/>
+          <a:lstStyle/>
           <a:p>
             <a:pPr algn="ctr"/>
             <a:r>
@@ -4829,6 +4835,7 @@
           </p:style>
           <p:txBody>
             <a:bodyPr rtlCol="0" anchor="ctr"/>
+            <a:lstStyle/>
             <a:p>
               <a:pPr algn="ctr"/>
               <a:endParaRPr lang="zh-CN" altLang="en-US"/>
@@ -4876,6 +4883,7 @@
           </p:style>
           <p:txBody>
             <a:bodyPr rtlCol="0" anchor="ctr"/>
+            <a:lstStyle/>
             <a:p>
               <a:pPr algn="ctr"/>
               <a:endParaRPr lang="zh-CN" altLang="en-US"/>
@@ -4983,6 +4991,7 @@
           </p:style>
           <p:txBody>
             <a:bodyPr rtlCol="0" anchor="ctr"/>
+            <a:lstStyle/>
             <a:p>
               <a:pPr algn="ctr"/>
               <a:endParaRPr lang="zh-CN" altLang="en-US"/>
@@ -5030,6 +5039,7 @@
           </p:style>
           <p:txBody>
             <a:bodyPr rtlCol="0" anchor="ctr"/>
+            <a:lstStyle/>
             <a:p>
               <a:pPr algn="ctr"/>
               <a:endParaRPr lang="zh-CN" altLang="en-US"/>
@@ -5056,12 +5066,12 @@
             <a:bodyPr wrap="square" rtlCol="0">
               <a:spAutoFit/>
             </a:bodyPr>
+            <a:lstStyle/>
             <a:p>
               <a:r>
                 <a:rPr lang="en-US" altLang="zh-CN"/>
                 <a:t>client</a:t>
               </a:r>
-              <a:endParaRPr lang="en-US" altLang="zh-CN"/>
             </a:p>
           </p:txBody>
         </p:sp>
@@ -5085,12 +5095,12 @@
             <a:bodyPr wrap="square" rtlCol="0">
               <a:spAutoFit/>
             </a:bodyPr>
+            <a:lstStyle/>
             <a:p>
               <a:r>
                 <a:rPr lang="en-US" altLang="zh-CN"/>
                 <a:t>Server</a:t>
               </a:r>
-              <a:endParaRPr lang="en-US" altLang="zh-CN"/>
             </a:p>
           </p:txBody>
         </p:sp>
@@ -5114,12 +5124,12 @@
             <a:bodyPr wrap="square" rtlCol="0">
               <a:spAutoFit/>
             </a:bodyPr>
+            <a:lstStyle/>
             <a:p>
               <a:r>
                 <a:rPr lang="en-US" altLang="zh-CN"/>
                 <a:t>package1</a:t>
               </a:r>
-              <a:endParaRPr lang="en-US" altLang="zh-CN"/>
             </a:p>
           </p:txBody>
         </p:sp>
@@ -5143,12 +5153,12 @@
             <a:bodyPr wrap="square" rtlCol="0">
               <a:spAutoFit/>
             </a:bodyPr>
+            <a:lstStyle/>
             <a:p>
               <a:r>
                 <a:rPr lang="en-US" altLang="zh-CN"/>
                 <a:t>package2</a:t>
               </a:r>
-              <a:endParaRPr lang="en-US" altLang="zh-CN"/>
             </a:p>
           </p:txBody>
         </p:sp>
@@ -5192,6 +5202,7 @@
         </p:style>
         <p:txBody>
           <a:bodyPr rtlCol="0" anchor="ctr"/>
+          <a:lstStyle/>
           <a:p>
             <a:pPr algn="ctr"/>
             <a:r>
@@ -5221,7 +5232,14 @@
         <p:cNvGrpSpPr/>
         <p:nvPr/>
       </p:nvGrpSpPr>
-      <p:grpSpPr/>
+      <p:grpSpPr>
+        <a:xfrm>
+          <a:off x="0" y="0"/>
+          <a:ext cx="0" cy="0"/>
+          <a:chOff x="0" y="0"/>
+          <a:chExt cx="0" cy="0"/>
+        </a:xfrm>
+      </p:grpSpPr>
       <p:grpSp>
         <p:nvGrpSpPr>
           <p:cNvPr id="14" name="组合 13"/>
@@ -5272,6 +5290,7 @@
           </p:style>
           <p:txBody>
             <a:bodyPr rtlCol="0" anchor="ctr"/>
+            <a:lstStyle/>
             <a:p>
               <a:pPr algn="ctr"/>
               <a:endParaRPr lang="zh-CN" altLang="en-US"/>
@@ -5319,6 +5338,7 @@
           </p:style>
           <p:txBody>
             <a:bodyPr rtlCol="0" anchor="ctr"/>
+            <a:lstStyle/>
             <a:p>
               <a:pPr algn="ctr"/>
               <a:endParaRPr lang="zh-CN" altLang="en-US"/>
@@ -5426,6 +5446,7 @@
           </p:style>
           <p:txBody>
             <a:bodyPr rtlCol="0" anchor="ctr"/>
+            <a:lstStyle/>
             <a:p>
               <a:pPr algn="ctr"/>
               <a:endParaRPr lang="zh-CN" altLang="en-US"/>
@@ -5473,6 +5494,7 @@
           </p:style>
           <p:txBody>
             <a:bodyPr rtlCol="0" anchor="ctr"/>
+            <a:lstStyle/>
             <a:p>
               <a:pPr algn="ctr"/>
               <a:endParaRPr lang="zh-CN" altLang="en-US"/>
@@ -5499,12 +5521,12 @@
             <a:bodyPr wrap="square" rtlCol="0">
               <a:spAutoFit/>
             </a:bodyPr>
+            <a:lstStyle/>
             <a:p>
               <a:r>
                 <a:rPr lang="en-US" altLang="zh-CN"/>
                 <a:t>client</a:t>
               </a:r>
-              <a:endParaRPr lang="en-US" altLang="zh-CN"/>
             </a:p>
           </p:txBody>
         </p:sp>
@@ -5528,12 +5550,12 @@
             <a:bodyPr wrap="square" rtlCol="0">
               <a:spAutoFit/>
             </a:bodyPr>
+            <a:lstStyle/>
             <a:p>
               <a:r>
                 <a:rPr lang="en-US" altLang="zh-CN"/>
                 <a:t>Server</a:t>
               </a:r>
-              <a:endParaRPr lang="en-US" altLang="zh-CN"/>
             </a:p>
           </p:txBody>
         </p:sp>
@@ -5557,12 +5579,12 @@
             <a:bodyPr wrap="square" rtlCol="0">
               <a:spAutoFit/>
             </a:bodyPr>
+            <a:lstStyle/>
             <a:p>
               <a:r>
                 <a:rPr lang="en-US" altLang="zh-CN"/>
                 <a:t>package1</a:t>
               </a:r>
-              <a:endParaRPr lang="en-US" altLang="zh-CN"/>
             </a:p>
           </p:txBody>
         </p:sp>
@@ -5586,12 +5608,12 @@
             <a:bodyPr wrap="square" rtlCol="0">
               <a:spAutoFit/>
             </a:bodyPr>
+            <a:lstStyle/>
             <a:p>
               <a:r>
                 <a:rPr lang="en-US" altLang="zh-CN"/>
                 <a:t>package2</a:t>
               </a:r>
-              <a:endParaRPr lang="en-US" altLang="zh-CN"/>
             </a:p>
           </p:txBody>
         </p:sp>
@@ -5613,7 +5635,14 @@
         <p:cNvGrpSpPr/>
         <p:nvPr/>
       </p:nvGrpSpPr>
-      <p:grpSpPr/>
+      <p:grpSpPr>
+        <a:xfrm>
+          <a:off x="0" y="0"/>
+          <a:ext cx="0" cy="0"/>
+          <a:chOff x="0" y="0"/>
+          <a:chExt cx="0" cy="0"/>
+        </a:xfrm>
+      </p:grpSpPr>
       <p:sp>
         <p:nvSpPr>
           <p:cNvPr id="4" name="圆角矩形 3"/>
@@ -5663,6 +5692,7 @@
         </p:style>
         <p:txBody>
           <a:bodyPr rtlCol="0" anchor="ctr"/>
+          <a:lstStyle/>
           <a:p>
             <a:pPr algn="ctr"/>
             <a:endParaRPr lang="zh-CN" altLang="en-US"/>
@@ -5720,6 +5750,7 @@
         </p:style>
         <p:txBody>
           <a:bodyPr rtlCol="0" anchor="ctr"/>
+          <a:lstStyle/>
           <a:p>
             <a:pPr algn="ctr"/>
             <a:endParaRPr lang="zh-CN" altLang="en-US"/>
@@ -5777,6 +5808,7 @@
         </p:style>
         <p:txBody>
           <a:bodyPr rtlCol="0" anchor="ctr"/>
+          <a:lstStyle/>
           <a:p>
             <a:pPr algn="ctr"/>
             <a:endParaRPr lang="zh-CN" altLang="en-US"/>
@@ -5834,6 +5866,7 @@
         </p:style>
         <p:txBody>
           <a:bodyPr rtlCol="0" anchor="ctr"/>
+          <a:lstStyle/>
           <a:p>
             <a:pPr algn="ctr"/>
             <a:endParaRPr lang="zh-CN" altLang="en-US"/>
@@ -5891,6 +5924,7 @@
         </p:style>
         <p:txBody>
           <a:bodyPr rtlCol="0" anchor="ctr"/>
+          <a:lstStyle/>
           <a:p>
             <a:pPr algn="ctr"/>
             <a:endParaRPr lang="zh-CN" altLang="en-US"/>
@@ -5948,6 +5982,7 @@
         </p:style>
         <p:txBody>
           <a:bodyPr rtlCol="0" anchor="ctr"/>
+          <a:lstStyle/>
           <a:p>
             <a:pPr algn="ctr"/>
             <a:endParaRPr lang="zh-CN" altLang="en-US"/>
@@ -5987,6 +6022,7 @@
         </p:style>
         <p:txBody>
           <a:bodyPr rtlCol="0" anchor="ctr"/>
+          <a:lstStyle/>
           <a:p>
             <a:pPr algn="ctr"/>
             <a:endParaRPr lang="zh-CN" altLang="en-US"/>
@@ -6026,6 +6062,7 @@
         </p:style>
         <p:txBody>
           <a:bodyPr rtlCol="0" anchor="ctr"/>
+          <a:lstStyle/>
           <a:p>
             <a:pPr algn="ctr"/>
             <a:endParaRPr lang="zh-CN" altLang="en-US"/>
@@ -6065,6 +6102,7 @@
         </p:style>
         <p:txBody>
           <a:bodyPr rtlCol="0" anchor="ctr"/>
+          <a:lstStyle/>
           <a:p>
             <a:pPr algn="ctr"/>
             <a:endParaRPr lang="zh-CN" altLang="en-US"/>
@@ -6194,16 +6232,1611 @@
           <a:bodyPr wrap="square" rtlCol="0">
             <a:spAutoFit/>
           </a:bodyPr>
+          <a:lstStyle/>
           <a:p>
             <a:r>
               <a:rPr lang="en-US" altLang="zh-CN"/>
               <a:t>connect</a:t>
             </a:r>
-            <a:endParaRPr lang="en-US" altLang="zh-CN"/>
           </a:p>
         </p:txBody>
       </p:sp>
     </p:spTree>
+  </p:cSld>
+  <p:clrMapOvr>
+    <a:masterClrMapping/>
+  </p:clrMapOvr>
+</p:sld>
+</file>
+
+<file path=ppt/slides/slide7.xml><?xml version="1.0" encoding="utf-8"?>
+<p:sld xmlns:a="http://schemas.openxmlformats.org/drawingml/2006/main" xmlns:r="http://schemas.openxmlformats.org/officeDocument/2006/relationships" xmlns:p="http://schemas.openxmlformats.org/presentationml/2006/main">
+  <p:cSld>
+    <p:spTree>
+      <p:nvGrpSpPr>
+        <p:cNvPr id="1" name=""/>
+        <p:cNvGrpSpPr/>
+        <p:nvPr/>
+      </p:nvGrpSpPr>
+      <p:grpSpPr>
+        <a:xfrm>
+          <a:off x="0" y="0"/>
+          <a:ext cx="0" cy="0"/>
+          <a:chOff x="0" y="0"/>
+          <a:chExt cx="0" cy="0"/>
+        </a:xfrm>
+      </p:grpSpPr>
+      <p:sp>
+        <p:nvSpPr>
+          <p:cNvPr id="4" name="矩形: 圆角 3">
+            <a:extLst>
+              <a:ext uri="{FF2B5EF4-FFF2-40B4-BE49-F238E27FC236}">
+                <a16:creationId xmlns:a16="http://schemas.microsoft.com/office/drawing/2014/main" id="{EEDE6A87-0D61-4C22-828A-0E30B0B5727E}"/>
+              </a:ext>
+            </a:extLst>
+          </p:cNvPr>
+          <p:cNvSpPr/>
+          <p:nvPr/>
+        </p:nvSpPr>
+        <p:spPr>
+          <a:xfrm>
+            <a:off x="4309533" y="2907453"/>
+            <a:ext cx="3572933" cy="1693333"/>
+          </a:xfrm>
+          <a:prstGeom prst="roundRect">
+            <a:avLst/>
+          </a:prstGeom>
+        </p:spPr>
+        <p:style>
+          <a:lnRef idx="2">
+            <a:schemeClr val="accent1">
+              <a:shade val="50000"/>
+            </a:schemeClr>
+          </a:lnRef>
+          <a:fillRef idx="1">
+            <a:schemeClr val="accent1"/>
+          </a:fillRef>
+          <a:effectRef idx="0">
+            <a:schemeClr val="accent1"/>
+          </a:effectRef>
+          <a:fontRef idx="minor">
+            <a:schemeClr val="lt1"/>
+          </a:fontRef>
+        </p:style>
+        <p:txBody>
+          <a:bodyPr rtlCol="0" anchor="ctr"/>
+          <a:lstStyle/>
+          <a:p>
+            <a:pPr algn="ctr"/>
+            <a:endParaRPr lang="zh-CN" altLang="en-US" dirty="0"/>
+          </a:p>
+        </p:txBody>
+      </p:sp>
+      <p:sp>
+        <p:nvSpPr>
+          <p:cNvPr id="8" name="矩形: 圆角 7">
+            <a:extLst>
+              <a:ext uri="{FF2B5EF4-FFF2-40B4-BE49-F238E27FC236}">
+                <a16:creationId xmlns:a16="http://schemas.microsoft.com/office/drawing/2014/main" id="{D03E9A40-F63D-4BAB-AC55-B0F81BB39B48}"/>
+              </a:ext>
+            </a:extLst>
+          </p:cNvPr>
+          <p:cNvSpPr/>
+          <p:nvPr/>
+        </p:nvSpPr>
+        <p:spPr>
+          <a:xfrm>
+            <a:off x="5083728" y="1273076"/>
+            <a:ext cx="1895912" cy="813732"/>
+          </a:xfrm>
+          <a:prstGeom prst="roundRect">
+            <a:avLst/>
+          </a:prstGeom>
+        </p:spPr>
+        <p:style>
+          <a:lnRef idx="2">
+            <a:schemeClr val="accent1">
+              <a:shade val="50000"/>
+            </a:schemeClr>
+          </a:lnRef>
+          <a:fillRef idx="1">
+            <a:schemeClr val="accent1"/>
+          </a:fillRef>
+          <a:effectRef idx="0">
+            <a:schemeClr val="accent1"/>
+          </a:effectRef>
+          <a:fontRef idx="minor">
+            <a:schemeClr val="lt1"/>
+          </a:fontRef>
+        </p:style>
+        <p:txBody>
+          <a:bodyPr rtlCol="0" anchor="ctr"/>
+          <a:lstStyle/>
+          <a:p>
+            <a:pPr algn="ctr"/>
+            <a:r>
+              <a:rPr lang="en-US" altLang="zh-CN" dirty="0"/>
+              <a:t>NEW</a:t>
+            </a:r>
+            <a:endParaRPr lang="zh-CN" altLang="en-US" dirty="0"/>
+          </a:p>
+        </p:txBody>
+      </p:sp>
+      <p:sp>
+        <p:nvSpPr>
+          <p:cNvPr id="11" name="矩形: 圆角 10">
+            <a:extLst>
+              <a:ext uri="{FF2B5EF4-FFF2-40B4-BE49-F238E27FC236}">
+                <a16:creationId xmlns:a16="http://schemas.microsoft.com/office/drawing/2014/main" id="{577C9340-2E6D-4FEB-8E1E-6DDEF3222CD1}"/>
+              </a:ext>
+            </a:extLst>
+          </p:cNvPr>
+          <p:cNvSpPr/>
+          <p:nvPr/>
+        </p:nvSpPr>
+        <p:spPr>
+          <a:xfrm>
+            <a:off x="9554750" y="4558105"/>
+            <a:ext cx="1895912" cy="813732"/>
+          </a:xfrm>
+          <a:prstGeom prst="roundRect">
+            <a:avLst/>
+          </a:prstGeom>
+        </p:spPr>
+        <p:style>
+          <a:lnRef idx="2">
+            <a:schemeClr val="accent1">
+              <a:shade val="50000"/>
+            </a:schemeClr>
+          </a:lnRef>
+          <a:fillRef idx="1">
+            <a:schemeClr val="accent1"/>
+          </a:fillRef>
+          <a:effectRef idx="0">
+            <a:schemeClr val="accent1"/>
+          </a:effectRef>
+          <a:fontRef idx="minor">
+            <a:schemeClr val="lt1"/>
+          </a:fontRef>
+        </p:style>
+        <p:txBody>
+          <a:bodyPr rtlCol="0" anchor="ctr"/>
+          <a:lstStyle/>
+          <a:p>
+            <a:pPr algn="ctr"/>
+            <a:r>
+              <a:rPr lang="en-US" altLang="zh-CN" dirty="0"/>
+              <a:t>WAITING</a:t>
+            </a:r>
+            <a:endParaRPr lang="zh-CN" altLang="en-US" dirty="0"/>
+          </a:p>
+        </p:txBody>
+      </p:sp>
+      <p:sp>
+        <p:nvSpPr>
+          <p:cNvPr id="12" name="矩形: 圆角 11">
+            <a:extLst>
+              <a:ext uri="{FF2B5EF4-FFF2-40B4-BE49-F238E27FC236}">
+                <a16:creationId xmlns:a16="http://schemas.microsoft.com/office/drawing/2014/main" id="{2E3CB8FF-0183-4C45-83C9-A4F3A3C2510E}"/>
+              </a:ext>
+            </a:extLst>
+          </p:cNvPr>
+          <p:cNvSpPr/>
+          <p:nvPr/>
+        </p:nvSpPr>
+        <p:spPr>
+          <a:xfrm>
+            <a:off x="9554750" y="2093721"/>
+            <a:ext cx="1895912" cy="813732"/>
+          </a:xfrm>
+          <a:prstGeom prst="roundRect">
+            <a:avLst/>
+          </a:prstGeom>
+        </p:spPr>
+        <p:style>
+          <a:lnRef idx="2">
+            <a:schemeClr val="accent1">
+              <a:shade val="50000"/>
+            </a:schemeClr>
+          </a:lnRef>
+          <a:fillRef idx="1">
+            <a:schemeClr val="accent1"/>
+          </a:fillRef>
+          <a:effectRef idx="0">
+            <a:schemeClr val="accent1"/>
+          </a:effectRef>
+          <a:fontRef idx="minor">
+            <a:schemeClr val="lt1"/>
+          </a:fontRef>
+        </p:style>
+        <p:txBody>
+          <a:bodyPr rtlCol="0" anchor="ctr"/>
+          <a:lstStyle/>
+          <a:p>
+            <a:pPr algn="ctr"/>
+            <a:r>
+              <a:rPr lang="en-US" altLang="zh-CN" dirty="0"/>
+              <a:t>TIME_WATING</a:t>
+            </a:r>
+            <a:endParaRPr lang="zh-CN" altLang="en-US" dirty="0"/>
+          </a:p>
+        </p:txBody>
+      </p:sp>
+      <p:sp>
+        <p:nvSpPr>
+          <p:cNvPr id="13" name="矩形: 圆角 12">
+            <a:extLst>
+              <a:ext uri="{FF2B5EF4-FFF2-40B4-BE49-F238E27FC236}">
+                <a16:creationId xmlns:a16="http://schemas.microsoft.com/office/drawing/2014/main" id="{6FC06425-5AD6-4B60-B7FC-E38993AA9650}"/>
+              </a:ext>
+            </a:extLst>
+          </p:cNvPr>
+          <p:cNvSpPr/>
+          <p:nvPr/>
+        </p:nvSpPr>
+        <p:spPr>
+          <a:xfrm>
+            <a:off x="4962088" y="5421431"/>
+            <a:ext cx="1895912" cy="813732"/>
+          </a:xfrm>
+          <a:prstGeom prst="roundRect">
+            <a:avLst/>
+          </a:prstGeom>
+        </p:spPr>
+        <p:style>
+          <a:lnRef idx="2">
+            <a:schemeClr val="accent1">
+              <a:shade val="50000"/>
+            </a:schemeClr>
+          </a:lnRef>
+          <a:fillRef idx="1">
+            <a:schemeClr val="accent1"/>
+          </a:fillRef>
+          <a:effectRef idx="0">
+            <a:schemeClr val="accent1"/>
+          </a:effectRef>
+          <a:fontRef idx="minor">
+            <a:schemeClr val="lt1"/>
+          </a:fontRef>
+        </p:style>
+        <p:txBody>
+          <a:bodyPr rtlCol="0" anchor="ctr"/>
+          <a:lstStyle/>
+          <a:p>
+            <a:pPr algn="ctr"/>
+            <a:r>
+              <a:rPr lang="en-US" altLang="zh-CN" dirty="0"/>
+              <a:t>TERMINATED</a:t>
+            </a:r>
+            <a:endParaRPr lang="zh-CN" altLang="en-US" dirty="0"/>
+          </a:p>
+        </p:txBody>
+      </p:sp>
+      <p:sp>
+        <p:nvSpPr>
+          <p:cNvPr id="14" name="矩形: 圆角 13">
+            <a:extLst>
+              <a:ext uri="{FF2B5EF4-FFF2-40B4-BE49-F238E27FC236}">
+                <a16:creationId xmlns:a16="http://schemas.microsoft.com/office/drawing/2014/main" id="{9D85E7CF-E4E7-4F15-BCA7-AE375ACF09AF}"/>
+              </a:ext>
+            </a:extLst>
+          </p:cNvPr>
+          <p:cNvSpPr/>
+          <p:nvPr/>
+        </p:nvSpPr>
+        <p:spPr>
+          <a:xfrm>
+            <a:off x="1012271" y="3347253"/>
+            <a:ext cx="1895912" cy="813732"/>
+          </a:xfrm>
+          <a:prstGeom prst="roundRect">
+            <a:avLst/>
+          </a:prstGeom>
+        </p:spPr>
+        <p:style>
+          <a:lnRef idx="2">
+            <a:schemeClr val="accent1">
+              <a:shade val="50000"/>
+            </a:schemeClr>
+          </a:lnRef>
+          <a:fillRef idx="1">
+            <a:schemeClr val="accent1"/>
+          </a:fillRef>
+          <a:effectRef idx="0">
+            <a:schemeClr val="accent1"/>
+          </a:effectRef>
+          <a:fontRef idx="minor">
+            <a:schemeClr val="lt1"/>
+          </a:fontRef>
+        </p:style>
+        <p:txBody>
+          <a:bodyPr rtlCol="0" anchor="ctr"/>
+          <a:lstStyle/>
+          <a:p>
+            <a:pPr algn="ctr"/>
+            <a:r>
+              <a:rPr lang="en-US" altLang="zh-CN" dirty="0"/>
+              <a:t>BLOCKED</a:t>
+            </a:r>
+            <a:endParaRPr lang="zh-CN" altLang="en-US" dirty="0"/>
+          </a:p>
+        </p:txBody>
+      </p:sp>
+      <p:sp>
+        <p:nvSpPr>
+          <p:cNvPr id="15" name="文本框 14">
+            <a:extLst>
+              <a:ext uri="{FF2B5EF4-FFF2-40B4-BE49-F238E27FC236}">
+                <a16:creationId xmlns:a16="http://schemas.microsoft.com/office/drawing/2014/main" id="{7F9D7AA6-0327-43F2-AE6A-52C91DA95A1C}"/>
+              </a:ext>
+            </a:extLst>
+          </p:cNvPr>
+          <p:cNvSpPr txBox="1"/>
+          <p:nvPr/>
+        </p:nvSpPr>
+        <p:spPr>
+          <a:xfrm>
+            <a:off x="4883660" y="312612"/>
+            <a:ext cx="2424678" cy="400110"/>
+          </a:xfrm>
+          <a:prstGeom prst="rect">
+            <a:avLst/>
+          </a:prstGeom>
+          <a:noFill/>
+        </p:spPr>
+        <p:txBody>
+          <a:bodyPr wrap="square" rtlCol="0">
+            <a:spAutoFit/>
+          </a:bodyPr>
+          <a:lstStyle/>
+          <a:p>
+            <a:r>
+              <a:rPr lang="zh-CN" altLang="en-US" sz="2000" b="1" dirty="0"/>
+              <a:t>线程状态相互转换</a:t>
+            </a:r>
+          </a:p>
+        </p:txBody>
+      </p:sp>
+      <p:sp>
+        <p:nvSpPr>
+          <p:cNvPr id="47" name="箭头: 左右 46">
+            <a:extLst>
+              <a:ext uri="{FF2B5EF4-FFF2-40B4-BE49-F238E27FC236}">
+                <a16:creationId xmlns:a16="http://schemas.microsoft.com/office/drawing/2014/main" id="{D3063FBA-489F-471F-A105-E559F743D2A4}"/>
+              </a:ext>
+            </a:extLst>
+          </p:cNvPr>
+          <p:cNvSpPr/>
+          <p:nvPr/>
+        </p:nvSpPr>
+        <p:spPr>
+          <a:xfrm rot="19975886">
+            <a:off x="7958665" y="2793225"/>
+            <a:ext cx="1401350" cy="406866"/>
+          </a:xfrm>
+          <a:prstGeom prst="leftRightArrow">
+            <a:avLst/>
+          </a:prstGeom>
+        </p:spPr>
+        <p:style>
+          <a:lnRef idx="2">
+            <a:schemeClr val="accent1">
+              <a:shade val="50000"/>
+            </a:schemeClr>
+          </a:lnRef>
+          <a:fillRef idx="1">
+            <a:schemeClr val="accent1"/>
+          </a:fillRef>
+          <a:effectRef idx="0">
+            <a:schemeClr val="accent1"/>
+          </a:effectRef>
+          <a:fontRef idx="minor">
+            <a:schemeClr val="lt1"/>
+          </a:fontRef>
+        </p:style>
+        <p:txBody>
+          <a:bodyPr rtlCol="0" anchor="ctr"/>
+          <a:lstStyle/>
+          <a:p>
+            <a:pPr algn="ctr"/>
+            <a:endParaRPr lang="zh-CN" altLang="en-US"/>
+          </a:p>
+        </p:txBody>
+      </p:sp>
+      <p:sp>
+        <p:nvSpPr>
+          <p:cNvPr id="48" name="箭头: 左右 47">
+            <a:extLst>
+              <a:ext uri="{FF2B5EF4-FFF2-40B4-BE49-F238E27FC236}">
+                <a16:creationId xmlns:a16="http://schemas.microsoft.com/office/drawing/2014/main" id="{AECDF6AD-1E6A-40EB-A797-FA6A4EF21664}"/>
+              </a:ext>
+            </a:extLst>
+          </p:cNvPr>
+          <p:cNvSpPr/>
+          <p:nvPr/>
+        </p:nvSpPr>
+        <p:spPr>
+          <a:xfrm rot="1194208">
+            <a:off x="7947086" y="4520968"/>
+            <a:ext cx="1401350" cy="406866"/>
+          </a:xfrm>
+          <a:prstGeom prst="leftRightArrow">
+            <a:avLst/>
+          </a:prstGeom>
+        </p:spPr>
+        <p:style>
+          <a:lnRef idx="2">
+            <a:schemeClr val="accent1">
+              <a:shade val="50000"/>
+            </a:schemeClr>
+          </a:lnRef>
+          <a:fillRef idx="1">
+            <a:schemeClr val="accent1"/>
+          </a:fillRef>
+          <a:effectRef idx="0">
+            <a:schemeClr val="accent1"/>
+          </a:effectRef>
+          <a:fontRef idx="minor">
+            <a:schemeClr val="lt1"/>
+          </a:fontRef>
+        </p:style>
+        <p:txBody>
+          <a:bodyPr rtlCol="0" anchor="ctr"/>
+          <a:lstStyle/>
+          <a:p>
+            <a:pPr algn="ctr"/>
+            <a:endParaRPr lang="zh-CN" altLang="en-US"/>
+          </a:p>
+        </p:txBody>
+      </p:sp>
+      <p:sp>
+        <p:nvSpPr>
+          <p:cNvPr id="49" name="矩形: 圆角 48">
+            <a:extLst>
+              <a:ext uri="{FF2B5EF4-FFF2-40B4-BE49-F238E27FC236}">
+                <a16:creationId xmlns:a16="http://schemas.microsoft.com/office/drawing/2014/main" id="{3D19E5B5-DE5D-475E-926E-31D050F4E7BA}"/>
+              </a:ext>
+            </a:extLst>
+          </p:cNvPr>
+          <p:cNvSpPr/>
+          <p:nvPr/>
+        </p:nvSpPr>
+        <p:spPr>
+          <a:xfrm>
+            <a:off x="4427823" y="3628051"/>
+            <a:ext cx="1164887" cy="813732"/>
+          </a:xfrm>
+          <a:prstGeom prst="roundRect">
+            <a:avLst/>
+          </a:prstGeom>
+          <a:solidFill>
+            <a:schemeClr val="accent6">
+              <a:lumMod val="75000"/>
+            </a:schemeClr>
+          </a:solidFill>
+          <a:ln>
+            <a:solidFill>
+              <a:schemeClr val="accent6">
+                <a:lumMod val="75000"/>
+              </a:schemeClr>
+            </a:solidFill>
+          </a:ln>
+        </p:spPr>
+        <p:style>
+          <a:lnRef idx="2">
+            <a:schemeClr val="accent1">
+              <a:shade val="50000"/>
+            </a:schemeClr>
+          </a:lnRef>
+          <a:fillRef idx="1">
+            <a:schemeClr val="accent1"/>
+          </a:fillRef>
+          <a:effectRef idx="0">
+            <a:schemeClr val="accent1"/>
+          </a:effectRef>
+          <a:fontRef idx="minor">
+            <a:schemeClr val="lt1"/>
+          </a:fontRef>
+        </p:style>
+        <p:txBody>
+          <a:bodyPr rtlCol="0" anchor="ctr"/>
+          <a:lstStyle/>
+          <a:p>
+            <a:pPr algn="ctr"/>
+            <a:r>
+              <a:rPr lang="en-US" altLang="zh-CN" dirty="0"/>
+              <a:t>READY</a:t>
+            </a:r>
+            <a:endParaRPr lang="zh-CN" altLang="en-US" dirty="0"/>
+          </a:p>
+        </p:txBody>
+      </p:sp>
+      <p:sp>
+        <p:nvSpPr>
+          <p:cNvPr id="50" name="矩形: 圆角 49">
+            <a:extLst>
+              <a:ext uri="{FF2B5EF4-FFF2-40B4-BE49-F238E27FC236}">
+                <a16:creationId xmlns:a16="http://schemas.microsoft.com/office/drawing/2014/main" id="{3D3E0FF6-ED13-4F19-A25F-5FD409DE5805}"/>
+              </a:ext>
+            </a:extLst>
+          </p:cNvPr>
+          <p:cNvSpPr/>
+          <p:nvPr/>
+        </p:nvSpPr>
+        <p:spPr>
+          <a:xfrm>
+            <a:off x="6470553" y="3628051"/>
+            <a:ext cx="1250197" cy="813732"/>
+          </a:xfrm>
+          <a:prstGeom prst="roundRect">
+            <a:avLst/>
+          </a:prstGeom>
+          <a:solidFill>
+            <a:schemeClr val="accent6">
+              <a:lumMod val="75000"/>
+            </a:schemeClr>
+          </a:solidFill>
+          <a:ln>
+            <a:solidFill>
+              <a:schemeClr val="accent6">
+                <a:lumMod val="75000"/>
+              </a:schemeClr>
+            </a:solidFill>
+          </a:ln>
+        </p:spPr>
+        <p:style>
+          <a:lnRef idx="2">
+            <a:schemeClr val="accent1">
+              <a:shade val="50000"/>
+            </a:schemeClr>
+          </a:lnRef>
+          <a:fillRef idx="1">
+            <a:schemeClr val="accent1"/>
+          </a:fillRef>
+          <a:effectRef idx="0">
+            <a:schemeClr val="accent1"/>
+          </a:effectRef>
+          <a:fontRef idx="minor">
+            <a:schemeClr val="lt1"/>
+          </a:fontRef>
+        </p:style>
+        <p:txBody>
+          <a:bodyPr rtlCol="0" anchor="ctr"/>
+          <a:lstStyle/>
+          <a:p>
+            <a:pPr algn="ctr"/>
+            <a:r>
+              <a:rPr lang="en-US" altLang="zh-CN" dirty="0"/>
+              <a:t>RUNNING</a:t>
+            </a:r>
+            <a:endParaRPr lang="zh-CN" altLang="en-US" dirty="0"/>
+          </a:p>
+        </p:txBody>
+      </p:sp>
+      <p:sp>
+        <p:nvSpPr>
+          <p:cNvPr id="51" name="矩形: 圆角 50">
+            <a:extLst>
+              <a:ext uri="{FF2B5EF4-FFF2-40B4-BE49-F238E27FC236}">
+                <a16:creationId xmlns:a16="http://schemas.microsoft.com/office/drawing/2014/main" id="{6B339BB0-41FB-4D19-888D-F8DA36346BB6}"/>
+              </a:ext>
+            </a:extLst>
+          </p:cNvPr>
+          <p:cNvSpPr/>
+          <p:nvPr/>
+        </p:nvSpPr>
+        <p:spPr>
+          <a:xfrm>
+            <a:off x="1438123" y="1729652"/>
+            <a:ext cx="1895912" cy="813732"/>
+          </a:xfrm>
+          <a:prstGeom prst="roundRect">
+            <a:avLst/>
+          </a:prstGeom>
+          <a:solidFill>
+            <a:schemeClr val="accent4">
+              <a:lumMod val="60000"/>
+              <a:lumOff val="40000"/>
+            </a:schemeClr>
+          </a:solidFill>
+          <a:ln>
+            <a:prstDash val="dash"/>
+          </a:ln>
+        </p:spPr>
+        <p:style>
+          <a:lnRef idx="2">
+            <a:schemeClr val="accent1">
+              <a:shade val="50000"/>
+            </a:schemeClr>
+          </a:lnRef>
+          <a:fillRef idx="1">
+            <a:schemeClr val="accent1"/>
+          </a:fillRef>
+          <a:effectRef idx="0">
+            <a:schemeClr val="accent1"/>
+          </a:effectRef>
+          <a:fontRef idx="minor">
+            <a:schemeClr val="lt1"/>
+          </a:fontRef>
+        </p:style>
+        <p:txBody>
+          <a:bodyPr rtlCol="0" anchor="ctr"/>
+          <a:lstStyle/>
+          <a:p>
+            <a:pPr algn="ctr"/>
+            <a:r>
+              <a:rPr lang="en-US" altLang="zh-CN" dirty="0">
+                <a:solidFill>
+                  <a:schemeClr val="bg2">
+                    <a:lumMod val="25000"/>
+                  </a:schemeClr>
+                </a:solidFill>
+              </a:rPr>
+              <a:t>Enter/reenter</a:t>
+            </a:r>
+          </a:p>
+          <a:p>
+            <a:pPr algn="ctr"/>
+            <a:r>
+              <a:rPr lang="en-US" altLang="zh-CN" dirty="0">
+                <a:solidFill>
+                  <a:schemeClr val="bg2">
+                    <a:lumMod val="25000"/>
+                  </a:schemeClr>
+                </a:solidFill>
+              </a:rPr>
+              <a:t>A synchronized</a:t>
+            </a:r>
+          </a:p>
+          <a:p>
+            <a:pPr algn="ctr"/>
+            <a:r>
+              <a:rPr lang="en-US" altLang="zh-CN" dirty="0">
+                <a:solidFill>
+                  <a:schemeClr val="bg2">
+                    <a:lumMod val="25000"/>
+                  </a:schemeClr>
+                </a:solidFill>
+              </a:rPr>
+              <a:t>Block method</a:t>
+            </a:r>
+            <a:endParaRPr lang="zh-CN" altLang="en-US" dirty="0">
+              <a:solidFill>
+                <a:schemeClr val="bg2">
+                  <a:lumMod val="25000"/>
+                </a:schemeClr>
+              </a:solidFill>
+            </a:endParaRPr>
+          </a:p>
+        </p:txBody>
+      </p:sp>
+      <p:sp>
+        <p:nvSpPr>
+          <p:cNvPr id="52" name="矩形: 圆角 51">
+            <a:extLst>
+              <a:ext uri="{FF2B5EF4-FFF2-40B4-BE49-F238E27FC236}">
+                <a16:creationId xmlns:a16="http://schemas.microsoft.com/office/drawing/2014/main" id="{505058AC-F501-4F20-BE51-94CDC3E7BC63}"/>
+              </a:ext>
+            </a:extLst>
+          </p:cNvPr>
+          <p:cNvSpPr/>
+          <p:nvPr/>
+        </p:nvSpPr>
+        <p:spPr>
+          <a:xfrm>
+            <a:off x="6280117" y="2332153"/>
+            <a:ext cx="1566007" cy="400230"/>
+          </a:xfrm>
+          <a:prstGeom prst="roundRect">
+            <a:avLst/>
+          </a:prstGeom>
+          <a:solidFill>
+            <a:schemeClr val="accent4">
+              <a:lumMod val="60000"/>
+              <a:lumOff val="40000"/>
+            </a:schemeClr>
+          </a:solidFill>
+          <a:ln>
+            <a:prstDash val="dash"/>
+          </a:ln>
+        </p:spPr>
+        <p:style>
+          <a:lnRef idx="2">
+            <a:schemeClr val="accent1">
+              <a:shade val="50000"/>
+            </a:schemeClr>
+          </a:lnRef>
+          <a:fillRef idx="1">
+            <a:schemeClr val="accent1"/>
+          </a:fillRef>
+          <a:effectRef idx="0">
+            <a:schemeClr val="accent1"/>
+          </a:effectRef>
+          <a:fontRef idx="minor">
+            <a:schemeClr val="lt1"/>
+          </a:fontRef>
+        </p:style>
+        <p:txBody>
+          <a:bodyPr rtlCol="0" anchor="ctr"/>
+          <a:lstStyle/>
+          <a:p>
+            <a:pPr algn="ctr"/>
+            <a:r>
+              <a:rPr lang="en-US" altLang="zh-CN" dirty="0" err="1">
+                <a:solidFill>
+                  <a:schemeClr val="bg2">
+                    <a:lumMod val="25000"/>
+                  </a:schemeClr>
+                </a:solidFill>
+              </a:rPr>
+              <a:t>Thread.start</a:t>
+            </a:r>
+            <a:endParaRPr lang="zh-CN" altLang="en-US" dirty="0">
+              <a:solidFill>
+                <a:schemeClr val="bg2">
+                  <a:lumMod val="25000"/>
+                </a:schemeClr>
+              </a:solidFill>
+            </a:endParaRPr>
+          </a:p>
+        </p:txBody>
+      </p:sp>
+      <p:sp>
+        <p:nvSpPr>
+          <p:cNvPr id="53" name="矩形: 圆角 52">
+            <a:extLst>
+              <a:ext uri="{FF2B5EF4-FFF2-40B4-BE49-F238E27FC236}">
+                <a16:creationId xmlns:a16="http://schemas.microsoft.com/office/drawing/2014/main" id="{D69390E4-0D78-4028-8112-817727734CD6}"/>
+              </a:ext>
+            </a:extLst>
+          </p:cNvPr>
+          <p:cNvSpPr/>
+          <p:nvPr/>
+        </p:nvSpPr>
+        <p:spPr>
+          <a:xfrm>
+            <a:off x="7919683" y="469504"/>
+            <a:ext cx="2606077" cy="1462299"/>
+          </a:xfrm>
+          <a:prstGeom prst="roundRect">
+            <a:avLst/>
+          </a:prstGeom>
+          <a:solidFill>
+            <a:schemeClr val="accent4">
+              <a:lumMod val="60000"/>
+              <a:lumOff val="40000"/>
+            </a:schemeClr>
+          </a:solidFill>
+          <a:ln>
+            <a:prstDash val="dash"/>
+          </a:ln>
+        </p:spPr>
+        <p:style>
+          <a:lnRef idx="2">
+            <a:schemeClr val="accent1">
+              <a:shade val="50000"/>
+            </a:schemeClr>
+          </a:lnRef>
+          <a:fillRef idx="1">
+            <a:schemeClr val="accent1"/>
+          </a:fillRef>
+          <a:effectRef idx="0">
+            <a:schemeClr val="accent1"/>
+          </a:effectRef>
+          <a:fontRef idx="minor">
+            <a:schemeClr val="lt1"/>
+          </a:fontRef>
+        </p:style>
+        <p:txBody>
+          <a:bodyPr rtlCol="0" anchor="ctr"/>
+          <a:lstStyle/>
+          <a:p>
+            <a:pPr algn="ctr"/>
+            <a:r>
+              <a:rPr lang="en-US" altLang="zh-CN" dirty="0" err="1">
+                <a:solidFill>
+                  <a:schemeClr val="bg2">
+                    <a:lumMod val="25000"/>
+                  </a:schemeClr>
+                </a:solidFill>
+              </a:rPr>
+              <a:t>Object.wait</a:t>
+            </a:r>
+            <a:r>
+              <a:rPr lang="en-US" altLang="zh-CN" dirty="0">
+                <a:solidFill>
+                  <a:schemeClr val="bg2">
+                    <a:lumMod val="25000"/>
+                  </a:schemeClr>
+                </a:solidFill>
+              </a:rPr>
+              <a:t>(long)</a:t>
+            </a:r>
+          </a:p>
+          <a:p>
+            <a:pPr algn="ctr"/>
+            <a:r>
+              <a:rPr lang="en-US" altLang="zh-CN" dirty="0" err="1">
+                <a:solidFill>
+                  <a:schemeClr val="bg2">
+                    <a:lumMod val="25000"/>
+                  </a:schemeClr>
+                </a:solidFill>
+              </a:rPr>
+              <a:t>Thread.join</a:t>
+            </a:r>
+            <a:r>
+              <a:rPr lang="en-US" altLang="zh-CN" dirty="0">
+                <a:solidFill>
+                  <a:schemeClr val="bg2">
+                    <a:lumMod val="25000"/>
+                  </a:schemeClr>
+                </a:solidFill>
+              </a:rPr>
+              <a:t>(long)</a:t>
+            </a:r>
+          </a:p>
+          <a:p>
+            <a:pPr algn="ctr"/>
+            <a:r>
+              <a:rPr lang="en-US" altLang="zh-CN" dirty="0" err="1">
+                <a:solidFill>
+                  <a:schemeClr val="bg2">
+                    <a:lumMod val="25000"/>
+                  </a:schemeClr>
+                </a:solidFill>
+              </a:rPr>
+              <a:t>Thread.sleep</a:t>
+            </a:r>
+            <a:r>
+              <a:rPr lang="en-US" altLang="zh-CN" dirty="0">
+                <a:solidFill>
+                  <a:schemeClr val="bg2">
+                    <a:lumMod val="25000"/>
+                  </a:schemeClr>
+                </a:solidFill>
+              </a:rPr>
+              <a:t>(long)</a:t>
+            </a:r>
+          </a:p>
+          <a:p>
+            <a:pPr algn="ctr"/>
+            <a:r>
+              <a:rPr lang="en-US" altLang="zh-CN" dirty="0" err="1">
+                <a:solidFill>
+                  <a:schemeClr val="bg2">
+                    <a:lumMod val="25000"/>
+                  </a:schemeClr>
+                </a:solidFill>
+              </a:rPr>
+              <a:t>LockSupport.parkNanos</a:t>
+            </a:r>
+            <a:endParaRPr lang="en-US" altLang="zh-CN" dirty="0">
+              <a:solidFill>
+                <a:schemeClr val="bg2">
+                  <a:lumMod val="25000"/>
+                </a:schemeClr>
+              </a:solidFill>
+            </a:endParaRPr>
+          </a:p>
+          <a:p>
+            <a:pPr algn="ctr"/>
+            <a:r>
+              <a:rPr lang="en-US" altLang="zh-CN" dirty="0" err="1">
+                <a:solidFill>
+                  <a:schemeClr val="bg2">
+                    <a:lumMod val="25000"/>
+                  </a:schemeClr>
+                </a:solidFill>
+              </a:rPr>
+              <a:t>LockSUpport.parkUntil</a:t>
+            </a:r>
+            <a:endParaRPr lang="zh-CN" altLang="en-US" dirty="0">
+              <a:solidFill>
+                <a:schemeClr val="bg2">
+                  <a:lumMod val="25000"/>
+                </a:schemeClr>
+              </a:solidFill>
+            </a:endParaRPr>
+          </a:p>
+        </p:txBody>
+      </p:sp>
+      <p:sp>
+        <p:nvSpPr>
+          <p:cNvPr id="54" name="矩形: 圆角 53">
+            <a:extLst>
+              <a:ext uri="{FF2B5EF4-FFF2-40B4-BE49-F238E27FC236}">
+                <a16:creationId xmlns:a16="http://schemas.microsoft.com/office/drawing/2014/main" id="{5FD1EEA8-CC84-409C-B7C7-0066544BC3C9}"/>
+              </a:ext>
+            </a:extLst>
+          </p:cNvPr>
+          <p:cNvSpPr/>
+          <p:nvPr/>
+        </p:nvSpPr>
+        <p:spPr>
+          <a:xfrm>
+            <a:off x="9282573" y="3186448"/>
+            <a:ext cx="2440266" cy="872805"/>
+          </a:xfrm>
+          <a:prstGeom prst="roundRect">
+            <a:avLst/>
+          </a:prstGeom>
+          <a:solidFill>
+            <a:schemeClr val="accent4">
+              <a:lumMod val="60000"/>
+              <a:lumOff val="40000"/>
+            </a:schemeClr>
+          </a:solidFill>
+          <a:ln>
+            <a:prstDash val="dash"/>
+          </a:ln>
+        </p:spPr>
+        <p:style>
+          <a:lnRef idx="2">
+            <a:schemeClr val="accent1">
+              <a:shade val="50000"/>
+            </a:schemeClr>
+          </a:lnRef>
+          <a:fillRef idx="1">
+            <a:schemeClr val="accent1"/>
+          </a:fillRef>
+          <a:effectRef idx="0">
+            <a:schemeClr val="accent1"/>
+          </a:effectRef>
+          <a:fontRef idx="minor">
+            <a:schemeClr val="lt1"/>
+          </a:fontRef>
+        </p:style>
+        <p:txBody>
+          <a:bodyPr rtlCol="0" anchor="ctr"/>
+          <a:lstStyle/>
+          <a:p>
+            <a:pPr algn="ctr"/>
+            <a:r>
+              <a:rPr lang="en-US" altLang="zh-CN" dirty="0" err="1">
+                <a:solidFill>
+                  <a:schemeClr val="bg2">
+                    <a:lumMod val="25000"/>
+                  </a:schemeClr>
+                </a:solidFill>
+              </a:rPr>
+              <a:t>Object.notify</a:t>
+            </a:r>
+            <a:endParaRPr lang="en-US" altLang="zh-CN" dirty="0">
+              <a:solidFill>
+                <a:schemeClr val="bg2">
+                  <a:lumMod val="25000"/>
+                </a:schemeClr>
+              </a:solidFill>
+            </a:endParaRPr>
+          </a:p>
+          <a:p>
+            <a:pPr algn="ctr"/>
+            <a:r>
+              <a:rPr lang="en-US" altLang="zh-CN" dirty="0" err="1">
+                <a:solidFill>
+                  <a:schemeClr val="bg2">
+                    <a:lumMod val="25000"/>
+                  </a:schemeClr>
+                </a:solidFill>
+              </a:rPr>
+              <a:t>Object.notifyAll</a:t>
+            </a:r>
+            <a:endParaRPr lang="en-US" altLang="zh-CN" dirty="0">
+              <a:solidFill>
+                <a:schemeClr val="bg2">
+                  <a:lumMod val="25000"/>
+                </a:schemeClr>
+              </a:solidFill>
+            </a:endParaRPr>
+          </a:p>
+          <a:p>
+            <a:pPr algn="ctr"/>
+            <a:r>
+              <a:rPr lang="en-US" altLang="zh-CN" dirty="0" err="1">
+                <a:solidFill>
+                  <a:schemeClr val="bg2">
+                    <a:lumMod val="25000"/>
+                  </a:schemeClr>
+                </a:solidFill>
+              </a:rPr>
+              <a:t>LockSUpprot.unpark</a:t>
+            </a:r>
+            <a:endParaRPr lang="zh-CN" altLang="en-US" dirty="0">
+              <a:solidFill>
+                <a:schemeClr val="bg2">
+                  <a:lumMod val="25000"/>
+                </a:schemeClr>
+              </a:solidFill>
+            </a:endParaRPr>
+          </a:p>
+        </p:txBody>
+      </p:sp>
+      <p:sp>
+        <p:nvSpPr>
+          <p:cNvPr id="55" name="矩形: 圆角 54">
+            <a:extLst>
+              <a:ext uri="{FF2B5EF4-FFF2-40B4-BE49-F238E27FC236}">
+                <a16:creationId xmlns:a16="http://schemas.microsoft.com/office/drawing/2014/main" id="{D280B382-66DE-4A46-B6A2-A8CC3E3B3642}"/>
+              </a:ext>
+            </a:extLst>
+          </p:cNvPr>
+          <p:cNvSpPr/>
+          <p:nvPr/>
+        </p:nvSpPr>
+        <p:spPr>
+          <a:xfrm>
+            <a:off x="7599904" y="5421431"/>
+            <a:ext cx="2041936" cy="939561"/>
+          </a:xfrm>
+          <a:prstGeom prst="roundRect">
+            <a:avLst/>
+          </a:prstGeom>
+          <a:solidFill>
+            <a:schemeClr val="accent4">
+              <a:lumMod val="60000"/>
+              <a:lumOff val="40000"/>
+            </a:schemeClr>
+          </a:solidFill>
+          <a:ln>
+            <a:prstDash val="dash"/>
+          </a:ln>
+        </p:spPr>
+        <p:style>
+          <a:lnRef idx="2">
+            <a:schemeClr val="accent1">
+              <a:shade val="50000"/>
+            </a:schemeClr>
+          </a:lnRef>
+          <a:fillRef idx="1">
+            <a:schemeClr val="accent1"/>
+          </a:fillRef>
+          <a:effectRef idx="0">
+            <a:schemeClr val="accent1"/>
+          </a:effectRef>
+          <a:fontRef idx="minor">
+            <a:schemeClr val="lt1"/>
+          </a:fontRef>
+        </p:style>
+        <p:txBody>
+          <a:bodyPr rtlCol="0" anchor="ctr"/>
+          <a:lstStyle/>
+          <a:p>
+            <a:pPr algn="ctr"/>
+            <a:r>
+              <a:rPr lang="en-US" altLang="zh-CN" dirty="0" err="1">
+                <a:solidFill>
+                  <a:schemeClr val="bg2">
+                    <a:lumMod val="25000"/>
+                  </a:schemeClr>
+                </a:solidFill>
+              </a:rPr>
+              <a:t>Object.wait</a:t>
+            </a:r>
+            <a:endParaRPr lang="en-US" altLang="zh-CN" dirty="0">
+              <a:solidFill>
+                <a:schemeClr val="bg2">
+                  <a:lumMod val="25000"/>
+                </a:schemeClr>
+              </a:solidFill>
+            </a:endParaRPr>
+          </a:p>
+          <a:p>
+            <a:pPr algn="ctr"/>
+            <a:r>
+              <a:rPr lang="en-US" altLang="zh-CN" dirty="0" err="1">
+                <a:solidFill>
+                  <a:schemeClr val="bg2">
+                    <a:lumMod val="25000"/>
+                  </a:schemeClr>
+                </a:solidFill>
+              </a:rPr>
+              <a:t>Thread.join</a:t>
+            </a:r>
+            <a:endParaRPr lang="en-US" altLang="zh-CN" dirty="0">
+              <a:solidFill>
+                <a:schemeClr val="bg2">
+                  <a:lumMod val="25000"/>
+                </a:schemeClr>
+              </a:solidFill>
+            </a:endParaRPr>
+          </a:p>
+          <a:p>
+            <a:pPr algn="ctr"/>
+            <a:r>
+              <a:rPr lang="en-US" altLang="zh-CN" dirty="0" err="1">
+                <a:solidFill>
+                  <a:schemeClr val="bg2">
+                    <a:lumMod val="25000"/>
+                  </a:schemeClr>
+                </a:solidFill>
+              </a:rPr>
+              <a:t>LockSUpport.park</a:t>
+            </a:r>
+            <a:endParaRPr lang="zh-CN" altLang="en-US" dirty="0">
+              <a:solidFill>
+                <a:schemeClr val="bg2">
+                  <a:lumMod val="25000"/>
+                </a:schemeClr>
+              </a:solidFill>
+            </a:endParaRPr>
+          </a:p>
+        </p:txBody>
+      </p:sp>
+      <p:sp>
+        <p:nvSpPr>
+          <p:cNvPr id="56" name="矩形: 圆角 55">
+            <a:extLst>
+              <a:ext uri="{FF2B5EF4-FFF2-40B4-BE49-F238E27FC236}">
+                <a16:creationId xmlns:a16="http://schemas.microsoft.com/office/drawing/2014/main" id="{20D1E9C3-81D7-47D4-A725-B3B28BC9E617}"/>
+              </a:ext>
+            </a:extLst>
+          </p:cNvPr>
+          <p:cNvSpPr/>
+          <p:nvPr/>
+        </p:nvSpPr>
+        <p:spPr>
+          <a:xfrm>
+            <a:off x="6470553" y="4845543"/>
+            <a:ext cx="945315" cy="416885"/>
+          </a:xfrm>
+          <a:prstGeom prst="roundRect">
+            <a:avLst/>
+          </a:prstGeom>
+          <a:solidFill>
+            <a:schemeClr val="accent4">
+              <a:lumMod val="60000"/>
+              <a:lumOff val="40000"/>
+            </a:schemeClr>
+          </a:solidFill>
+          <a:ln>
+            <a:prstDash val="dash"/>
+          </a:ln>
+        </p:spPr>
+        <p:style>
+          <a:lnRef idx="2">
+            <a:schemeClr val="accent1">
+              <a:shade val="50000"/>
+            </a:schemeClr>
+          </a:lnRef>
+          <a:fillRef idx="1">
+            <a:schemeClr val="accent1"/>
+          </a:fillRef>
+          <a:effectRef idx="0">
+            <a:schemeClr val="accent1"/>
+          </a:effectRef>
+          <a:fontRef idx="minor">
+            <a:schemeClr val="lt1"/>
+          </a:fontRef>
+        </p:style>
+        <p:txBody>
+          <a:bodyPr rtlCol="0" anchor="ctr"/>
+          <a:lstStyle/>
+          <a:p>
+            <a:pPr algn="ctr"/>
+            <a:r>
+              <a:rPr lang="en-US" altLang="zh-CN" dirty="0">
+                <a:solidFill>
+                  <a:schemeClr val="bg2">
+                    <a:lumMod val="25000"/>
+                  </a:schemeClr>
+                </a:solidFill>
+              </a:rPr>
+              <a:t>end</a:t>
+            </a:r>
+            <a:endParaRPr lang="zh-CN" altLang="en-US" dirty="0">
+              <a:solidFill>
+                <a:schemeClr val="bg2">
+                  <a:lumMod val="25000"/>
+                </a:schemeClr>
+              </a:solidFill>
+            </a:endParaRPr>
+          </a:p>
+        </p:txBody>
+      </p:sp>
+      <p:sp>
+        <p:nvSpPr>
+          <p:cNvPr id="57" name="矩形: 圆角 56">
+            <a:extLst>
+              <a:ext uri="{FF2B5EF4-FFF2-40B4-BE49-F238E27FC236}">
+                <a16:creationId xmlns:a16="http://schemas.microsoft.com/office/drawing/2014/main" id="{69E1E004-D5CF-4612-873D-05B3F31663C2}"/>
+              </a:ext>
+            </a:extLst>
+          </p:cNvPr>
+          <p:cNvSpPr/>
+          <p:nvPr/>
+        </p:nvSpPr>
+        <p:spPr>
+          <a:xfrm>
+            <a:off x="1720984" y="4964854"/>
+            <a:ext cx="1895912" cy="813732"/>
+          </a:xfrm>
+          <a:prstGeom prst="roundRect">
+            <a:avLst/>
+          </a:prstGeom>
+          <a:solidFill>
+            <a:schemeClr val="accent4">
+              <a:lumMod val="60000"/>
+              <a:lumOff val="40000"/>
+            </a:schemeClr>
+          </a:solidFill>
+          <a:ln>
+            <a:prstDash val="dash"/>
+          </a:ln>
+        </p:spPr>
+        <p:style>
+          <a:lnRef idx="2">
+            <a:schemeClr val="accent1">
+              <a:shade val="50000"/>
+            </a:schemeClr>
+          </a:lnRef>
+          <a:fillRef idx="1">
+            <a:schemeClr val="accent1"/>
+          </a:fillRef>
+          <a:effectRef idx="0">
+            <a:schemeClr val="accent1"/>
+          </a:effectRef>
+          <a:fontRef idx="minor">
+            <a:schemeClr val="lt1"/>
+          </a:fontRef>
+        </p:style>
+        <p:txBody>
+          <a:bodyPr rtlCol="0" anchor="ctr"/>
+          <a:lstStyle/>
+          <a:p>
+            <a:pPr algn="ctr"/>
+            <a:r>
+              <a:rPr lang="en-US" altLang="zh-CN" dirty="0">
+                <a:solidFill>
+                  <a:schemeClr val="bg2">
+                    <a:lumMod val="25000"/>
+                  </a:schemeClr>
+                </a:solidFill>
+              </a:rPr>
+              <a:t>Acquire  lock</a:t>
+            </a:r>
+            <a:endParaRPr lang="zh-CN" altLang="en-US" dirty="0">
+              <a:solidFill>
+                <a:schemeClr val="bg2">
+                  <a:lumMod val="25000"/>
+                </a:schemeClr>
+              </a:solidFill>
+            </a:endParaRPr>
+          </a:p>
+        </p:txBody>
+      </p:sp>
+      <p:sp>
+        <p:nvSpPr>
+          <p:cNvPr id="58" name="箭头: 左右 57">
+            <a:extLst>
+              <a:ext uri="{FF2B5EF4-FFF2-40B4-BE49-F238E27FC236}">
+                <a16:creationId xmlns:a16="http://schemas.microsoft.com/office/drawing/2014/main" id="{8FF245C8-5022-4620-8AC0-C0898326893E}"/>
+              </a:ext>
+            </a:extLst>
+          </p:cNvPr>
+          <p:cNvSpPr/>
+          <p:nvPr/>
+        </p:nvSpPr>
+        <p:spPr>
+          <a:xfrm>
+            <a:off x="3025874" y="3550686"/>
+            <a:ext cx="1164724" cy="406866"/>
+          </a:xfrm>
+          <a:prstGeom prst="leftRightArrow">
+            <a:avLst/>
+          </a:prstGeom>
+        </p:spPr>
+        <p:style>
+          <a:lnRef idx="2">
+            <a:schemeClr val="accent1">
+              <a:shade val="50000"/>
+            </a:schemeClr>
+          </a:lnRef>
+          <a:fillRef idx="1">
+            <a:schemeClr val="accent1"/>
+          </a:fillRef>
+          <a:effectRef idx="0">
+            <a:schemeClr val="accent1"/>
+          </a:effectRef>
+          <a:fontRef idx="minor">
+            <a:schemeClr val="lt1"/>
+          </a:fontRef>
+        </p:style>
+        <p:txBody>
+          <a:bodyPr rtlCol="0" anchor="ctr"/>
+          <a:lstStyle/>
+          <a:p>
+            <a:pPr algn="ctr"/>
+            <a:endParaRPr lang="zh-CN" altLang="en-US"/>
+          </a:p>
+        </p:txBody>
+      </p:sp>
+      <p:sp>
+        <p:nvSpPr>
+          <p:cNvPr id="59" name="箭头: 下 58">
+            <a:extLst>
+              <a:ext uri="{FF2B5EF4-FFF2-40B4-BE49-F238E27FC236}">
+                <a16:creationId xmlns:a16="http://schemas.microsoft.com/office/drawing/2014/main" id="{674D2469-BB47-4A2E-BFE6-E7E5933E2942}"/>
+              </a:ext>
+            </a:extLst>
+          </p:cNvPr>
+          <p:cNvSpPr/>
+          <p:nvPr/>
+        </p:nvSpPr>
+        <p:spPr>
+          <a:xfrm>
+            <a:off x="5620624" y="2209329"/>
+            <a:ext cx="299757" cy="539121"/>
+          </a:xfrm>
+          <a:prstGeom prst="downArrow">
+            <a:avLst/>
+          </a:prstGeom>
+        </p:spPr>
+        <p:style>
+          <a:lnRef idx="2">
+            <a:schemeClr val="accent1">
+              <a:shade val="50000"/>
+            </a:schemeClr>
+          </a:lnRef>
+          <a:fillRef idx="1">
+            <a:schemeClr val="accent1"/>
+          </a:fillRef>
+          <a:effectRef idx="0">
+            <a:schemeClr val="accent1"/>
+          </a:effectRef>
+          <a:fontRef idx="minor">
+            <a:schemeClr val="lt1"/>
+          </a:fontRef>
+        </p:style>
+        <p:txBody>
+          <a:bodyPr rtlCol="0" anchor="ctr"/>
+          <a:lstStyle/>
+          <a:p>
+            <a:pPr algn="ctr"/>
+            <a:endParaRPr lang="zh-CN" altLang="en-US"/>
+          </a:p>
+        </p:txBody>
+      </p:sp>
+      <p:sp>
+        <p:nvSpPr>
+          <p:cNvPr id="60" name="箭头: 下 59">
+            <a:extLst>
+              <a:ext uri="{FF2B5EF4-FFF2-40B4-BE49-F238E27FC236}">
+                <a16:creationId xmlns:a16="http://schemas.microsoft.com/office/drawing/2014/main" id="{A6354357-FAC7-4DB7-BB5C-D047D7771E22}"/>
+              </a:ext>
+            </a:extLst>
+          </p:cNvPr>
+          <p:cNvSpPr/>
+          <p:nvPr/>
+        </p:nvSpPr>
+        <p:spPr>
+          <a:xfrm>
+            <a:off x="5822421" y="4759789"/>
+            <a:ext cx="299757" cy="539121"/>
+          </a:xfrm>
+          <a:prstGeom prst="downArrow">
+            <a:avLst/>
+          </a:prstGeom>
+        </p:spPr>
+        <p:style>
+          <a:lnRef idx="2">
+            <a:schemeClr val="accent1">
+              <a:shade val="50000"/>
+            </a:schemeClr>
+          </a:lnRef>
+          <a:fillRef idx="1">
+            <a:schemeClr val="accent1"/>
+          </a:fillRef>
+          <a:effectRef idx="0">
+            <a:schemeClr val="accent1"/>
+          </a:effectRef>
+          <a:fontRef idx="minor">
+            <a:schemeClr val="lt1"/>
+          </a:fontRef>
+        </p:style>
+        <p:txBody>
+          <a:bodyPr rtlCol="0" anchor="ctr"/>
+          <a:lstStyle/>
+          <a:p>
+            <a:pPr algn="ctr"/>
+            <a:endParaRPr lang="zh-CN" altLang="en-US"/>
+          </a:p>
+        </p:txBody>
+      </p:sp>
+      <p:sp>
+        <p:nvSpPr>
+          <p:cNvPr id="61" name="文本框 60">
+            <a:extLst>
+              <a:ext uri="{FF2B5EF4-FFF2-40B4-BE49-F238E27FC236}">
+                <a16:creationId xmlns:a16="http://schemas.microsoft.com/office/drawing/2014/main" id="{3C40A3C8-E23E-4C1C-9DCC-972B32C6599F}"/>
+              </a:ext>
+            </a:extLst>
+          </p:cNvPr>
+          <p:cNvSpPr txBox="1"/>
+          <p:nvPr/>
+        </p:nvSpPr>
+        <p:spPr>
+          <a:xfrm>
+            <a:off x="5254848" y="3152210"/>
+            <a:ext cx="1364066" cy="369332"/>
+          </a:xfrm>
+          <a:prstGeom prst="rect">
+            <a:avLst/>
+          </a:prstGeom>
+          <a:noFill/>
+        </p:spPr>
+        <p:txBody>
+          <a:bodyPr wrap="square" rtlCol="0">
+            <a:spAutoFit/>
+          </a:bodyPr>
+          <a:lstStyle/>
+          <a:p>
+            <a:r>
+              <a:rPr lang="en-US" altLang="zh-CN" dirty="0"/>
+              <a:t>RUNNABLE</a:t>
+            </a:r>
+            <a:endParaRPr lang="zh-CN" altLang="en-US" dirty="0"/>
+          </a:p>
+        </p:txBody>
+      </p:sp>
+      <p:cxnSp>
+        <p:nvCxnSpPr>
+          <p:cNvPr id="63" name="直接箭头连接符 62">
+            <a:extLst>
+              <a:ext uri="{FF2B5EF4-FFF2-40B4-BE49-F238E27FC236}">
+                <a16:creationId xmlns:a16="http://schemas.microsoft.com/office/drawing/2014/main" id="{7B7C2F9A-DCFD-467A-AD78-D66AC6DC0DF8}"/>
+              </a:ext>
+            </a:extLst>
+          </p:cNvPr>
+          <p:cNvCxnSpPr/>
+          <p:nvPr/>
+        </p:nvCxnSpPr>
+        <p:spPr>
+          <a:xfrm>
+            <a:off x="5479417" y="3754120"/>
+            <a:ext cx="930761" cy="203432"/>
+          </a:xfrm>
+          <a:prstGeom prst="straightConnector1">
+            <a:avLst/>
+          </a:prstGeom>
+          <a:ln>
+            <a:tailEnd type="triangle"/>
+          </a:ln>
+        </p:spPr>
+        <p:style>
+          <a:lnRef idx="1">
+            <a:schemeClr val="dk1"/>
+          </a:lnRef>
+          <a:fillRef idx="0">
+            <a:schemeClr val="dk1"/>
+          </a:fillRef>
+          <a:effectRef idx="0">
+            <a:schemeClr val="dk1"/>
+          </a:effectRef>
+          <a:fontRef idx="minor">
+            <a:schemeClr val="tx1"/>
+          </a:fontRef>
+        </p:style>
+      </p:cxnSp>
+      <p:sp>
+        <p:nvSpPr>
+          <p:cNvPr id="64" name="文本框 63">
+            <a:extLst>
+              <a:ext uri="{FF2B5EF4-FFF2-40B4-BE49-F238E27FC236}">
+                <a16:creationId xmlns:a16="http://schemas.microsoft.com/office/drawing/2014/main" id="{ECC4752D-219F-45F7-AB91-04391F7C2CBF}"/>
+              </a:ext>
+            </a:extLst>
+          </p:cNvPr>
+          <p:cNvSpPr txBox="1"/>
+          <p:nvPr/>
+        </p:nvSpPr>
+        <p:spPr>
+          <a:xfrm>
+            <a:off x="5822421" y="3469048"/>
+            <a:ext cx="1263662" cy="369332"/>
+          </a:xfrm>
+          <a:prstGeom prst="rect">
+            <a:avLst/>
+          </a:prstGeom>
+          <a:noFill/>
+        </p:spPr>
+        <p:txBody>
+          <a:bodyPr wrap="square" rtlCol="0">
+            <a:spAutoFit/>
+          </a:bodyPr>
+          <a:lstStyle/>
+          <a:p>
+            <a:r>
+              <a:rPr lang="en-US" altLang="zh-CN" dirty="0"/>
+              <a:t>scheduling</a:t>
+            </a:r>
+            <a:endParaRPr lang="zh-CN" altLang="en-US" dirty="0"/>
+          </a:p>
+        </p:txBody>
+      </p:sp>
+      <p:cxnSp>
+        <p:nvCxnSpPr>
+          <p:cNvPr id="65" name="直接箭头连接符 64">
+            <a:extLst>
+              <a:ext uri="{FF2B5EF4-FFF2-40B4-BE49-F238E27FC236}">
+                <a16:creationId xmlns:a16="http://schemas.microsoft.com/office/drawing/2014/main" id="{F41A09F1-33EF-4FD0-9167-A76F56B8D54D}"/>
+              </a:ext>
+            </a:extLst>
+          </p:cNvPr>
+          <p:cNvCxnSpPr>
+            <a:cxnSpLocks/>
+          </p:cNvCxnSpPr>
+          <p:nvPr/>
+        </p:nvCxnSpPr>
+        <p:spPr>
+          <a:xfrm flipH="1">
+            <a:off x="5503800" y="4059253"/>
+            <a:ext cx="936565" cy="282934"/>
+          </a:xfrm>
+          <a:prstGeom prst="straightConnector1">
+            <a:avLst/>
+          </a:prstGeom>
+          <a:ln>
+            <a:tailEnd type="triangle"/>
+          </a:ln>
+        </p:spPr>
+        <p:style>
+          <a:lnRef idx="1">
+            <a:schemeClr val="dk1"/>
+          </a:lnRef>
+          <a:fillRef idx="0">
+            <a:schemeClr val="dk1"/>
+          </a:fillRef>
+          <a:effectRef idx="0">
+            <a:schemeClr val="dk1"/>
+          </a:effectRef>
+          <a:fontRef idx="minor">
+            <a:schemeClr val="tx1"/>
+          </a:fontRef>
+        </p:style>
+      </p:cxnSp>
+      <p:sp>
+        <p:nvSpPr>
+          <p:cNvPr id="68" name="文本框 67">
+            <a:extLst>
+              <a:ext uri="{FF2B5EF4-FFF2-40B4-BE49-F238E27FC236}">
+                <a16:creationId xmlns:a16="http://schemas.microsoft.com/office/drawing/2014/main" id="{A7CA7321-362B-4E51-9058-EA415DB46CB4}"/>
+              </a:ext>
+            </a:extLst>
+          </p:cNvPr>
+          <p:cNvSpPr txBox="1"/>
+          <p:nvPr/>
+        </p:nvSpPr>
+        <p:spPr>
+          <a:xfrm>
+            <a:off x="5570491" y="4200720"/>
+            <a:ext cx="1263662" cy="369332"/>
+          </a:xfrm>
+          <a:prstGeom prst="rect">
+            <a:avLst/>
+          </a:prstGeom>
+          <a:noFill/>
+        </p:spPr>
+        <p:txBody>
+          <a:bodyPr wrap="square" rtlCol="0">
+            <a:spAutoFit/>
+          </a:bodyPr>
+          <a:lstStyle/>
+          <a:p>
+            <a:r>
+              <a:rPr lang="en-US" altLang="zh-CN" dirty="0" err="1"/>
+              <a:t>yeild</a:t>
+            </a:r>
+            <a:endParaRPr lang="zh-CN" altLang="en-US" dirty="0"/>
+          </a:p>
+        </p:txBody>
+      </p:sp>
+    </p:spTree>
+    <p:extLst>
+      <p:ext uri="{BB962C8B-B14F-4D97-AF65-F5344CB8AC3E}">
+        <p14:creationId xmlns:p14="http://schemas.microsoft.com/office/powerpoint/2010/main" val="309142920"/>
+      </p:ext>
+    </p:extLst>
   </p:cSld>
   <p:clrMapOvr>
     <a:masterClrMapping/>
@@ -6462,6 +8095,8 @@
       </a:bgFillStyleLst>
     </a:fmtScheme>
   </a:themeElements>
+  <a:objectDefaults/>
+  <a:extraClrSchemeLst/>
   <a:extLst>
     <a:ext uri="{05A4C25C-085E-4340-85A3-A5531E510DB2}">
       <thm15:themeFamily xmlns:thm15="http://schemas.microsoft.com/office/thememl/2012/main" name="Office Theme" id="{62F939B6-93AF-4DB8-9C6B-D6C7DFDC589F}" vid="{4A3C46E8-61CC-4603-A589-7422A47A8E4A}"/>

--- a/note/document.pptx
+++ b/note/document.pptx
@@ -12,6 +12,8 @@
     <p:sldId id="260" r:id="rId6"/>
     <p:sldId id="261" r:id="rId7"/>
     <p:sldId id="262" r:id="rId8"/>
+    <p:sldId id="263" r:id="rId9"/>
+    <p:sldId id="264" r:id="rId10"/>
   </p:sldIdLst>
   <p:sldSz cx="12192000" cy="6858000"/>
   <p:notesSz cx="7104063" cy="10234613"/>
@@ -247,7 +249,7 @@
           <a:p>
             <a:fld id="{82F288E0-7875-42C4-84C8-98DBBD3BF4D2}" type="datetimeFigureOut">
               <a:rPr lang="zh-CN" altLang="en-US" smtClean="0"/>
-              <a:t>2020/2/1</a:t>
+              <a:t>2020/2/3</a:t>
             </a:fld>
             <a:endParaRPr lang="zh-CN" altLang="en-US"/>
           </a:p>
@@ -393,7 +395,7 @@
           <a:p>
             <a:fld id="{82F288E0-7875-42C4-84C8-98DBBD3BF4D2}" type="datetimeFigureOut">
               <a:rPr lang="zh-CN" altLang="en-US" smtClean="0"/>
-              <a:t>2020/2/1</a:t>
+              <a:t>2020/2/3</a:t>
             </a:fld>
             <a:endParaRPr lang="zh-CN" altLang="en-US"/>
           </a:p>
@@ -556,7 +558,7 @@
           <a:p>
             <a:fld id="{82F288E0-7875-42C4-84C8-98DBBD3BF4D2}" type="datetimeFigureOut">
               <a:rPr lang="zh-CN" altLang="en-US" smtClean="0"/>
-              <a:t>2020/2/1</a:t>
+              <a:t>2020/2/3</a:t>
             </a:fld>
             <a:endParaRPr lang="zh-CN" altLang="en-US"/>
           </a:p>
@@ -796,7 +798,7 @@
           <a:p>
             <a:fld id="{82F288E0-7875-42C4-84C8-98DBBD3BF4D2}" type="datetimeFigureOut">
               <a:rPr lang="zh-CN" altLang="en-US" smtClean="0"/>
-              <a:t>2020/2/1</a:t>
+              <a:t>2020/2/3</a:t>
             </a:fld>
             <a:endParaRPr lang="zh-CN" altLang="en-US"/>
           </a:p>
@@ -1020,7 +1022,7 @@
           <a:p>
             <a:fld id="{82F288E0-7875-42C4-84C8-98DBBD3BF4D2}" type="datetimeFigureOut">
               <a:rPr lang="zh-CN" altLang="en-US" smtClean="0"/>
-              <a:t>2020/2/1</a:t>
+              <a:t>2020/2/3</a:t>
             </a:fld>
             <a:endParaRPr lang="zh-CN" altLang="en-US"/>
           </a:p>
@@ -1379,7 +1381,7 @@
           <a:p>
             <a:fld id="{82F288E0-7875-42C4-84C8-98DBBD3BF4D2}" type="datetimeFigureOut">
               <a:rPr lang="zh-CN" altLang="en-US" smtClean="0"/>
-              <a:t>2020/2/1</a:t>
+              <a:t>2020/2/3</a:t>
             </a:fld>
             <a:endParaRPr lang="zh-CN" altLang="en-US"/>
           </a:p>
@@ -1491,7 +1493,7 @@
           <a:p>
             <a:fld id="{82F288E0-7875-42C4-84C8-98DBBD3BF4D2}" type="datetimeFigureOut">
               <a:rPr lang="zh-CN" altLang="en-US" smtClean="0"/>
-              <a:t>2020/2/1</a:t>
+              <a:t>2020/2/3</a:t>
             </a:fld>
             <a:endParaRPr lang="zh-CN" altLang="en-US"/>
           </a:p>
@@ -1581,7 +1583,7 @@
           <a:p>
             <a:fld id="{82F288E0-7875-42C4-84C8-98DBBD3BF4D2}" type="datetimeFigureOut">
               <a:rPr lang="zh-CN" altLang="en-US" smtClean="0"/>
-              <a:t>2020/2/1</a:t>
+              <a:t>2020/2/3</a:t>
             </a:fld>
             <a:endParaRPr lang="zh-CN" altLang="en-US"/>
           </a:p>
@@ -1828,7 +1830,7 @@
           <a:p>
             <a:fld id="{82F288E0-7875-42C4-84C8-98DBBD3BF4D2}" type="datetimeFigureOut">
               <a:rPr lang="zh-CN" altLang="en-US" smtClean="0"/>
-              <a:t>2020/2/1</a:t>
+              <a:t>2020/2/3</a:t>
             </a:fld>
             <a:endParaRPr lang="zh-CN" altLang="en-US"/>
           </a:p>
@@ -2001,7 +2003,7 @@
           <a:p>
             <a:fld id="{82F288E0-7875-42C4-84C8-98DBBD3BF4D2}" type="datetimeFigureOut">
               <a:rPr lang="zh-CN" altLang="en-US" smtClean="0"/>
-              <a:t>2020/2/1</a:t>
+              <a:t>2020/2/3</a:t>
             </a:fld>
             <a:endParaRPr lang="zh-CN" altLang="en-US"/>
           </a:p>
@@ -2207,7 +2209,7 @@
           <a:p>
             <a:fld id="{82F288E0-7875-42C4-84C8-98DBBD3BF4D2}" type="datetimeFigureOut">
               <a:rPr lang="zh-CN" altLang="en-US" smtClean="0"/>
-              <a:t>2020/2/1</a:t>
+              <a:t>2020/2/3</a:t>
             </a:fld>
             <a:endParaRPr lang="zh-CN" altLang="en-US"/>
           </a:p>
@@ -2683,7 +2685,7 @@
             <a:lstStyle/>
             <a:p>
               <a:r>
-                <a:rPr lang="en-US" altLang="zh-CN"/>
+                <a:rPr lang="en-US" altLang="zh-CN" dirty="0"/>
                 <a:t>AQS</a:t>
               </a:r>
             </a:p>
@@ -2712,7 +2714,7 @@
             <a:lstStyle/>
             <a:p>
               <a:r>
-                <a:rPr lang="en-US" altLang="zh-CN"/>
+                <a:rPr lang="en-US" altLang="zh-CN" dirty="0"/>
                 <a:t>state=0</a:t>
               </a:r>
             </a:p>
@@ -2774,13 +2776,17 @@
             <a:lstStyle/>
             <a:p>
               <a:r>
-                <a:rPr lang="en-US" altLang="zh-CN" sz="1200"/>
-                <a:t>Lock.lock()</a:t>
+                <a:rPr lang="en-US" altLang="zh-CN" sz="1200" dirty="0" err="1"/>
+                <a:t>Lock.lock</a:t>
+              </a:r>
+              <a:r>
+                <a:rPr lang="en-US" altLang="zh-CN" sz="1200" dirty="0"/>
+                <a:t>()</a:t>
               </a:r>
             </a:p>
             <a:p>
               <a:r>
-                <a:rPr lang="en-US" altLang="zh-CN" sz="1200"/>
+                <a:rPr lang="en-US" altLang="zh-CN" sz="1200" dirty="0"/>
                 <a:t> </a:t>
               </a:r>
             </a:p>
@@ -7844,6 +7850,867 @@
 </p:sld>
 </file>
 
+<file path=ppt/slides/slide8.xml><?xml version="1.0" encoding="utf-8"?>
+<p:sld xmlns:a="http://schemas.openxmlformats.org/drawingml/2006/main" xmlns:r="http://schemas.openxmlformats.org/officeDocument/2006/relationships" xmlns:p="http://schemas.openxmlformats.org/presentationml/2006/main">
+  <p:cSld>
+    <p:spTree>
+      <p:nvGrpSpPr>
+        <p:cNvPr id="1" name=""/>
+        <p:cNvGrpSpPr/>
+        <p:nvPr/>
+      </p:nvGrpSpPr>
+      <p:grpSpPr>
+        <a:xfrm>
+          <a:off x="0" y="0"/>
+          <a:ext cx="0" cy="0"/>
+          <a:chOff x="0" y="0"/>
+          <a:chExt cx="0" cy="0"/>
+        </a:xfrm>
+      </p:grpSpPr>
+      <p:sp>
+        <p:nvSpPr>
+          <p:cNvPr id="4" name="文本框 3">
+            <a:extLst>
+              <a:ext uri="{FF2B5EF4-FFF2-40B4-BE49-F238E27FC236}">
+                <a16:creationId xmlns:a16="http://schemas.microsoft.com/office/drawing/2014/main" id="{6BD0174A-F0DB-455F-BCA5-3256F1AFD973}"/>
+              </a:ext>
+            </a:extLst>
+          </p:cNvPr>
+          <p:cNvSpPr txBox="1"/>
+          <p:nvPr/>
+        </p:nvSpPr>
+        <p:spPr>
+          <a:xfrm>
+            <a:off x="772357" y="665825"/>
+            <a:ext cx="1107996" cy="369332"/>
+          </a:xfrm>
+          <a:prstGeom prst="rect">
+            <a:avLst/>
+          </a:prstGeom>
+          <a:noFill/>
+        </p:spPr>
+        <p:txBody>
+          <a:bodyPr wrap="none" rtlCol="0">
+            <a:spAutoFit/>
+          </a:bodyPr>
+          <a:lstStyle/>
+          <a:p>
+            <a:r>
+              <a:rPr lang="zh-CN" altLang="en-US" dirty="0"/>
+              <a:t>三次握手</a:t>
+            </a:r>
+            <a:endParaRPr lang="en-US" altLang="zh-CN" dirty="0"/>
+          </a:p>
+        </p:txBody>
+      </p:sp>
+      <p:cxnSp>
+        <p:nvCxnSpPr>
+          <p:cNvPr id="6" name="直接连接符 5">
+            <a:extLst>
+              <a:ext uri="{FF2B5EF4-FFF2-40B4-BE49-F238E27FC236}">
+                <a16:creationId xmlns:a16="http://schemas.microsoft.com/office/drawing/2014/main" id="{F0B12B56-BB37-4792-A1E8-D4655A0A0BDE}"/>
+              </a:ext>
+            </a:extLst>
+          </p:cNvPr>
+          <p:cNvCxnSpPr>
+            <a:cxnSpLocks/>
+          </p:cNvCxnSpPr>
+          <p:nvPr/>
+        </p:nvCxnSpPr>
+        <p:spPr>
+          <a:xfrm>
+            <a:off x="2743200" y="1676400"/>
+            <a:ext cx="0" cy="4318000"/>
+          </a:xfrm>
+          <a:prstGeom prst="line">
+            <a:avLst/>
+          </a:prstGeom>
+          <a:ln w="57150">
+            <a:solidFill>
+              <a:schemeClr val="accent3">
+                <a:lumMod val="75000"/>
+              </a:schemeClr>
+            </a:solidFill>
+          </a:ln>
+        </p:spPr>
+        <p:style>
+          <a:lnRef idx="1">
+            <a:schemeClr val="dk1"/>
+          </a:lnRef>
+          <a:fillRef idx="0">
+            <a:schemeClr val="dk1"/>
+          </a:fillRef>
+          <a:effectRef idx="0">
+            <a:schemeClr val="dk1"/>
+          </a:effectRef>
+          <a:fontRef idx="minor">
+            <a:schemeClr val="tx1"/>
+          </a:fontRef>
+        </p:style>
+      </p:cxnSp>
+      <p:cxnSp>
+        <p:nvCxnSpPr>
+          <p:cNvPr id="10" name="直接连接符 9">
+            <a:extLst>
+              <a:ext uri="{FF2B5EF4-FFF2-40B4-BE49-F238E27FC236}">
+                <a16:creationId xmlns:a16="http://schemas.microsoft.com/office/drawing/2014/main" id="{CDB47EDF-96D3-4CB2-A2DC-ACC80C3DC9FB}"/>
+              </a:ext>
+            </a:extLst>
+          </p:cNvPr>
+          <p:cNvCxnSpPr>
+            <a:cxnSpLocks/>
+          </p:cNvCxnSpPr>
+          <p:nvPr/>
+        </p:nvCxnSpPr>
+        <p:spPr>
+          <a:xfrm>
+            <a:off x="6400800" y="1676400"/>
+            <a:ext cx="0" cy="4318000"/>
+          </a:xfrm>
+          <a:prstGeom prst="line">
+            <a:avLst/>
+          </a:prstGeom>
+          <a:ln w="57150">
+            <a:solidFill>
+              <a:schemeClr val="accent3">
+                <a:lumMod val="75000"/>
+              </a:schemeClr>
+            </a:solidFill>
+          </a:ln>
+        </p:spPr>
+        <p:style>
+          <a:lnRef idx="1">
+            <a:schemeClr val="dk1"/>
+          </a:lnRef>
+          <a:fillRef idx="0">
+            <a:schemeClr val="dk1"/>
+          </a:fillRef>
+          <a:effectRef idx="0">
+            <a:schemeClr val="dk1"/>
+          </a:effectRef>
+          <a:fontRef idx="minor">
+            <a:schemeClr val="tx1"/>
+          </a:fontRef>
+        </p:style>
+      </p:cxnSp>
+      <p:sp>
+        <p:nvSpPr>
+          <p:cNvPr id="11" name="文本框 10">
+            <a:extLst>
+              <a:ext uri="{FF2B5EF4-FFF2-40B4-BE49-F238E27FC236}">
+                <a16:creationId xmlns:a16="http://schemas.microsoft.com/office/drawing/2014/main" id="{19285CB2-B06C-4698-9A3C-AC6B9B3BA02A}"/>
+              </a:ext>
+            </a:extLst>
+          </p:cNvPr>
+          <p:cNvSpPr txBox="1"/>
+          <p:nvPr/>
+        </p:nvSpPr>
+        <p:spPr>
+          <a:xfrm>
+            <a:off x="2360648" y="1070895"/>
+            <a:ext cx="725968" cy="369332"/>
+          </a:xfrm>
+          <a:prstGeom prst="rect">
+            <a:avLst/>
+          </a:prstGeom>
+          <a:noFill/>
+        </p:spPr>
+        <p:txBody>
+          <a:bodyPr wrap="none" rtlCol="0">
+            <a:spAutoFit/>
+          </a:bodyPr>
+          <a:lstStyle/>
+          <a:p>
+            <a:r>
+              <a:rPr lang="en-US" altLang="zh-CN" dirty="0"/>
+              <a:t>Client</a:t>
+            </a:r>
+          </a:p>
+        </p:txBody>
+      </p:sp>
+      <p:sp>
+        <p:nvSpPr>
+          <p:cNvPr id="12" name="文本框 11">
+            <a:extLst>
+              <a:ext uri="{FF2B5EF4-FFF2-40B4-BE49-F238E27FC236}">
+                <a16:creationId xmlns:a16="http://schemas.microsoft.com/office/drawing/2014/main" id="{B0388207-E129-4C0A-A457-CC42C62609BB}"/>
+              </a:ext>
+            </a:extLst>
+          </p:cNvPr>
+          <p:cNvSpPr txBox="1"/>
+          <p:nvPr/>
+        </p:nvSpPr>
+        <p:spPr>
+          <a:xfrm>
+            <a:off x="5994400" y="1041114"/>
+            <a:ext cx="802639" cy="369332"/>
+          </a:xfrm>
+          <a:prstGeom prst="rect">
+            <a:avLst/>
+          </a:prstGeom>
+          <a:noFill/>
+        </p:spPr>
+        <p:txBody>
+          <a:bodyPr wrap="square" rtlCol="0">
+            <a:spAutoFit/>
+          </a:bodyPr>
+          <a:lstStyle/>
+          <a:p>
+            <a:r>
+              <a:rPr lang="en-US" altLang="zh-CN" dirty="0"/>
+              <a:t>Server</a:t>
+            </a:r>
+          </a:p>
+        </p:txBody>
+      </p:sp>
+      <p:cxnSp>
+        <p:nvCxnSpPr>
+          <p:cNvPr id="14" name="直接箭头连接符 13">
+            <a:extLst>
+              <a:ext uri="{FF2B5EF4-FFF2-40B4-BE49-F238E27FC236}">
+                <a16:creationId xmlns:a16="http://schemas.microsoft.com/office/drawing/2014/main" id="{3D4791E1-8B41-4D71-ABC2-B8209DB70327}"/>
+              </a:ext>
+            </a:extLst>
+          </p:cNvPr>
+          <p:cNvCxnSpPr/>
+          <p:nvPr/>
+        </p:nvCxnSpPr>
+        <p:spPr>
+          <a:xfrm>
+            <a:off x="2895600" y="1998133"/>
+            <a:ext cx="3318933" cy="643467"/>
+          </a:xfrm>
+          <a:prstGeom prst="straightConnector1">
+            <a:avLst/>
+          </a:prstGeom>
+          <a:ln>
+            <a:tailEnd type="triangle"/>
+          </a:ln>
+        </p:spPr>
+        <p:style>
+          <a:lnRef idx="1">
+            <a:schemeClr val="accent1"/>
+          </a:lnRef>
+          <a:fillRef idx="0">
+            <a:schemeClr val="accent1"/>
+          </a:fillRef>
+          <a:effectRef idx="0">
+            <a:schemeClr val="accent1"/>
+          </a:effectRef>
+          <a:fontRef idx="minor">
+            <a:schemeClr val="tx1"/>
+          </a:fontRef>
+        </p:style>
+      </p:cxnSp>
+      <p:cxnSp>
+        <p:nvCxnSpPr>
+          <p:cNvPr id="15" name="直接箭头连接符 14">
+            <a:extLst>
+              <a:ext uri="{FF2B5EF4-FFF2-40B4-BE49-F238E27FC236}">
+                <a16:creationId xmlns:a16="http://schemas.microsoft.com/office/drawing/2014/main" id="{D44A56FA-9E28-4F67-B3BF-D58E5B88048F}"/>
+              </a:ext>
+            </a:extLst>
+          </p:cNvPr>
+          <p:cNvCxnSpPr/>
+          <p:nvPr/>
+        </p:nvCxnSpPr>
+        <p:spPr>
+          <a:xfrm>
+            <a:off x="2929468" y="4667195"/>
+            <a:ext cx="3318933" cy="643467"/>
+          </a:xfrm>
+          <a:prstGeom prst="straightConnector1">
+            <a:avLst/>
+          </a:prstGeom>
+          <a:ln>
+            <a:tailEnd type="triangle"/>
+          </a:ln>
+        </p:spPr>
+        <p:style>
+          <a:lnRef idx="1">
+            <a:schemeClr val="accent1"/>
+          </a:lnRef>
+          <a:fillRef idx="0">
+            <a:schemeClr val="accent1"/>
+          </a:fillRef>
+          <a:effectRef idx="0">
+            <a:schemeClr val="accent1"/>
+          </a:effectRef>
+          <a:fontRef idx="minor">
+            <a:schemeClr val="tx1"/>
+          </a:fontRef>
+        </p:style>
+      </p:cxnSp>
+      <p:cxnSp>
+        <p:nvCxnSpPr>
+          <p:cNvPr id="16" name="直接箭头连接符 15">
+            <a:extLst>
+              <a:ext uri="{FF2B5EF4-FFF2-40B4-BE49-F238E27FC236}">
+                <a16:creationId xmlns:a16="http://schemas.microsoft.com/office/drawing/2014/main" id="{B0E93B5B-CA53-45C8-824A-13AD69841B7F}"/>
+              </a:ext>
+            </a:extLst>
+          </p:cNvPr>
+          <p:cNvCxnSpPr>
+            <a:cxnSpLocks/>
+          </p:cNvCxnSpPr>
+          <p:nvPr/>
+        </p:nvCxnSpPr>
+        <p:spPr>
+          <a:xfrm flipH="1">
+            <a:off x="2895600" y="2781531"/>
+            <a:ext cx="3285065" cy="1745734"/>
+          </a:xfrm>
+          <a:prstGeom prst="straightConnector1">
+            <a:avLst/>
+          </a:prstGeom>
+          <a:ln>
+            <a:tailEnd type="triangle"/>
+          </a:ln>
+        </p:spPr>
+        <p:style>
+          <a:lnRef idx="1">
+            <a:schemeClr val="accent1"/>
+          </a:lnRef>
+          <a:fillRef idx="0">
+            <a:schemeClr val="accent1"/>
+          </a:fillRef>
+          <a:effectRef idx="0">
+            <a:schemeClr val="accent1"/>
+          </a:effectRef>
+          <a:fontRef idx="minor">
+            <a:schemeClr val="tx1"/>
+          </a:fontRef>
+        </p:style>
+      </p:cxnSp>
+      <p:sp>
+        <p:nvSpPr>
+          <p:cNvPr id="19" name="文本框 18">
+            <a:extLst>
+              <a:ext uri="{FF2B5EF4-FFF2-40B4-BE49-F238E27FC236}">
+                <a16:creationId xmlns:a16="http://schemas.microsoft.com/office/drawing/2014/main" id="{12F82666-46A3-4896-9EBC-A68EB3B9AD66}"/>
+              </a:ext>
+            </a:extLst>
+          </p:cNvPr>
+          <p:cNvSpPr txBox="1"/>
+          <p:nvPr/>
+        </p:nvSpPr>
+        <p:spPr>
+          <a:xfrm>
+            <a:off x="6587067" y="5125996"/>
+            <a:ext cx="1880643" cy="369332"/>
+          </a:xfrm>
+          <a:prstGeom prst="rect">
+            <a:avLst/>
+          </a:prstGeom>
+          <a:noFill/>
+        </p:spPr>
+        <p:txBody>
+          <a:bodyPr wrap="none" rtlCol="0">
+            <a:spAutoFit/>
+          </a:bodyPr>
+          <a:lstStyle/>
+          <a:p>
+            <a:r>
+              <a:rPr lang="en-US" altLang="zh-CN" b="1" dirty="0">
+                <a:solidFill>
+                  <a:schemeClr val="accent5">
+                    <a:lumMod val="50000"/>
+                  </a:schemeClr>
+                </a:solidFill>
+                <a:latin typeface="Segoe Print" panose="02000600000000000000" pitchFamily="2" charset="0"/>
+              </a:rPr>
+              <a:t>ESTABLISHED</a:t>
+            </a:r>
+          </a:p>
+        </p:txBody>
+      </p:sp>
+      <p:sp>
+        <p:nvSpPr>
+          <p:cNvPr id="21" name="文本框 20">
+            <a:extLst>
+              <a:ext uri="{FF2B5EF4-FFF2-40B4-BE49-F238E27FC236}">
+                <a16:creationId xmlns:a16="http://schemas.microsoft.com/office/drawing/2014/main" id="{F20D1797-A5C5-41CF-B282-12C948285804}"/>
+              </a:ext>
+            </a:extLst>
+          </p:cNvPr>
+          <p:cNvSpPr txBox="1"/>
+          <p:nvPr/>
+        </p:nvSpPr>
+        <p:spPr>
+          <a:xfrm>
+            <a:off x="6587067" y="2724666"/>
+            <a:ext cx="1444626" cy="369332"/>
+          </a:xfrm>
+          <a:prstGeom prst="rect">
+            <a:avLst/>
+          </a:prstGeom>
+          <a:noFill/>
+        </p:spPr>
+        <p:txBody>
+          <a:bodyPr wrap="none" rtlCol="0">
+            <a:spAutoFit/>
+          </a:bodyPr>
+          <a:lstStyle/>
+          <a:p>
+            <a:r>
+              <a:rPr lang="en-US" altLang="zh-CN" b="1" dirty="0">
+                <a:solidFill>
+                  <a:schemeClr val="accent5">
+                    <a:lumMod val="50000"/>
+                  </a:schemeClr>
+                </a:solidFill>
+                <a:latin typeface="Segoe Print" panose="02000600000000000000" pitchFamily="2" charset="0"/>
+              </a:rPr>
+              <a:t>SYN_RCVD</a:t>
+            </a:r>
+          </a:p>
+        </p:txBody>
+      </p:sp>
+      <p:sp>
+        <p:nvSpPr>
+          <p:cNvPr id="22" name="文本框 21">
+            <a:extLst>
+              <a:ext uri="{FF2B5EF4-FFF2-40B4-BE49-F238E27FC236}">
+                <a16:creationId xmlns:a16="http://schemas.microsoft.com/office/drawing/2014/main" id="{03AA5462-201D-4F5D-8674-7CAF1E5CAC0A}"/>
+              </a:ext>
+            </a:extLst>
+          </p:cNvPr>
+          <p:cNvSpPr txBox="1"/>
+          <p:nvPr/>
+        </p:nvSpPr>
+        <p:spPr>
+          <a:xfrm>
+            <a:off x="6587068" y="1813467"/>
+            <a:ext cx="1045479" cy="369332"/>
+          </a:xfrm>
+          <a:prstGeom prst="rect">
+            <a:avLst/>
+          </a:prstGeom>
+          <a:noFill/>
+        </p:spPr>
+        <p:txBody>
+          <a:bodyPr wrap="none" rtlCol="0">
+            <a:spAutoFit/>
+          </a:bodyPr>
+          <a:lstStyle/>
+          <a:p>
+            <a:r>
+              <a:rPr lang="en-US" altLang="zh-CN" b="1" dirty="0">
+                <a:solidFill>
+                  <a:schemeClr val="accent5">
+                    <a:lumMod val="50000"/>
+                  </a:schemeClr>
+                </a:solidFill>
+                <a:latin typeface="Segoe Print" panose="02000600000000000000" pitchFamily="2" charset="0"/>
+              </a:rPr>
+              <a:t>LISTEN</a:t>
+            </a:r>
+          </a:p>
+        </p:txBody>
+      </p:sp>
+      <p:sp>
+        <p:nvSpPr>
+          <p:cNvPr id="23" name="文本框 22">
+            <a:extLst>
+              <a:ext uri="{FF2B5EF4-FFF2-40B4-BE49-F238E27FC236}">
+                <a16:creationId xmlns:a16="http://schemas.microsoft.com/office/drawing/2014/main" id="{7CBED419-7B8A-4F0B-BFA8-5CDBBBA92F09}"/>
+              </a:ext>
+            </a:extLst>
+          </p:cNvPr>
+          <p:cNvSpPr txBox="1"/>
+          <p:nvPr/>
+        </p:nvSpPr>
+        <p:spPr>
+          <a:xfrm>
+            <a:off x="828690" y="4371104"/>
+            <a:ext cx="1880643" cy="369332"/>
+          </a:xfrm>
+          <a:prstGeom prst="rect">
+            <a:avLst/>
+          </a:prstGeom>
+          <a:noFill/>
+        </p:spPr>
+        <p:txBody>
+          <a:bodyPr wrap="none" rtlCol="0">
+            <a:spAutoFit/>
+          </a:bodyPr>
+          <a:lstStyle/>
+          <a:p>
+            <a:r>
+              <a:rPr lang="en-US" altLang="zh-CN" b="1" dirty="0">
+                <a:solidFill>
+                  <a:schemeClr val="accent5">
+                    <a:lumMod val="50000"/>
+                  </a:schemeClr>
+                </a:solidFill>
+                <a:latin typeface="Segoe Print" panose="02000600000000000000" pitchFamily="2" charset="0"/>
+              </a:rPr>
+              <a:t>ESTABLISHED</a:t>
+            </a:r>
+          </a:p>
+        </p:txBody>
+      </p:sp>
+      <p:sp>
+        <p:nvSpPr>
+          <p:cNvPr id="24" name="文本框 23">
+            <a:extLst>
+              <a:ext uri="{FF2B5EF4-FFF2-40B4-BE49-F238E27FC236}">
+                <a16:creationId xmlns:a16="http://schemas.microsoft.com/office/drawing/2014/main" id="{E466DDCE-0DEA-44AD-BE7E-536E565712CF}"/>
+              </a:ext>
+            </a:extLst>
+          </p:cNvPr>
+          <p:cNvSpPr txBox="1"/>
+          <p:nvPr/>
+        </p:nvSpPr>
+        <p:spPr>
+          <a:xfrm>
+            <a:off x="1354307" y="1813467"/>
+            <a:ext cx="1412566" cy="369332"/>
+          </a:xfrm>
+          <a:prstGeom prst="rect">
+            <a:avLst/>
+          </a:prstGeom>
+          <a:noFill/>
+        </p:spPr>
+        <p:txBody>
+          <a:bodyPr wrap="none" rtlCol="0">
+            <a:spAutoFit/>
+          </a:bodyPr>
+          <a:lstStyle/>
+          <a:p>
+            <a:r>
+              <a:rPr lang="en-US" altLang="zh-CN" b="1" dirty="0">
+                <a:solidFill>
+                  <a:schemeClr val="accent5">
+                    <a:lumMod val="50000"/>
+                  </a:schemeClr>
+                </a:solidFill>
+                <a:latin typeface="Segoe Print" panose="02000600000000000000" pitchFamily="2" charset="0"/>
+              </a:rPr>
+              <a:t>SYN_SENT</a:t>
+            </a:r>
+          </a:p>
+        </p:txBody>
+      </p:sp>
+      <p:sp>
+        <p:nvSpPr>
+          <p:cNvPr id="25" name="文本框 24">
+            <a:extLst>
+              <a:ext uri="{FF2B5EF4-FFF2-40B4-BE49-F238E27FC236}">
+                <a16:creationId xmlns:a16="http://schemas.microsoft.com/office/drawing/2014/main" id="{72F2C2DA-9A0A-45A9-95B1-779643FEE50F}"/>
+              </a:ext>
+            </a:extLst>
+          </p:cNvPr>
+          <p:cNvSpPr txBox="1"/>
+          <p:nvPr/>
+        </p:nvSpPr>
+        <p:spPr>
+          <a:xfrm>
+            <a:off x="8653976" y="1718235"/>
+            <a:ext cx="3217332" cy="3416320"/>
+          </a:xfrm>
+          <a:prstGeom prst="rect">
+            <a:avLst/>
+          </a:prstGeom>
+          <a:noFill/>
+        </p:spPr>
+        <p:txBody>
+          <a:bodyPr wrap="square" rtlCol="0">
+            <a:spAutoFit/>
+          </a:bodyPr>
+          <a:lstStyle/>
+          <a:p>
+            <a:r>
+              <a:rPr lang="zh-CN" altLang="en-US" dirty="0"/>
+              <a:t>第一次：</a:t>
+            </a:r>
+            <a:r>
+              <a:rPr lang="en-US" altLang="zh-CN" dirty="0"/>
+              <a:t>client</a:t>
+            </a:r>
+            <a:r>
+              <a:rPr lang="zh-CN" altLang="en-US" dirty="0"/>
+              <a:t>什么都不能确认，</a:t>
+            </a:r>
+            <a:r>
+              <a:rPr lang="en-US" altLang="zh-CN" dirty="0"/>
+              <a:t>Server</a:t>
+            </a:r>
+            <a:r>
+              <a:rPr lang="zh-CN" altLang="en-US" dirty="0"/>
+              <a:t>确认了对方能够发送，自己能够接受</a:t>
+            </a:r>
+            <a:endParaRPr lang="en-US" altLang="zh-CN" dirty="0"/>
+          </a:p>
+          <a:p>
+            <a:r>
+              <a:rPr lang="zh-CN" altLang="en-US" dirty="0"/>
+              <a:t>第二次： </a:t>
+            </a:r>
+            <a:r>
+              <a:rPr lang="en-US" altLang="zh-CN" dirty="0"/>
+              <a:t>client</a:t>
+            </a:r>
+            <a:r>
+              <a:rPr lang="zh-CN" altLang="en-US" dirty="0"/>
+              <a:t>确认了自己能够发送接受也正常，对方能够发送接受也正常；</a:t>
+            </a:r>
+            <a:r>
+              <a:rPr lang="en-US" altLang="zh-CN" dirty="0"/>
+              <a:t>Server</a:t>
+            </a:r>
+            <a:r>
+              <a:rPr lang="zh-CN" altLang="en-US" dirty="0"/>
+              <a:t>确认了自己能够接受，对方能够发送</a:t>
+            </a:r>
+            <a:endParaRPr lang="en-US" altLang="zh-CN" dirty="0"/>
+          </a:p>
+          <a:p>
+            <a:r>
+              <a:rPr lang="zh-CN" altLang="en-US" dirty="0"/>
+              <a:t>第三次：</a:t>
+            </a:r>
+            <a:r>
+              <a:rPr lang="en-US" altLang="zh-CN" dirty="0"/>
+              <a:t>Client</a:t>
+            </a:r>
+            <a:r>
+              <a:rPr lang="zh-CN" altLang="en-US" dirty="0"/>
+              <a:t>确认了自己发送接受正常，对方发送接受正常，</a:t>
+            </a:r>
+            <a:r>
+              <a:rPr lang="en-US" altLang="zh-CN" dirty="0"/>
+              <a:t>Server</a:t>
+            </a:r>
+            <a:r>
+              <a:rPr lang="zh-CN" altLang="en-US" dirty="0"/>
+              <a:t>端确认了自己发送接受正常，对方发送接受正常</a:t>
+            </a:r>
+          </a:p>
+        </p:txBody>
+      </p:sp>
+      <p:sp>
+        <p:nvSpPr>
+          <p:cNvPr id="26" name="文本框 25">
+            <a:extLst>
+              <a:ext uri="{FF2B5EF4-FFF2-40B4-BE49-F238E27FC236}">
+                <a16:creationId xmlns:a16="http://schemas.microsoft.com/office/drawing/2014/main" id="{AA8BCC40-710F-4C35-A241-4B61E2C0FBFA}"/>
+              </a:ext>
+            </a:extLst>
+          </p:cNvPr>
+          <p:cNvSpPr txBox="1"/>
+          <p:nvPr/>
+        </p:nvSpPr>
+        <p:spPr>
+          <a:xfrm rot="665424">
+            <a:off x="3413863" y="1882395"/>
+            <a:ext cx="2177647" cy="369332"/>
+          </a:xfrm>
+          <a:prstGeom prst="rect">
+            <a:avLst/>
+          </a:prstGeom>
+          <a:noFill/>
+        </p:spPr>
+        <p:txBody>
+          <a:bodyPr wrap="none" rtlCol="0">
+            <a:spAutoFit/>
+          </a:bodyPr>
+          <a:lstStyle/>
+          <a:p>
+            <a:r>
+              <a:rPr lang="en-US" altLang="zh-CN" dirty="0"/>
+              <a:t>SYN=1,seq=</a:t>
+            </a:r>
+            <a:r>
+              <a:rPr lang="en-US" altLang="zh-CN" dirty="0" err="1"/>
+              <a:t>client_isn</a:t>
+            </a:r>
+            <a:endParaRPr lang="zh-CN" altLang="en-US" dirty="0"/>
+          </a:p>
+        </p:txBody>
+      </p:sp>
+      <p:sp>
+        <p:nvSpPr>
+          <p:cNvPr id="27" name="文本框 26">
+            <a:extLst>
+              <a:ext uri="{FF2B5EF4-FFF2-40B4-BE49-F238E27FC236}">
+                <a16:creationId xmlns:a16="http://schemas.microsoft.com/office/drawing/2014/main" id="{D8040BC0-9D05-4412-B9FF-C94C66B42682}"/>
+              </a:ext>
+            </a:extLst>
+          </p:cNvPr>
+          <p:cNvSpPr txBox="1"/>
+          <p:nvPr/>
+        </p:nvSpPr>
+        <p:spPr>
+          <a:xfrm rot="19937465">
+            <a:off x="3112017" y="3161789"/>
+            <a:ext cx="2177647" cy="646331"/>
+          </a:xfrm>
+          <a:prstGeom prst="rect">
+            <a:avLst/>
+          </a:prstGeom>
+          <a:noFill/>
+        </p:spPr>
+        <p:txBody>
+          <a:bodyPr wrap="none" rtlCol="0">
+            <a:spAutoFit/>
+          </a:bodyPr>
+          <a:lstStyle/>
+          <a:p>
+            <a:r>
+              <a:rPr lang="en-US" altLang="zh-CN" dirty="0"/>
+              <a:t>SYN=1,seq=</a:t>
+            </a:r>
+            <a:r>
+              <a:rPr lang="en-US" altLang="zh-CN" dirty="0" err="1"/>
+              <a:t>client_isn</a:t>
+            </a:r>
+            <a:endParaRPr lang="en-US" altLang="zh-CN" dirty="0"/>
+          </a:p>
+          <a:p>
+            <a:r>
+              <a:rPr lang="en-US" altLang="zh-CN" dirty="0"/>
+              <a:t>ACK=client_isn+1</a:t>
+            </a:r>
+            <a:endParaRPr lang="zh-CN" altLang="en-US" dirty="0"/>
+          </a:p>
+        </p:txBody>
+      </p:sp>
+      <p:sp>
+        <p:nvSpPr>
+          <p:cNvPr id="28" name="文本框 27">
+            <a:extLst>
+              <a:ext uri="{FF2B5EF4-FFF2-40B4-BE49-F238E27FC236}">
+                <a16:creationId xmlns:a16="http://schemas.microsoft.com/office/drawing/2014/main" id="{A7616094-B552-419B-9581-7DE4E3B1B83A}"/>
+              </a:ext>
+            </a:extLst>
+          </p:cNvPr>
+          <p:cNvSpPr txBox="1"/>
+          <p:nvPr/>
+        </p:nvSpPr>
+        <p:spPr>
+          <a:xfrm rot="691162">
+            <a:off x="3517043" y="4417271"/>
+            <a:ext cx="2410083" cy="646331"/>
+          </a:xfrm>
+          <a:prstGeom prst="rect">
+            <a:avLst/>
+          </a:prstGeom>
+          <a:noFill/>
+        </p:spPr>
+        <p:txBody>
+          <a:bodyPr wrap="none" rtlCol="0">
+            <a:spAutoFit/>
+          </a:bodyPr>
+          <a:lstStyle/>
+          <a:p>
+            <a:r>
+              <a:rPr lang="en-US" altLang="zh-CN" dirty="0"/>
+              <a:t>SYN=0,seq=client_isn+1</a:t>
+            </a:r>
+          </a:p>
+          <a:p>
+            <a:r>
+              <a:rPr lang="en-US" altLang="zh-CN" dirty="0"/>
+              <a:t>ASKServer_isn+1</a:t>
+            </a:r>
+            <a:endParaRPr lang="zh-CN" altLang="en-US" dirty="0"/>
+          </a:p>
+        </p:txBody>
+      </p:sp>
+    </p:spTree>
+    <p:extLst>
+      <p:ext uri="{BB962C8B-B14F-4D97-AF65-F5344CB8AC3E}">
+        <p14:creationId xmlns:p14="http://schemas.microsoft.com/office/powerpoint/2010/main" val="3757088401"/>
+      </p:ext>
+    </p:extLst>
+  </p:cSld>
+  <p:clrMapOvr>
+    <a:masterClrMapping/>
+  </p:clrMapOvr>
+</p:sld>
+</file>
+
+<file path=ppt/slides/slide9.xml><?xml version="1.0" encoding="utf-8"?>
+<p:sld xmlns:a="http://schemas.openxmlformats.org/drawingml/2006/main" xmlns:r="http://schemas.openxmlformats.org/officeDocument/2006/relationships" xmlns:p="http://schemas.openxmlformats.org/presentationml/2006/main">
+  <p:cSld>
+    <p:spTree>
+      <p:nvGrpSpPr>
+        <p:cNvPr id="1" name=""/>
+        <p:cNvGrpSpPr/>
+        <p:nvPr/>
+      </p:nvGrpSpPr>
+      <p:grpSpPr>
+        <a:xfrm>
+          <a:off x="0" y="0"/>
+          <a:ext cx="0" cy="0"/>
+          <a:chOff x="0" y="0"/>
+          <a:chExt cx="0" cy="0"/>
+        </a:xfrm>
+      </p:grpSpPr>
+      <p:sp>
+        <p:nvSpPr>
+          <p:cNvPr id="2" name="标题 1">
+            <a:extLst>
+              <a:ext uri="{FF2B5EF4-FFF2-40B4-BE49-F238E27FC236}">
+                <a16:creationId xmlns:a16="http://schemas.microsoft.com/office/drawing/2014/main" id="{4A0EB152-80B3-4421-B681-C507DE1F6E0E}"/>
+              </a:ext>
+            </a:extLst>
+          </p:cNvPr>
+          <p:cNvSpPr>
+            <a:spLocks noGrp="1"/>
+          </p:cNvSpPr>
+          <p:nvPr>
+            <p:ph type="title"/>
+          </p:nvPr>
+        </p:nvSpPr>
+        <p:spPr/>
+        <p:txBody>
+          <a:bodyPr/>
+          <a:lstStyle/>
+          <a:p>
+            <a:endParaRPr lang="zh-CN" altLang="en-US" dirty="0"/>
+          </a:p>
+        </p:txBody>
+      </p:sp>
+      <p:sp>
+        <p:nvSpPr>
+          <p:cNvPr id="3" name="内容占位符 2">
+            <a:extLst>
+              <a:ext uri="{FF2B5EF4-FFF2-40B4-BE49-F238E27FC236}">
+                <a16:creationId xmlns:a16="http://schemas.microsoft.com/office/drawing/2014/main" id="{329699F6-BA1E-42BF-B0CC-1D0226824180}"/>
+              </a:ext>
+            </a:extLst>
+          </p:cNvPr>
+          <p:cNvSpPr>
+            <a:spLocks noGrp="1"/>
+          </p:cNvSpPr>
+          <p:nvPr>
+            <p:ph idx="1"/>
+          </p:nvPr>
+        </p:nvSpPr>
+        <p:spPr/>
+        <p:txBody>
+          <a:bodyPr/>
+          <a:lstStyle/>
+          <a:p>
+            <a:endParaRPr lang="zh-CN" altLang="en-US"/>
+          </a:p>
+        </p:txBody>
+      </p:sp>
+    </p:spTree>
+    <p:extLst>
+      <p:ext uri="{BB962C8B-B14F-4D97-AF65-F5344CB8AC3E}">
+        <p14:creationId xmlns:p14="http://schemas.microsoft.com/office/powerpoint/2010/main" val="2946612313"/>
+      </p:ext>
+    </p:extLst>
+  </p:cSld>
+  <p:clrMapOvr>
+    <a:masterClrMapping/>
+  </p:clrMapOvr>
+</p:sld>
+</file>
+
 <file path=ppt/theme/theme1.xml><?xml version="1.0" encoding="utf-8"?>
 <a:theme xmlns:a="http://schemas.openxmlformats.org/drawingml/2006/main" name="Office 主题">
   <a:themeElements>

--- a/note/document.pptx
+++ b/note/document.pptx
@@ -13,7 +13,7 @@
     <p:sldId id="261" r:id="rId7"/>
     <p:sldId id="262" r:id="rId8"/>
     <p:sldId id="263" r:id="rId9"/>
-    <p:sldId id="264" r:id="rId10"/>
+    <p:sldId id="265" r:id="rId10"/>
   </p:sldIdLst>
   <p:sldSz cx="12192000" cy="6858000"/>
   <p:notesSz cx="7104063" cy="10234613"/>
@@ -249,7 +249,7 @@
           <a:p>
             <a:fld id="{82F288E0-7875-42C4-84C8-98DBBD3BF4D2}" type="datetimeFigureOut">
               <a:rPr lang="zh-CN" altLang="en-US" smtClean="0"/>
-              <a:t>2020/2/3</a:t>
+              <a:t>2020/2/8</a:t>
             </a:fld>
             <a:endParaRPr lang="zh-CN" altLang="en-US"/>
           </a:p>
@@ -395,7 +395,7 @@
           <a:p>
             <a:fld id="{82F288E0-7875-42C4-84C8-98DBBD3BF4D2}" type="datetimeFigureOut">
               <a:rPr lang="zh-CN" altLang="en-US" smtClean="0"/>
-              <a:t>2020/2/3</a:t>
+              <a:t>2020/2/8</a:t>
             </a:fld>
             <a:endParaRPr lang="zh-CN" altLang="en-US"/>
           </a:p>
@@ -558,7 +558,7 @@
           <a:p>
             <a:fld id="{82F288E0-7875-42C4-84C8-98DBBD3BF4D2}" type="datetimeFigureOut">
               <a:rPr lang="zh-CN" altLang="en-US" smtClean="0"/>
-              <a:t>2020/2/3</a:t>
+              <a:t>2020/2/8</a:t>
             </a:fld>
             <a:endParaRPr lang="zh-CN" altLang="en-US"/>
           </a:p>
@@ -798,7 +798,7 @@
           <a:p>
             <a:fld id="{82F288E0-7875-42C4-84C8-98DBBD3BF4D2}" type="datetimeFigureOut">
               <a:rPr lang="zh-CN" altLang="en-US" smtClean="0"/>
-              <a:t>2020/2/3</a:t>
+              <a:t>2020/2/8</a:t>
             </a:fld>
             <a:endParaRPr lang="zh-CN" altLang="en-US"/>
           </a:p>
@@ -1022,7 +1022,7 @@
           <a:p>
             <a:fld id="{82F288E0-7875-42C4-84C8-98DBBD3BF4D2}" type="datetimeFigureOut">
               <a:rPr lang="zh-CN" altLang="en-US" smtClean="0"/>
-              <a:t>2020/2/3</a:t>
+              <a:t>2020/2/8</a:t>
             </a:fld>
             <a:endParaRPr lang="zh-CN" altLang="en-US"/>
           </a:p>
@@ -1381,7 +1381,7 @@
           <a:p>
             <a:fld id="{82F288E0-7875-42C4-84C8-98DBBD3BF4D2}" type="datetimeFigureOut">
               <a:rPr lang="zh-CN" altLang="en-US" smtClean="0"/>
-              <a:t>2020/2/3</a:t>
+              <a:t>2020/2/8</a:t>
             </a:fld>
             <a:endParaRPr lang="zh-CN" altLang="en-US"/>
           </a:p>
@@ -1493,7 +1493,7 @@
           <a:p>
             <a:fld id="{82F288E0-7875-42C4-84C8-98DBBD3BF4D2}" type="datetimeFigureOut">
               <a:rPr lang="zh-CN" altLang="en-US" smtClean="0"/>
-              <a:t>2020/2/3</a:t>
+              <a:t>2020/2/8</a:t>
             </a:fld>
             <a:endParaRPr lang="zh-CN" altLang="en-US"/>
           </a:p>
@@ -1583,7 +1583,7 @@
           <a:p>
             <a:fld id="{82F288E0-7875-42C4-84C8-98DBBD3BF4D2}" type="datetimeFigureOut">
               <a:rPr lang="zh-CN" altLang="en-US" smtClean="0"/>
-              <a:t>2020/2/3</a:t>
+              <a:t>2020/2/8</a:t>
             </a:fld>
             <a:endParaRPr lang="zh-CN" altLang="en-US"/>
           </a:p>
@@ -1830,7 +1830,7 @@
           <a:p>
             <a:fld id="{82F288E0-7875-42C4-84C8-98DBBD3BF4D2}" type="datetimeFigureOut">
               <a:rPr lang="zh-CN" altLang="en-US" smtClean="0"/>
-              <a:t>2020/2/3</a:t>
+              <a:t>2020/2/8</a:t>
             </a:fld>
             <a:endParaRPr lang="zh-CN" altLang="en-US"/>
           </a:p>
@@ -2003,7 +2003,7 @@
           <a:p>
             <a:fld id="{82F288E0-7875-42C4-84C8-98DBBD3BF4D2}" type="datetimeFigureOut">
               <a:rPr lang="zh-CN" altLang="en-US" smtClean="0"/>
-              <a:t>2020/2/3</a:t>
+              <a:t>2020/2/8</a:t>
             </a:fld>
             <a:endParaRPr lang="zh-CN" altLang="en-US"/>
           </a:p>
@@ -2209,7 +2209,7 @@
           <a:p>
             <a:fld id="{82F288E0-7875-42C4-84C8-98DBBD3BF4D2}" type="datetimeFigureOut">
               <a:rPr lang="zh-CN" altLang="en-US" smtClean="0"/>
-              <a:t>2020/2/3</a:t>
+              <a:t>2020/2/8</a:t>
             </a:fld>
             <a:endParaRPr lang="zh-CN" altLang="en-US"/>
           </a:p>
@@ -8648,60 +8648,1022 @@
           <a:chExt cx="0" cy="0"/>
         </a:xfrm>
       </p:grpSpPr>
-      <p:sp>
-        <p:nvSpPr>
-          <p:cNvPr id="2" name="标题 1">
+      <p:cxnSp>
+        <p:nvCxnSpPr>
+          <p:cNvPr id="4" name="直接连接符 3">
             <a:extLst>
               <a:ext uri="{FF2B5EF4-FFF2-40B4-BE49-F238E27FC236}">
-                <a16:creationId xmlns:a16="http://schemas.microsoft.com/office/drawing/2014/main" id="{4A0EB152-80B3-4421-B681-C507DE1F6E0E}"/>
+                <a16:creationId xmlns:a16="http://schemas.microsoft.com/office/drawing/2014/main" id="{5F428674-1627-4651-BA67-DB3D21D28701}"/>
               </a:ext>
             </a:extLst>
           </p:cNvPr>
-          <p:cNvSpPr>
-            <a:spLocks noGrp="1"/>
-          </p:cNvSpPr>
-          <p:nvPr>
-            <p:ph type="title"/>
-          </p:nvPr>
-        </p:nvSpPr>
-        <p:spPr/>
-        <p:txBody>
-          <a:bodyPr/>
-          <a:lstStyle/>
-          <a:p>
-            <a:endParaRPr lang="zh-CN" altLang="en-US" dirty="0"/>
-          </a:p>
-        </p:txBody>
-      </p:sp>
-      <p:sp>
-        <p:nvSpPr>
-          <p:cNvPr id="3" name="内容占位符 2">
+          <p:cNvCxnSpPr>
+            <a:cxnSpLocks/>
+          </p:cNvCxnSpPr>
+          <p:nvPr/>
+        </p:nvCxnSpPr>
+        <p:spPr>
+          <a:xfrm>
+            <a:off x="3453414" y="1775534"/>
+            <a:ext cx="0" cy="3934287"/>
+          </a:xfrm>
+          <a:prstGeom prst="line">
+            <a:avLst/>
+          </a:prstGeom>
+        </p:spPr>
+        <p:style>
+          <a:lnRef idx="1">
+            <a:schemeClr val="accent5"/>
+          </a:lnRef>
+          <a:fillRef idx="0">
+            <a:schemeClr val="accent5"/>
+          </a:fillRef>
+          <a:effectRef idx="0">
+            <a:schemeClr val="accent5"/>
+          </a:effectRef>
+          <a:fontRef idx="minor">
+            <a:schemeClr val="tx1"/>
+          </a:fontRef>
+        </p:style>
+      </p:cxnSp>
+      <p:cxnSp>
+        <p:nvCxnSpPr>
+          <p:cNvPr id="5" name="直接连接符 4">
             <a:extLst>
               <a:ext uri="{FF2B5EF4-FFF2-40B4-BE49-F238E27FC236}">
-                <a16:creationId xmlns:a16="http://schemas.microsoft.com/office/drawing/2014/main" id="{329699F6-BA1E-42BF-B0CC-1D0226824180}"/>
+                <a16:creationId xmlns:a16="http://schemas.microsoft.com/office/drawing/2014/main" id="{56609336-7748-49B5-AA70-A0EA9AFA9339}"/>
               </a:ext>
             </a:extLst>
           </p:cNvPr>
-          <p:cNvSpPr>
-            <a:spLocks noGrp="1"/>
-          </p:cNvSpPr>
-          <p:nvPr>
-            <p:ph idx="1"/>
-          </p:nvPr>
-        </p:nvSpPr>
-        <p:spPr/>
-        <p:txBody>
-          <a:bodyPr/>
-          <a:lstStyle/>
-          <a:p>
-            <a:endParaRPr lang="zh-CN" altLang="en-US"/>
+          <p:cNvCxnSpPr>
+            <a:cxnSpLocks/>
+          </p:cNvCxnSpPr>
+          <p:nvPr/>
+        </p:nvCxnSpPr>
+        <p:spPr>
+          <a:xfrm>
+            <a:off x="6437790" y="1775534"/>
+            <a:ext cx="0" cy="3854388"/>
+          </a:xfrm>
+          <a:prstGeom prst="line">
+            <a:avLst/>
+          </a:prstGeom>
+        </p:spPr>
+        <p:style>
+          <a:lnRef idx="1">
+            <a:schemeClr val="accent5"/>
+          </a:lnRef>
+          <a:fillRef idx="0">
+            <a:schemeClr val="accent5"/>
+          </a:fillRef>
+          <a:effectRef idx="0">
+            <a:schemeClr val="accent5"/>
+          </a:effectRef>
+          <a:fontRef idx="minor">
+            <a:schemeClr val="tx1"/>
+          </a:fontRef>
+        </p:style>
+      </p:cxnSp>
+      <p:sp>
+        <p:nvSpPr>
+          <p:cNvPr id="6" name="文本框 5">
+            <a:extLst>
+              <a:ext uri="{FF2B5EF4-FFF2-40B4-BE49-F238E27FC236}">
+                <a16:creationId xmlns:a16="http://schemas.microsoft.com/office/drawing/2014/main" id="{C25D78B6-90EA-42E4-9DE9-5D33A992744F}"/>
+              </a:ext>
+            </a:extLst>
+          </p:cNvPr>
+          <p:cNvSpPr txBox="1"/>
+          <p:nvPr/>
+        </p:nvSpPr>
+        <p:spPr>
+          <a:xfrm>
+            <a:off x="6096000" y="1040167"/>
+            <a:ext cx="1494408" cy="369332"/>
+          </a:xfrm>
+          <a:prstGeom prst="rect">
+            <a:avLst/>
+          </a:prstGeom>
+          <a:noFill/>
+        </p:spPr>
+        <p:txBody>
+          <a:bodyPr wrap="square" rtlCol="0">
+            <a:spAutoFit/>
+          </a:bodyPr>
+          <a:lstStyle/>
+          <a:p>
+            <a:r>
+              <a:rPr lang="en-US" altLang="zh-CN" b="1" dirty="0">
+                <a:solidFill>
+                  <a:srgbClr val="C00000"/>
+                </a:solidFill>
+                <a:latin typeface="Comic Sans MS" panose="030F0702030302020204" pitchFamily="66" charset="0"/>
+              </a:rPr>
+              <a:t>SERVER</a:t>
+            </a:r>
+            <a:endParaRPr lang="zh-CN" altLang="en-US" b="1" dirty="0">
+              <a:solidFill>
+                <a:srgbClr val="C00000"/>
+              </a:solidFill>
+              <a:latin typeface="Comic Sans MS" panose="030F0702030302020204" pitchFamily="66" charset="0"/>
+            </a:endParaRPr>
+          </a:p>
+        </p:txBody>
+      </p:sp>
+      <p:sp>
+        <p:nvSpPr>
+          <p:cNvPr id="7" name="文本框 6">
+            <a:extLst>
+              <a:ext uri="{FF2B5EF4-FFF2-40B4-BE49-F238E27FC236}">
+                <a16:creationId xmlns:a16="http://schemas.microsoft.com/office/drawing/2014/main" id="{379AE44F-F7CB-47E1-9764-9DC7727C6EC1}"/>
+              </a:ext>
+            </a:extLst>
+          </p:cNvPr>
+          <p:cNvSpPr txBox="1"/>
+          <p:nvPr/>
+        </p:nvSpPr>
+        <p:spPr>
+          <a:xfrm>
+            <a:off x="3011010" y="1040167"/>
+            <a:ext cx="1251745" cy="369332"/>
+          </a:xfrm>
+          <a:prstGeom prst="rect">
+            <a:avLst/>
+          </a:prstGeom>
+          <a:noFill/>
+        </p:spPr>
+        <p:txBody>
+          <a:bodyPr wrap="square" rtlCol="0">
+            <a:spAutoFit/>
+          </a:bodyPr>
+          <a:lstStyle/>
+          <a:p>
+            <a:r>
+              <a:rPr lang="en-US" altLang="zh-CN" b="1" dirty="0">
+                <a:solidFill>
+                  <a:srgbClr val="C00000"/>
+                </a:solidFill>
+                <a:latin typeface="Comic Sans MS" panose="030F0702030302020204" pitchFamily="66" charset="0"/>
+              </a:rPr>
+              <a:t>CLIENT</a:t>
+            </a:r>
+            <a:endParaRPr lang="zh-CN" altLang="en-US" b="1" dirty="0">
+              <a:solidFill>
+                <a:srgbClr val="C00000"/>
+              </a:solidFill>
+              <a:latin typeface="Comic Sans MS" panose="030F0702030302020204" pitchFamily="66" charset="0"/>
+            </a:endParaRPr>
+          </a:p>
+        </p:txBody>
+      </p:sp>
+      <p:cxnSp>
+        <p:nvCxnSpPr>
+          <p:cNvPr id="8" name="直接箭头连接符 7">
+            <a:extLst>
+              <a:ext uri="{FF2B5EF4-FFF2-40B4-BE49-F238E27FC236}">
+                <a16:creationId xmlns:a16="http://schemas.microsoft.com/office/drawing/2014/main" id="{CB634946-C539-4F0E-8583-E2E77FD041B0}"/>
+              </a:ext>
+            </a:extLst>
+          </p:cNvPr>
+          <p:cNvCxnSpPr>
+            <a:cxnSpLocks/>
+          </p:cNvCxnSpPr>
+          <p:nvPr/>
+        </p:nvCxnSpPr>
+        <p:spPr>
+          <a:xfrm>
+            <a:off x="3453414" y="2024109"/>
+            <a:ext cx="2894120" cy="679479"/>
+          </a:xfrm>
+          <a:prstGeom prst="straightConnector1">
+            <a:avLst/>
+          </a:prstGeom>
+          <a:ln w="28575">
+            <a:tailEnd type="triangle"/>
+          </a:ln>
+        </p:spPr>
+        <p:style>
+          <a:lnRef idx="2">
+            <a:schemeClr val="accent6"/>
+          </a:lnRef>
+          <a:fillRef idx="0">
+            <a:schemeClr val="accent6"/>
+          </a:fillRef>
+          <a:effectRef idx="1">
+            <a:schemeClr val="accent6"/>
+          </a:effectRef>
+          <a:fontRef idx="minor">
+            <a:schemeClr val="tx1"/>
+          </a:fontRef>
+        </p:style>
+      </p:cxnSp>
+      <p:cxnSp>
+        <p:nvCxnSpPr>
+          <p:cNvPr id="9" name="直接箭头连接符 8">
+            <a:extLst>
+              <a:ext uri="{FF2B5EF4-FFF2-40B4-BE49-F238E27FC236}">
+                <a16:creationId xmlns:a16="http://schemas.microsoft.com/office/drawing/2014/main" id="{5F267EB7-574A-49C5-9D59-C0A5FAFC91DB}"/>
+              </a:ext>
+            </a:extLst>
+          </p:cNvPr>
+          <p:cNvCxnSpPr/>
+          <p:nvPr/>
+        </p:nvCxnSpPr>
+        <p:spPr>
+          <a:xfrm>
+            <a:off x="3491930" y="4532136"/>
+            <a:ext cx="2984376" cy="763479"/>
+          </a:xfrm>
+          <a:prstGeom prst="straightConnector1">
+            <a:avLst/>
+          </a:prstGeom>
+          <a:ln w="28575">
+            <a:tailEnd type="triangle"/>
+          </a:ln>
+        </p:spPr>
+        <p:style>
+          <a:lnRef idx="2">
+            <a:schemeClr val="accent6"/>
+          </a:lnRef>
+          <a:fillRef idx="0">
+            <a:schemeClr val="accent6"/>
+          </a:fillRef>
+          <a:effectRef idx="1">
+            <a:schemeClr val="accent6"/>
+          </a:effectRef>
+          <a:fontRef idx="minor">
+            <a:schemeClr val="tx1"/>
+          </a:fontRef>
+        </p:style>
+      </p:cxnSp>
+      <p:cxnSp>
+        <p:nvCxnSpPr>
+          <p:cNvPr id="10" name="直接箭头连接符 9">
+            <a:extLst>
+              <a:ext uri="{FF2B5EF4-FFF2-40B4-BE49-F238E27FC236}">
+                <a16:creationId xmlns:a16="http://schemas.microsoft.com/office/drawing/2014/main" id="{4C139CB1-CF4A-4FB6-83BD-6CC76703B3BF}"/>
+              </a:ext>
+            </a:extLst>
+          </p:cNvPr>
+          <p:cNvCxnSpPr>
+            <a:cxnSpLocks/>
+          </p:cNvCxnSpPr>
+          <p:nvPr/>
+        </p:nvCxnSpPr>
+        <p:spPr>
+          <a:xfrm flipH="1">
+            <a:off x="3453414" y="2781099"/>
+            <a:ext cx="2894121" cy="966355"/>
+          </a:xfrm>
+          <a:prstGeom prst="straightConnector1">
+            <a:avLst/>
+          </a:prstGeom>
+          <a:ln w="28575">
+            <a:tailEnd type="triangle"/>
+          </a:ln>
+        </p:spPr>
+        <p:style>
+          <a:lnRef idx="2">
+            <a:schemeClr val="accent6"/>
+          </a:lnRef>
+          <a:fillRef idx="0">
+            <a:schemeClr val="accent6"/>
+          </a:fillRef>
+          <a:effectRef idx="1">
+            <a:schemeClr val="accent6"/>
+          </a:effectRef>
+          <a:fontRef idx="minor">
+            <a:schemeClr val="tx1"/>
+          </a:fontRef>
+        </p:style>
+      </p:cxnSp>
+      <p:sp>
+        <p:nvSpPr>
+          <p:cNvPr id="11" name="文本框 10">
+            <a:extLst>
+              <a:ext uri="{FF2B5EF4-FFF2-40B4-BE49-F238E27FC236}">
+                <a16:creationId xmlns:a16="http://schemas.microsoft.com/office/drawing/2014/main" id="{78556113-61B9-48AB-BEC0-DAA183BA599F}"/>
+              </a:ext>
+            </a:extLst>
+          </p:cNvPr>
+          <p:cNvSpPr txBox="1"/>
+          <p:nvPr/>
+        </p:nvSpPr>
+        <p:spPr>
+          <a:xfrm rot="848318">
+            <a:off x="4671414" y="1931398"/>
+            <a:ext cx="521297" cy="369332"/>
+          </a:xfrm>
+          <a:prstGeom prst="rect">
+            <a:avLst/>
+          </a:prstGeom>
+          <a:noFill/>
+        </p:spPr>
+        <p:txBody>
+          <a:bodyPr wrap="none" rtlCol="0">
+            <a:spAutoFit/>
+          </a:bodyPr>
+          <a:lstStyle/>
+          <a:p>
+            <a:r>
+              <a:rPr lang="en-US" altLang="zh-CN" dirty="0">
+                <a:solidFill>
+                  <a:schemeClr val="accent2">
+                    <a:lumMod val="75000"/>
+                  </a:schemeClr>
+                </a:solidFill>
+              </a:rPr>
+              <a:t>FIN</a:t>
+            </a:r>
+            <a:endParaRPr lang="zh-CN" altLang="en-US" dirty="0">
+              <a:solidFill>
+                <a:schemeClr val="accent2">
+                  <a:lumMod val="75000"/>
+                </a:schemeClr>
+              </a:solidFill>
+            </a:endParaRPr>
+          </a:p>
+        </p:txBody>
+      </p:sp>
+      <p:sp>
+        <p:nvSpPr>
+          <p:cNvPr id="13" name="文本框 12">
+            <a:extLst>
+              <a:ext uri="{FF2B5EF4-FFF2-40B4-BE49-F238E27FC236}">
+                <a16:creationId xmlns:a16="http://schemas.microsoft.com/office/drawing/2014/main" id="{828FCE74-6D03-4F22-B8C7-73A951762EC1}"/>
+              </a:ext>
+            </a:extLst>
+          </p:cNvPr>
+          <p:cNvSpPr txBox="1"/>
+          <p:nvPr/>
+        </p:nvSpPr>
+        <p:spPr>
+          <a:xfrm rot="20494433">
+            <a:off x="4297703" y="2869699"/>
+            <a:ext cx="603050" cy="369332"/>
+          </a:xfrm>
+          <a:prstGeom prst="rect">
+            <a:avLst/>
+          </a:prstGeom>
+          <a:noFill/>
+        </p:spPr>
+        <p:txBody>
+          <a:bodyPr wrap="none" rtlCol="0">
+            <a:spAutoFit/>
+          </a:bodyPr>
+          <a:lstStyle/>
+          <a:p>
+            <a:r>
+              <a:rPr lang="en-US" altLang="zh-CN" dirty="0">
+                <a:solidFill>
+                  <a:schemeClr val="accent2">
+                    <a:lumMod val="75000"/>
+                  </a:schemeClr>
+                </a:solidFill>
+              </a:rPr>
+              <a:t>ACK</a:t>
+            </a:r>
+            <a:endParaRPr lang="zh-CN" altLang="en-US" dirty="0">
+              <a:solidFill>
+                <a:schemeClr val="accent2">
+                  <a:lumMod val="75000"/>
+                </a:schemeClr>
+              </a:solidFill>
+            </a:endParaRPr>
+          </a:p>
+        </p:txBody>
+      </p:sp>
+      <p:sp>
+        <p:nvSpPr>
+          <p:cNvPr id="14" name="文本框 13">
+            <a:extLst>
+              <a:ext uri="{FF2B5EF4-FFF2-40B4-BE49-F238E27FC236}">
+                <a16:creationId xmlns:a16="http://schemas.microsoft.com/office/drawing/2014/main" id="{8541C9BC-BC63-4279-979C-D27438C24B68}"/>
+              </a:ext>
+            </a:extLst>
+          </p:cNvPr>
+          <p:cNvSpPr txBox="1"/>
+          <p:nvPr/>
+        </p:nvSpPr>
+        <p:spPr>
+          <a:xfrm>
+            <a:off x="6615556" y="1775534"/>
+            <a:ext cx="1866217" cy="369332"/>
+          </a:xfrm>
+          <a:prstGeom prst="rect">
+            <a:avLst/>
+          </a:prstGeom>
+          <a:noFill/>
+        </p:spPr>
+        <p:txBody>
+          <a:bodyPr wrap="none" rtlCol="0">
+            <a:spAutoFit/>
+          </a:bodyPr>
+          <a:lstStyle/>
+          <a:p>
+            <a:r>
+              <a:rPr lang="en-US" altLang="zh-CN" b="1" dirty="0">
+                <a:solidFill>
+                  <a:schemeClr val="accent5">
+                    <a:lumMod val="50000"/>
+                  </a:schemeClr>
+                </a:solidFill>
+                <a:latin typeface="Comic Sans MS" panose="030F0702030302020204" pitchFamily="66" charset="0"/>
+              </a:rPr>
+              <a:t>ESTABLISHED</a:t>
+            </a:r>
+          </a:p>
+        </p:txBody>
+      </p:sp>
+      <p:sp>
+        <p:nvSpPr>
+          <p:cNvPr id="15" name="文本框 14">
+            <a:extLst>
+              <a:ext uri="{FF2B5EF4-FFF2-40B4-BE49-F238E27FC236}">
+                <a16:creationId xmlns:a16="http://schemas.microsoft.com/office/drawing/2014/main" id="{B8786621-CF94-4C17-A68C-1FE23C121123}"/>
+              </a:ext>
+            </a:extLst>
+          </p:cNvPr>
+          <p:cNvSpPr txBox="1"/>
+          <p:nvPr/>
+        </p:nvSpPr>
+        <p:spPr>
+          <a:xfrm>
+            <a:off x="6589210" y="2518922"/>
+            <a:ext cx="1782860" cy="369332"/>
+          </a:xfrm>
+          <a:prstGeom prst="rect">
+            <a:avLst/>
+          </a:prstGeom>
+          <a:noFill/>
+        </p:spPr>
+        <p:txBody>
+          <a:bodyPr wrap="none" rtlCol="0">
+            <a:spAutoFit/>
+          </a:bodyPr>
+          <a:lstStyle/>
+          <a:p>
+            <a:r>
+              <a:rPr lang="en-US" altLang="zh-CN" b="1" dirty="0">
+                <a:solidFill>
+                  <a:schemeClr val="accent5">
+                    <a:lumMod val="50000"/>
+                  </a:schemeClr>
+                </a:solidFill>
+                <a:latin typeface="Comic Sans MS" panose="030F0702030302020204" pitchFamily="66" charset="0"/>
+              </a:rPr>
+              <a:t>CLOSE_WAIT</a:t>
+            </a:r>
+            <a:endParaRPr lang="zh-CN" altLang="en-US" b="1" dirty="0">
+              <a:solidFill>
+                <a:schemeClr val="accent5">
+                  <a:lumMod val="50000"/>
+                </a:schemeClr>
+              </a:solidFill>
+              <a:latin typeface="Comic Sans MS" panose="030F0702030302020204" pitchFamily="66" charset="0"/>
+            </a:endParaRPr>
+          </a:p>
+        </p:txBody>
+      </p:sp>
+      <p:sp>
+        <p:nvSpPr>
+          <p:cNvPr id="16" name="文本框 15">
+            <a:extLst>
+              <a:ext uri="{FF2B5EF4-FFF2-40B4-BE49-F238E27FC236}">
+                <a16:creationId xmlns:a16="http://schemas.microsoft.com/office/drawing/2014/main" id="{F3B67704-4FDB-4BCE-9C24-FE05F11623B5}"/>
+              </a:ext>
+            </a:extLst>
+          </p:cNvPr>
+          <p:cNvSpPr txBox="1"/>
+          <p:nvPr/>
+        </p:nvSpPr>
+        <p:spPr>
+          <a:xfrm>
+            <a:off x="6571408" y="5110949"/>
+            <a:ext cx="1109599" cy="369332"/>
+          </a:xfrm>
+          <a:prstGeom prst="rect">
+            <a:avLst/>
+          </a:prstGeom>
+          <a:noFill/>
+        </p:spPr>
+        <p:txBody>
+          <a:bodyPr wrap="none" rtlCol="0">
+            <a:spAutoFit/>
+          </a:bodyPr>
+          <a:lstStyle/>
+          <a:p>
+            <a:r>
+              <a:rPr lang="en-US" altLang="zh-CN" b="1" dirty="0">
+                <a:solidFill>
+                  <a:schemeClr val="accent5">
+                    <a:lumMod val="50000"/>
+                  </a:schemeClr>
+                </a:solidFill>
+                <a:latin typeface="Comic Sans MS" panose="030F0702030302020204" pitchFamily="66" charset="0"/>
+              </a:rPr>
+              <a:t>CLOSED</a:t>
+            </a:r>
+          </a:p>
+        </p:txBody>
+      </p:sp>
+      <p:sp>
+        <p:nvSpPr>
+          <p:cNvPr id="17" name="文本框 16">
+            <a:extLst>
+              <a:ext uri="{FF2B5EF4-FFF2-40B4-BE49-F238E27FC236}">
+                <a16:creationId xmlns:a16="http://schemas.microsoft.com/office/drawing/2014/main" id="{CFA68E74-BC97-42A4-A617-86A34F50F0E5}"/>
+              </a:ext>
+            </a:extLst>
+          </p:cNvPr>
+          <p:cNvSpPr txBox="1"/>
+          <p:nvPr/>
+        </p:nvSpPr>
+        <p:spPr>
+          <a:xfrm>
+            <a:off x="1651275" y="3640299"/>
+            <a:ext cx="1763624" cy="369332"/>
+          </a:xfrm>
+          <a:prstGeom prst="rect">
+            <a:avLst/>
+          </a:prstGeom>
+          <a:noFill/>
+        </p:spPr>
+        <p:txBody>
+          <a:bodyPr wrap="none" rtlCol="0">
+            <a:spAutoFit/>
+          </a:bodyPr>
+          <a:lstStyle/>
+          <a:p>
+            <a:r>
+              <a:rPr lang="en-US" altLang="zh-CN" b="1" dirty="0">
+                <a:solidFill>
+                  <a:schemeClr val="accent5">
+                    <a:lumMod val="50000"/>
+                  </a:schemeClr>
+                </a:solidFill>
+                <a:latin typeface="Comic Sans MS" panose="030F0702030302020204" pitchFamily="66" charset="0"/>
+              </a:rPr>
+              <a:t>FIN_WAIT_1</a:t>
+            </a:r>
+          </a:p>
+        </p:txBody>
+      </p:sp>
+      <p:sp>
+        <p:nvSpPr>
+          <p:cNvPr id="18" name="文本框 17">
+            <a:extLst>
+              <a:ext uri="{FF2B5EF4-FFF2-40B4-BE49-F238E27FC236}">
+                <a16:creationId xmlns:a16="http://schemas.microsoft.com/office/drawing/2014/main" id="{570C941E-C0FC-4056-B036-394F040217D1}"/>
+              </a:ext>
+            </a:extLst>
+          </p:cNvPr>
+          <p:cNvSpPr txBox="1"/>
+          <p:nvPr/>
+        </p:nvSpPr>
+        <p:spPr>
+          <a:xfrm>
+            <a:off x="1536849" y="1618980"/>
+            <a:ext cx="1866217" cy="369332"/>
+          </a:xfrm>
+          <a:prstGeom prst="rect">
+            <a:avLst/>
+          </a:prstGeom>
+          <a:noFill/>
+        </p:spPr>
+        <p:txBody>
+          <a:bodyPr wrap="none" rtlCol="0">
+            <a:spAutoFit/>
+          </a:bodyPr>
+          <a:lstStyle/>
+          <a:p>
+            <a:r>
+              <a:rPr lang="en-US" altLang="zh-CN" b="1" dirty="0">
+                <a:solidFill>
+                  <a:schemeClr val="accent5">
+                    <a:lumMod val="50000"/>
+                  </a:schemeClr>
+                </a:solidFill>
+                <a:latin typeface="Comic Sans MS" panose="030F0702030302020204" pitchFamily="66" charset="0"/>
+              </a:rPr>
+              <a:t>ESTABLISHED</a:t>
+            </a:r>
+            <a:endParaRPr lang="zh-CN" altLang="en-US" b="1" dirty="0">
+              <a:solidFill>
+                <a:schemeClr val="accent5">
+                  <a:lumMod val="50000"/>
+                </a:schemeClr>
+              </a:solidFill>
+              <a:latin typeface="Comic Sans MS" panose="030F0702030302020204" pitchFamily="66" charset="0"/>
+            </a:endParaRPr>
+          </a:p>
+        </p:txBody>
+      </p:sp>
+      <p:sp>
+        <p:nvSpPr>
+          <p:cNvPr id="19" name="文本框 18">
+            <a:extLst>
+              <a:ext uri="{FF2B5EF4-FFF2-40B4-BE49-F238E27FC236}">
+                <a16:creationId xmlns:a16="http://schemas.microsoft.com/office/drawing/2014/main" id="{3267CB86-557C-4BF0-AE98-A9F9E942718D}"/>
+              </a:ext>
+            </a:extLst>
+          </p:cNvPr>
+          <p:cNvSpPr txBox="1"/>
+          <p:nvPr/>
+        </p:nvSpPr>
+        <p:spPr>
+          <a:xfrm>
+            <a:off x="1662710" y="1951497"/>
+            <a:ext cx="1763624" cy="369332"/>
+          </a:xfrm>
+          <a:prstGeom prst="rect">
+            <a:avLst/>
+          </a:prstGeom>
+          <a:noFill/>
+        </p:spPr>
+        <p:txBody>
+          <a:bodyPr wrap="none" rtlCol="0">
+            <a:spAutoFit/>
+          </a:bodyPr>
+          <a:lstStyle/>
+          <a:p>
+            <a:r>
+              <a:rPr lang="en-US" altLang="zh-CN" b="1" dirty="0">
+                <a:solidFill>
+                  <a:schemeClr val="accent5">
+                    <a:lumMod val="50000"/>
+                  </a:schemeClr>
+                </a:solidFill>
+                <a:latin typeface="Comic Sans MS" panose="030F0702030302020204" pitchFamily="66" charset="0"/>
+              </a:rPr>
+              <a:t>FIN_WAIT_1</a:t>
+            </a:r>
+            <a:endParaRPr lang="zh-CN" altLang="en-US" b="1" dirty="0">
+              <a:solidFill>
+                <a:schemeClr val="accent5">
+                  <a:lumMod val="50000"/>
+                </a:schemeClr>
+              </a:solidFill>
+              <a:latin typeface="Comic Sans MS" panose="030F0702030302020204" pitchFamily="66" charset="0"/>
+            </a:endParaRPr>
+          </a:p>
+        </p:txBody>
+      </p:sp>
+      <p:sp>
+        <p:nvSpPr>
+          <p:cNvPr id="20" name="文本框 19">
+            <a:extLst>
+              <a:ext uri="{FF2B5EF4-FFF2-40B4-BE49-F238E27FC236}">
+                <a16:creationId xmlns:a16="http://schemas.microsoft.com/office/drawing/2014/main" id="{083A6EDF-8621-4DA1-8AD8-3F4EC1FF2A4D}"/>
+              </a:ext>
+            </a:extLst>
+          </p:cNvPr>
+          <p:cNvSpPr txBox="1"/>
+          <p:nvPr/>
+        </p:nvSpPr>
+        <p:spPr>
+          <a:xfrm>
+            <a:off x="6571408" y="3059668"/>
+            <a:ext cx="1396536" cy="369332"/>
+          </a:xfrm>
+          <a:prstGeom prst="rect">
+            <a:avLst/>
+          </a:prstGeom>
+          <a:noFill/>
+        </p:spPr>
+        <p:txBody>
+          <a:bodyPr wrap="none" rtlCol="0">
+            <a:spAutoFit/>
+          </a:bodyPr>
+          <a:lstStyle/>
+          <a:p>
+            <a:r>
+              <a:rPr lang="en-US" altLang="zh-CN" b="1" dirty="0">
+                <a:solidFill>
+                  <a:schemeClr val="accent5">
+                    <a:lumMod val="50000"/>
+                  </a:schemeClr>
+                </a:solidFill>
+                <a:latin typeface="Comic Sans MS" panose="030F0702030302020204" pitchFamily="66" charset="0"/>
+              </a:rPr>
+              <a:t>LAST_ACK</a:t>
+            </a:r>
+          </a:p>
+        </p:txBody>
+      </p:sp>
+      <p:sp>
+        <p:nvSpPr>
+          <p:cNvPr id="21" name="文本框 20">
+            <a:extLst>
+              <a:ext uri="{FF2B5EF4-FFF2-40B4-BE49-F238E27FC236}">
+                <a16:creationId xmlns:a16="http://schemas.microsoft.com/office/drawing/2014/main" id="{AB67B7D3-9BDB-437F-B2C5-74BDDF01A6D4}"/>
+              </a:ext>
+            </a:extLst>
+          </p:cNvPr>
+          <p:cNvSpPr txBox="1"/>
+          <p:nvPr/>
+        </p:nvSpPr>
+        <p:spPr>
+          <a:xfrm>
+            <a:off x="1703728" y="4253267"/>
+            <a:ext cx="1659429" cy="369332"/>
+          </a:xfrm>
+          <a:prstGeom prst="rect">
+            <a:avLst/>
+          </a:prstGeom>
+          <a:noFill/>
+        </p:spPr>
+        <p:txBody>
+          <a:bodyPr wrap="none" rtlCol="0">
+            <a:spAutoFit/>
+          </a:bodyPr>
+          <a:lstStyle/>
+          <a:p>
+            <a:r>
+              <a:rPr lang="en-US" altLang="zh-CN" b="1" dirty="0">
+                <a:solidFill>
+                  <a:schemeClr val="accent5">
+                    <a:lumMod val="50000"/>
+                  </a:schemeClr>
+                </a:solidFill>
+                <a:latin typeface="Comic Sans MS" panose="030F0702030302020204" pitchFamily="66" charset="0"/>
+              </a:rPr>
+              <a:t>TIME_WAIT</a:t>
+            </a:r>
+          </a:p>
+        </p:txBody>
+      </p:sp>
+      <p:cxnSp>
+        <p:nvCxnSpPr>
+          <p:cNvPr id="22" name="直接箭头连接符 21">
+            <a:extLst>
+              <a:ext uri="{FF2B5EF4-FFF2-40B4-BE49-F238E27FC236}">
+                <a16:creationId xmlns:a16="http://schemas.microsoft.com/office/drawing/2014/main" id="{18DF4EC2-AD0C-41C0-8C6D-FBC909AF0862}"/>
+              </a:ext>
+            </a:extLst>
+          </p:cNvPr>
+          <p:cNvCxnSpPr>
+            <a:cxnSpLocks/>
+          </p:cNvCxnSpPr>
+          <p:nvPr/>
+        </p:nvCxnSpPr>
+        <p:spPr>
+          <a:xfrm flipH="1">
+            <a:off x="3505154" y="3440665"/>
+            <a:ext cx="2894121" cy="966355"/>
+          </a:xfrm>
+          <a:prstGeom prst="straightConnector1">
+            <a:avLst/>
+          </a:prstGeom>
+          <a:ln w="28575">
+            <a:tailEnd type="triangle"/>
+          </a:ln>
+        </p:spPr>
+        <p:style>
+          <a:lnRef idx="2">
+            <a:schemeClr val="accent6"/>
+          </a:lnRef>
+          <a:fillRef idx="0">
+            <a:schemeClr val="accent6"/>
+          </a:fillRef>
+          <a:effectRef idx="1">
+            <a:schemeClr val="accent6"/>
+          </a:effectRef>
+          <a:fontRef idx="minor">
+            <a:schemeClr val="tx1"/>
+          </a:fontRef>
+        </p:style>
+      </p:cxnSp>
+      <p:sp>
+        <p:nvSpPr>
+          <p:cNvPr id="23" name="左大括号 22">
+            <a:extLst>
+              <a:ext uri="{FF2B5EF4-FFF2-40B4-BE49-F238E27FC236}">
+                <a16:creationId xmlns:a16="http://schemas.microsoft.com/office/drawing/2014/main" id="{4F8C5321-044C-4FCB-90BA-E2C218FE6C42}"/>
+              </a:ext>
+            </a:extLst>
+          </p:cNvPr>
+          <p:cNvSpPr/>
+          <p:nvPr/>
+        </p:nvSpPr>
+        <p:spPr>
+          <a:xfrm>
+            <a:off x="3124916" y="4758431"/>
+            <a:ext cx="176074" cy="521512"/>
+          </a:xfrm>
+          <a:prstGeom prst="leftBrace">
+            <a:avLst/>
+          </a:prstGeom>
+          <a:ln w="19050">
+            <a:solidFill>
+              <a:schemeClr val="accent2">
+                <a:lumMod val="50000"/>
+              </a:schemeClr>
+            </a:solidFill>
+          </a:ln>
+          <a:effectLst>
+            <a:glow rad="63500">
+              <a:schemeClr val="accent2">
+                <a:satMod val="175000"/>
+                <a:alpha val="40000"/>
+              </a:schemeClr>
+            </a:glow>
+          </a:effectLst>
+        </p:spPr>
+        <p:style>
+          <a:lnRef idx="1">
+            <a:schemeClr val="accent6"/>
+          </a:lnRef>
+          <a:fillRef idx="0">
+            <a:schemeClr val="accent6"/>
+          </a:fillRef>
+          <a:effectRef idx="0">
+            <a:schemeClr val="accent6"/>
+          </a:effectRef>
+          <a:fontRef idx="minor">
+            <a:schemeClr val="tx1"/>
+          </a:fontRef>
+        </p:style>
+        <p:txBody>
+          <a:bodyPr rtlCol="0" anchor="ctr"/>
+          <a:lstStyle/>
+          <a:p>
+            <a:pPr algn="ctr"/>
+            <a:endParaRPr lang="zh-CN" altLang="en-US" dirty="0"/>
+          </a:p>
+        </p:txBody>
+      </p:sp>
+      <p:sp>
+        <p:nvSpPr>
+          <p:cNvPr id="25" name="文本框 24">
+            <a:extLst>
+              <a:ext uri="{FF2B5EF4-FFF2-40B4-BE49-F238E27FC236}">
+                <a16:creationId xmlns:a16="http://schemas.microsoft.com/office/drawing/2014/main" id="{3DF26F19-9780-4E8E-927C-ACBA517ECAB1}"/>
+              </a:ext>
+            </a:extLst>
+          </p:cNvPr>
+          <p:cNvSpPr txBox="1"/>
+          <p:nvPr/>
+        </p:nvSpPr>
+        <p:spPr>
+          <a:xfrm>
+            <a:off x="2202854" y="4834521"/>
+            <a:ext cx="816249" cy="369332"/>
+          </a:xfrm>
+          <a:prstGeom prst="rect">
+            <a:avLst/>
+          </a:prstGeom>
+          <a:noFill/>
+        </p:spPr>
+        <p:txBody>
+          <a:bodyPr wrap="none" rtlCol="0">
+            <a:spAutoFit/>
+          </a:bodyPr>
+          <a:lstStyle/>
+          <a:p>
+            <a:r>
+              <a:rPr lang="en-US" altLang="zh-CN" b="1" i="1" dirty="0">
+                <a:solidFill>
+                  <a:schemeClr val="accent1">
+                    <a:lumMod val="60000"/>
+                    <a:lumOff val="40000"/>
+                  </a:schemeClr>
+                </a:solidFill>
+                <a:latin typeface="Comic Sans MS" panose="030F0702030302020204" pitchFamily="66" charset="0"/>
+              </a:rPr>
+              <a:t>2MSL</a:t>
+            </a:r>
+          </a:p>
+        </p:txBody>
+      </p:sp>
+      <p:sp>
+        <p:nvSpPr>
+          <p:cNvPr id="26" name="文本框 25">
+            <a:extLst>
+              <a:ext uri="{FF2B5EF4-FFF2-40B4-BE49-F238E27FC236}">
+                <a16:creationId xmlns:a16="http://schemas.microsoft.com/office/drawing/2014/main" id="{68CAD344-1CDD-41E9-8448-BEE10DC73B60}"/>
+              </a:ext>
+            </a:extLst>
+          </p:cNvPr>
+          <p:cNvSpPr txBox="1"/>
+          <p:nvPr/>
+        </p:nvSpPr>
+        <p:spPr>
+          <a:xfrm>
+            <a:off x="2035072" y="5263382"/>
+            <a:ext cx="1109599" cy="369332"/>
+          </a:xfrm>
+          <a:prstGeom prst="rect">
+            <a:avLst/>
+          </a:prstGeom>
+          <a:noFill/>
+        </p:spPr>
+        <p:txBody>
+          <a:bodyPr wrap="none" rtlCol="0">
+            <a:spAutoFit/>
+          </a:bodyPr>
+          <a:lstStyle/>
+          <a:p>
+            <a:r>
+              <a:rPr lang="en-US" altLang="zh-CN" b="1" dirty="0">
+                <a:solidFill>
+                  <a:schemeClr val="accent5">
+                    <a:lumMod val="50000"/>
+                  </a:schemeClr>
+                </a:solidFill>
+                <a:latin typeface="Comic Sans MS" panose="030F0702030302020204" pitchFamily="66" charset="0"/>
+              </a:rPr>
+              <a:t>CLOSED</a:t>
+            </a:r>
+          </a:p>
+        </p:txBody>
+      </p:sp>
+      <p:sp>
+        <p:nvSpPr>
+          <p:cNvPr id="27" name="文本框 26">
+            <a:extLst>
+              <a:ext uri="{FF2B5EF4-FFF2-40B4-BE49-F238E27FC236}">
+                <a16:creationId xmlns:a16="http://schemas.microsoft.com/office/drawing/2014/main" id="{D14B5002-18B2-4BA6-B5F5-3591D1DB6730}"/>
+              </a:ext>
+            </a:extLst>
+          </p:cNvPr>
+          <p:cNvSpPr txBox="1"/>
+          <p:nvPr/>
+        </p:nvSpPr>
+        <p:spPr>
+          <a:xfrm rot="20564633">
+            <a:off x="4723470" y="3455632"/>
+            <a:ext cx="521297" cy="369332"/>
+          </a:xfrm>
+          <a:prstGeom prst="rect">
+            <a:avLst/>
+          </a:prstGeom>
+          <a:noFill/>
+        </p:spPr>
+        <p:txBody>
+          <a:bodyPr wrap="none" rtlCol="0">
+            <a:spAutoFit/>
+          </a:bodyPr>
+          <a:lstStyle/>
+          <a:p>
+            <a:r>
+              <a:rPr lang="en-US" altLang="zh-CN" dirty="0">
+                <a:solidFill>
+                  <a:schemeClr val="accent2">
+                    <a:lumMod val="75000"/>
+                  </a:schemeClr>
+                </a:solidFill>
+              </a:rPr>
+              <a:t>FIN</a:t>
+            </a:r>
+          </a:p>
+        </p:txBody>
+      </p:sp>
+      <p:sp>
+        <p:nvSpPr>
+          <p:cNvPr id="28" name="文本框 27">
+            <a:extLst>
+              <a:ext uri="{FF2B5EF4-FFF2-40B4-BE49-F238E27FC236}">
+                <a16:creationId xmlns:a16="http://schemas.microsoft.com/office/drawing/2014/main" id="{5BBF3584-497F-4460-8137-561424AFA671}"/>
+              </a:ext>
+            </a:extLst>
+          </p:cNvPr>
+          <p:cNvSpPr txBox="1"/>
+          <p:nvPr/>
+        </p:nvSpPr>
+        <p:spPr>
+          <a:xfrm rot="848318">
+            <a:off x="4682593" y="4508063"/>
+            <a:ext cx="603050" cy="369332"/>
+          </a:xfrm>
+          <a:prstGeom prst="rect">
+            <a:avLst/>
+          </a:prstGeom>
+          <a:noFill/>
+        </p:spPr>
+        <p:txBody>
+          <a:bodyPr wrap="none" rtlCol="0">
+            <a:spAutoFit/>
+          </a:bodyPr>
+          <a:lstStyle/>
+          <a:p>
+            <a:r>
+              <a:rPr lang="en-US" altLang="zh-CN" dirty="0">
+                <a:solidFill>
+                  <a:schemeClr val="accent2">
+                    <a:lumMod val="75000"/>
+                  </a:schemeClr>
+                </a:solidFill>
+              </a:rPr>
+              <a:t>ACK</a:t>
+            </a:r>
           </a:p>
         </p:txBody>
       </p:sp>
     </p:spTree>
     <p:extLst>
       <p:ext uri="{BB962C8B-B14F-4D97-AF65-F5344CB8AC3E}">
-        <p14:creationId xmlns:p14="http://schemas.microsoft.com/office/powerpoint/2010/main" val="2946612313"/>
+        <p14:creationId xmlns:p14="http://schemas.microsoft.com/office/powerpoint/2010/main" val="3966857200"/>
       </p:ext>
     </p:extLst>
   </p:cSld>

--- a/note/document.pptx
+++ b/note/document.pptx
@@ -4,6 +4,9 @@
   <p:sldMasterIdLst>
     <p:sldMasterId id="2147483648" r:id="rId1"/>
   </p:sldMasterIdLst>
+  <p:notesMasterIdLst>
+    <p:notesMasterId r:id="rId12"/>
+  </p:notesMasterIdLst>
   <p:sldIdLst>
     <p:sldId id="256" r:id="rId2"/>
     <p:sldId id="257" r:id="rId3"/>
@@ -14,6 +17,7 @@
     <p:sldId id="262" r:id="rId8"/>
     <p:sldId id="263" r:id="rId9"/>
     <p:sldId id="265" r:id="rId10"/>
+    <p:sldId id="266" r:id="rId11"/>
   </p:sldIdLst>
   <p:sldSz cx="12192000" cy="6858000"/>
   <p:notesSz cx="7104063" cy="10234613"/>
@@ -120,6 +124,439 @@
 </p:presentation>
 </file>
 
+<file path=ppt/notesMasters/notesMaster1.xml><?xml version="1.0" encoding="utf-8"?>
+<p:notesMaster xmlns:a="http://schemas.openxmlformats.org/drawingml/2006/main" xmlns:r="http://schemas.openxmlformats.org/officeDocument/2006/relationships" xmlns:p="http://schemas.openxmlformats.org/presentationml/2006/main">
+  <p:cSld>
+    <p:bg>
+      <p:bgRef idx="1001">
+        <a:schemeClr val="bg1"/>
+      </p:bgRef>
+    </p:bg>
+    <p:spTree>
+      <p:nvGrpSpPr>
+        <p:cNvPr id="1" name=""/>
+        <p:cNvGrpSpPr/>
+        <p:nvPr/>
+      </p:nvGrpSpPr>
+      <p:grpSpPr>
+        <a:xfrm>
+          <a:off x="0" y="0"/>
+          <a:ext cx="0" cy="0"/>
+          <a:chOff x="0" y="0"/>
+          <a:chExt cx="0" cy="0"/>
+        </a:xfrm>
+      </p:grpSpPr>
+      <p:sp>
+        <p:nvSpPr>
+          <p:cNvPr id="2" name="页眉占位符 1"/>
+          <p:cNvSpPr>
+            <a:spLocks noGrp="1"/>
+          </p:cNvSpPr>
+          <p:nvPr>
+            <p:ph type="hdr" sz="quarter"/>
+          </p:nvPr>
+        </p:nvSpPr>
+        <p:spPr>
+          <a:xfrm>
+            <a:off x="0" y="0"/>
+            <a:ext cx="3078163" cy="512763"/>
+          </a:xfrm>
+          <a:prstGeom prst="rect">
+            <a:avLst/>
+          </a:prstGeom>
+        </p:spPr>
+        <p:txBody>
+          <a:bodyPr vert="horz" lIns="91440" tIns="45720" rIns="91440" bIns="45720" rtlCol="0"/>
+          <a:lstStyle>
+            <a:lvl1pPr algn="l">
+              <a:defRPr sz="1200"/>
+            </a:lvl1pPr>
+          </a:lstStyle>
+          <a:p>
+            <a:endParaRPr lang="zh-CN" altLang="en-US"/>
+          </a:p>
+        </p:txBody>
+      </p:sp>
+      <p:sp>
+        <p:nvSpPr>
+          <p:cNvPr id="3" name="日期占位符 2"/>
+          <p:cNvSpPr>
+            <a:spLocks noGrp="1"/>
+          </p:cNvSpPr>
+          <p:nvPr>
+            <p:ph type="dt" idx="1"/>
+          </p:nvPr>
+        </p:nvSpPr>
+        <p:spPr>
+          <a:xfrm>
+            <a:off x="4024313" y="0"/>
+            <a:ext cx="3078162" cy="512763"/>
+          </a:xfrm>
+          <a:prstGeom prst="rect">
+            <a:avLst/>
+          </a:prstGeom>
+        </p:spPr>
+        <p:txBody>
+          <a:bodyPr vert="horz" lIns="91440" tIns="45720" rIns="91440" bIns="45720" rtlCol="0"/>
+          <a:lstStyle>
+            <a:lvl1pPr algn="r">
+              <a:defRPr sz="1200"/>
+            </a:lvl1pPr>
+          </a:lstStyle>
+          <a:p>
+            <a:fld id="{BCC0BF46-08BF-4CA9-B868-C51FB000421E}" type="datetimeFigureOut">
+              <a:rPr lang="zh-CN" altLang="en-US" smtClean="0"/>
+              <a:t>2020/2/12</a:t>
+            </a:fld>
+            <a:endParaRPr lang="zh-CN" altLang="en-US"/>
+          </a:p>
+        </p:txBody>
+      </p:sp>
+      <p:sp>
+        <p:nvSpPr>
+          <p:cNvPr id="4" name="幻灯片图像占位符 3"/>
+          <p:cNvSpPr>
+            <a:spLocks noGrp="1" noRot="1" noChangeAspect="1"/>
+          </p:cNvSpPr>
+          <p:nvPr>
+            <p:ph type="sldImg" idx="2"/>
+          </p:nvPr>
+        </p:nvSpPr>
+        <p:spPr>
+          <a:xfrm>
+            <a:off x="482600" y="1279525"/>
+            <a:ext cx="6140450" cy="3454400"/>
+          </a:xfrm>
+          <a:prstGeom prst="rect">
+            <a:avLst/>
+          </a:prstGeom>
+          <a:noFill/>
+          <a:ln w="12700">
+            <a:solidFill>
+              <a:prstClr val="black"/>
+            </a:solidFill>
+          </a:ln>
+        </p:spPr>
+        <p:txBody>
+          <a:bodyPr vert="horz" lIns="91440" tIns="45720" rIns="91440" bIns="45720" rtlCol="0" anchor="ctr"/>
+          <a:lstStyle/>
+          <a:p>
+            <a:endParaRPr lang="zh-CN" altLang="en-US"/>
+          </a:p>
+        </p:txBody>
+      </p:sp>
+      <p:sp>
+        <p:nvSpPr>
+          <p:cNvPr id="5" name="备注占位符 4"/>
+          <p:cNvSpPr>
+            <a:spLocks noGrp="1"/>
+          </p:cNvSpPr>
+          <p:nvPr>
+            <p:ph type="body" sz="quarter" idx="3"/>
+          </p:nvPr>
+        </p:nvSpPr>
+        <p:spPr>
+          <a:xfrm>
+            <a:off x="711200" y="4926013"/>
+            <a:ext cx="5683250" cy="4029075"/>
+          </a:xfrm>
+          <a:prstGeom prst="rect">
+            <a:avLst/>
+          </a:prstGeom>
+        </p:spPr>
+        <p:txBody>
+          <a:bodyPr vert="horz" lIns="91440" tIns="45720" rIns="91440" bIns="45720" rtlCol="0"/>
+          <a:lstStyle/>
+          <a:p>
+            <a:pPr lvl="0"/>
+            <a:r>
+              <a:rPr lang="zh-CN" altLang="en-US"/>
+              <a:t>单击此处编辑母版文本样式</a:t>
+            </a:r>
+          </a:p>
+          <a:p>
+            <a:pPr lvl="1"/>
+            <a:r>
+              <a:rPr lang="zh-CN" altLang="en-US"/>
+              <a:t>二级</a:t>
+            </a:r>
+          </a:p>
+          <a:p>
+            <a:pPr lvl="2"/>
+            <a:r>
+              <a:rPr lang="zh-CN" altLang="en-US"/>
+              <a:t>三级</a:t>
+            </a:r>
+          </a:p>
+          <a:p>
+            <a:pPr lvl="3"/>
+            <a:r>
+              <a:rPr lang="zh-CN" altLang="en-US"/>
+              <a:t>四级</a:t>
+            </a:r>
+          </a:p>
+          <a:p>
+            <a:pPr lvl="4"/>
+            <a:r>
+              <a:rPr lang="zh-CN" altLang="en-US"/>
+              <a:t>五级</a:t>
+            </a:r>
+          </a:p>
+        </p:txBody>
+      </p:sp>
+      <p:sp>
+        <p:nvSpPr>
+          <p:cNvPr id="6" name="页脚占位符 5"/>
+          <p:cNvSpPr>
+            <a:spLocks noGrp="1"/>
+          </p:cNvSpPr>
+          <p:nvPr>
+            <p:ph type="ftr" sz="quarter" idx="4"/>
+          </p:nvPr>
+        </p:nvSpPr>
+        <p:spPr>
+          <a:xfrm>
+            <a:off x="0" y="9721850"/>
+            <a:ext cx="3078163" cy="512763"/>
+          </a:xfrm>
+          <a:prstGeom prst="rect">
+            <a:avLst/>
+          </a:prstGeom>
+        </p:spPr>
+        <p:txBody>
+          <a:bodyPr vert="horz" lIns="91440" tIns="45720" rIns="91440" bIns="45720" rtlCol="0" anchor="b"/>
+          <a:lstStyle>
+            <a:lvl1pPr algn="l">
+              <a:defRPr sz="1200"/>
+            </a:lvl1pPr>
+          </a:lstStyle>
+          <a:p>
+            <a:endParaRPr lang="zh-CN" altLang="en-US"/>
+          </a:p>
+        </p:txBody>
+      </p:sp>
+      <p:sp>
+        <p:nvSpPr>
+          <p:cNvPr id="7" name="灯片编号占位符 6"/>
+          <p:cNvSpPr>
+            <a:spLocks noGrp="1"/>
+          </p:cNvSpPr>
+          <p:nvPr>
+            <p:ph type="sldNum" sz="quarter" idx="5"/>
+          </p:nvPr>
+        </p:nvSpPr>
+        <p:spPr>
+          <a:xfrm>
+            <a:off x="4024313" y="9721850"/>
+            <a:ext cx="3078162" cy="512763"/>
+          </a:xfrm>
+          <a:prstGeom prst="rect">
+            <a:avLst/>
+          </a:prstGeom>
+        </p:spPr>
+        <p:txBody>
+          <a:bodyPr vert="horz" lIns="91440" tIns="45720" rIns="91440" bIns="45720" rtlCol="0" anchor="b"/>
+          <a:lstStyle>
+            <a:lvl1pPr algn="r">
+              <a:defRPr sz="1200"/>
+            </a:lvl1pPr>
+          </a:lstStyle>
+          <a:p>
+            <a:fld id="{5C672622-6269-48F0-AA6A-53828D91FE18}" type="slidenum">
+              <a:rPr lang="zh-CN" altLang="en-US" smtClean="0"/>
+              <a:t>‹#›</a:t>
+            </a:fld>
+            <a:endParaRPr lang="zh-CN" altLang="en-US"/>
+          </a:p>
+        </p:txBody>
+      </p:sp>
+    </p:spTree>
+    <p:extLst>
+      <p:ext uri="{BB962C8B-B14F-4D97-AF65-F5344CB8AC3E}">
+        <p14:creationId xmlns:p14="http://schemas.microsoft.com/office/powerpoint/2010/main" val="2310437142"/>
+      </p:ext>
+    </p:extLst>
+  </p:cSld>
+  <p:clrMap bg1="lt1" tx1="dk1" bg2="lt2" tx2="dk2" accent1="accent1" accent2="accent2" accent3="accent3" accent4="accent4" accent5="accent5" accent6="accent6" hlink="hlink" folHlink="folHlink"/>
+  <p:notesStyle>
+    <a:lvl1pPr marL="0" algn="l" defTabSz="914400" rtl="0" eaLnBrk="1" latinLnBrk="0" hangingPunct="1">
+      <a:defRPr sz="1200" kern="1200">
+        <a:solidFill>
+          <a:schemeClr val="tx1"/>
+        </a:solidFill>
+        <a:latin typeface="+mn-lt"/>
+        <a:ea typeface="+mn-ea"/>
+        <a:cs typeface="+mn-cs"/>
+      </a:defRPr>
+    </a:lvl1pPr>
+    <a:lvl2pPr marL="457200" algn="l" defTabSz="914400" rtl="0" eaLnBrk="1" latinLnBrk="0" hangingPunct="1">
+      <a:defRPr sz="1200" kern="1200">
+        <a:solidFill>
+          <a:schemeClr val="tx1"/>
+        </a:solidFill>
+        <a:latin typeface="+mn-lt"/>
+        <a:ea typeface="+mn-ea"/>
+        <a:cs typeface="+mn-cs"/>
+      </a:defRPr>
+    </a:lvl2pPr>
+    <a:lvl3pPr marL="914400" algn="l" defTabSz="914400" rtl="0" eaLnBrk="1" latinLnBrk="0" hangingPunct="1">
+      <a:defRPr sz="1200" kern="1200">
+        <a:solidFill>
+          <a:schemeClr val="tx1"/>
+        </a:solidFill>
+        <a:latin typeface="+mn-lt"/>
+        <a:ea typeface="+mn-ea"/>
+        <a:cs typeface="+mn-cs"/>
+      </a:defRPr>
+    </a:lvl3pPr>
+    <a:lvl4pPr marL="1371600" algn="l" defTabSz="914400" rtl="0" eaLnBrk="1" latinLnBrk="0" hangingPunct="1">
+      <a:defRPr sz="1200" kern="1200">
+        <a:solidFill>
+          <a:schemeClr val="tx1"/>
+        </a:solidFill>
+        <a:latin typeface="+mn-lt"/>
+        <a:ea typeface="+mn-ea"/>
+        <a:cs typeface="+mn-cs"/>
+      </a:defRPr>
+    </a:lvl4pPr>
+    <a:lvl5pPr marL="1828800" algn="l" defTabSz="914400" rtl="0" eaLnBrk="1" latinLnBrk="0" hangingPunct="1">
+      <a:defRPr sz="1200" kern="1200">
+        <a:solidFill>
+          <a:schemeClr val="tx1"/>
+        </a:solidFill>
+        <a:latin typeface="+mn-lt"/>
+        <a:ea typeface="+mn-ea"/>
+        <a:cs typeface="+mn-cs"/>
+      </a:defRPr>
+    </a:lvl5pPr>
+    <a:lvl6pPr marL="2286000" algn="l" defTabSz="914400" rtl="0" eaLnBrk="1" latinLnBrk="0" hangingPunct="1">
+      <a:defRPr sz="1200" kern="1200">
+        <a:solidFill>
+          <a:schemeClr val="tx1"/>
+        </a:solidFill>
+        <a:latin typeface="+mn-lt"/>
+        <a:ea typeface="+mn-ea"/>
+        <a:cs typeface="+mn-cs"/>
+      </a:defRPr>
+    </a:lvl6pPr>
+    <a:lvl7pPr marL="2743200" algn="l" defTabSz="914400" rtl="0" eaLnBrk="1" latinLnBrk="0" hangingPunct="1">
+      <a:defRPr sz="1200" kern="1200">
+        <a:solidFill>
+          <a:schemeClr val="tx1"/>
+        </a:solidFill>
+        <a:latin typeface="+mn-lt"/>
+        <a:ea typeface="+mn-ea"/>
+        <a:cs typeface="+mn-cs"/>
+      </a:defRPr>
+    </a:lvl7pPr>
+    <a:lvl8pPr marL="3200400" algn="l" defTabSz="914400" rtl="0" eaLnBrk="1" latinLnBrk="0" hangingPunct="1">
+      <a:defRPr sz="1200" kern="1200">
+        <a:solidFill>
+          <a:schemeClr val="tx1"/>
+        </a:solidFill>
+        <a:latin typeface="+mn-lt"/>
+        <a:ea typeface="+mn-ea"/>
+        <a:cs typeface="+mn-cs"/>
+      </a:defRPr>
+    </a:lvl8pPr>
+    <a:lvl9pPr marL="3657600" algn="l" defTabSz="914400" rtl="0" eaLnBrk="1" latinLnBrk="0" hangingPunct="1">
+      <a:defRPr sz="1200" kern="1200">
+        <a:solidFill>
+          <a:schemeClr val="tx1"/>
+        </a:solidFill>
+        <a:latin typeface="+mn-lt"/>
+        <a:ea typeface="+mn-ea"/>
+        <a:cs typeface="+mn-cs"/>
+      </a:defRPr>
+    </a:lvl9pPr>
+  </p:notesStyle>
+</p:notesMaster>
+</file>
+
+<file path=ppt/notesSlides/notesSlide1.xml><?xml version="1.0" encoding="utf-8"?>
+<p:notes xmlns:a="http://schemas.openxmlformats.org/drawingml/2006/main" xmlns:r="http://schemas.openxmlformats.org/officeDocument/2006/relationships" xmlns:p="http://schemas.openxmlformats.org/presentationml/2006/main">
+  <p:cSld>
+    <p:spTree>
+      <p:nvGrpSpPr>
+        <p:cNvPr id="1" name=""/>
+        <p:cNvGrpSpPr/>
+        <p:nvPr/>
+      </p:nvGrpSpPr>
+      <p:grpSpPr>
+        <a:xfrm>
+          <a:off x="0" y="0"/>
+          <a:ext cx="0" cy="0"/>
+          <a:chOff x="0" y="0"/>
+          <a:chExt cx="0" cy="0"/>
+        </a:xfrm>
+      </p:grpSpPr>
+      <p:sp>
+        <p:nvSpPr>
+          <p:cNvPr id="2" name="幻灯片图像占位符 1"/>
+          <p:cNvSpPr>
+            <a:spLocks noGrp="1" noRot="1" noChangeAspect="1"/>
+          </p:cNvSpPr>
+          <p:nvPr>
+            <p:ph type="sldImg"/>
+          </p:nvPr>
+        </p:nvSpPr>
+        <p:spPr/>
+      </p:sp>
+      <p:sp>
+        <p:nvSpPr>
+          <p:cNvPr id="3" name="备注占位符 2"/>
+          <p:cNvSpPr>
+            <a:spLocks noGrp="1"/>
+          </p:cNvSpPr>
+          <p:nvPr>
+            <p:ph type="body" idx="1"/>
+          </p:nvPr>
+        </p:nvSpPr>
+        <p:spPr/>
+        <p:txBody>
+          <a:bodyPr/>
+          <a:lstStyle/>
+          <a:p>
+            <a:endParaRPr lang="zh-CN" altLang="en-US"/>
+          </a:p>
+        </p:txBody>
+      </p:sp>
+      <p:sp>
+        <p:nvSpPr>
+          <p:cNvPr id="4" name="灯片编号占位符 3"/>
+          <p:cNvSpPr>
+            <a:spLocks noGrp="1"/>
+          </p:cNvSpPr>
+          <p:nvPr>
+            <p:ph type="sldNum" sz="quarter" idx="5"/>
+          </p:nvPr>
+        </p:nvSpPr>
+        <p:spPr/>
+        <p:txBody>
+          <a:bodyPr/>
+          <a:lstStyle/>
+          <a:p>
+            <a:fld id="{5C672622-6269-48F0-AA6A-53828D91FE18}" type="slidenum">
+              <a:rPr lang="zh-CN" altLang="en-US" smtClean="0"/>
+              <a:t>1</a:t>
+            </a:fld>
+            <a:endParaRPr lang="zh-CN" altLang="en-US"/>
+          </a:p>
+        </p:txBody>
+      </p:sp>
+    </p:spTree>
+    <p:extLst>
+      <p:ext uri="{BB962C8B-B14F-4D97-AF65-F5344CB8AC3E}">
+        <p14:creationId xmlns:p14="http://schemas.microsoft.com/office/powerpoint/2010/main" val="3540342031"/>
+      </p:ext>
+    </p:extLst>
+  </p:cSld>
+  <p:clrMapOvr>
+    <a:masterClrMapping/>
+  </p:clrMapOvr>
+</p:notes>
+</file>
+
 <file path=ppt/slideLayouts/slideLayout1.xml><?xml version="1.0" encoding="utf-8"?>
 <p:sldLayout xmlns:a="http://schemas.openxmlformats.org/drawingml/2006/main" xmlns:r="http://schemas.openxmlformats.org/officeDocument/2006/relationships" xmlns:p="http://schemas.openxmlformats.org/presentationml/2006/main" type="title" preserve="1">
   <p:cSld name="标题幻灯片">
@@ -249,7 +686,7 @@
           <a:p>
             <a:fld id="{82F288E0-7875-42C4-84C8-98DBBD3BF4D2}" type="datetimeFigureOut">
               <a:rPr lang="zh-CN" altLang="en-US" smtClean="0"/>
-              <a:t>2020/2/8</a:t>
+              <a:t>2020/2/12</a:t>
             </a:fld>
             <a:endParaRPr lang="zh-CN" altLang="en-US"/>
           </a:p>
@@ -395,7 +832,7 @@
           <a:p>
             <a:fld id="{82F288E0-7875-42C4-84C8-98DBBD3BF4D2}" type="datetimeFigureOut">
               <a:rPr lang="zh-CN" altLang="en-US" smtClean="0"/>
-              <a:t>2020/2/8</a:t>
+              <a:t>2020/2/12</a:t>
             </a:fld>
             <a:endParaRPr lang="zh-CN" altLang="en-US"/>
           </a:p>
@@ -558,7 +995,7 @@
           <a:p>
             <a:fld id="{82F288E0-7875-42C4-84C8-98DBBD3BF4D2}" type="datetimeFigureOut">
               <a:rPr lang="zh-CN" altLang="en-US" smtClean="0"/>
-              <a:t>2020/2/8</a:t>
+              <a:t>2020/2/12</a:t>
             </a:fld>
             <a:endParaRPr lang="zh-CN" altLang="en-US"/>
           </a:p>
@@ -798,7 +1235,7 @@
           <a:p>
             <a:fld id="{82F288E0-7875-42C4-84C8-98DBBD3BF4D2}" type="datetimeFigureOut">
               <a:rPr lang="zh-CN" altLang="en-US" smtClean="0"/>
-              <a:t>2020/2/8</a:t>
+              <a:t>2020/2/12</a:t>
             </a:fld>
             <a:endParaRPr lang="zh-CN" altLang="en-US"/>
           </a:p>
@@ -1022,7 +1459,7 @@
           <a:p>
             <a:fld id="{82F288E0-7875-42C4-84C8-98DBBD3BF4D2}" type="datetimeFigureOut">
               <a:rPr lang="zh-CN" altLang="en-US" smtClean="0"/>
-              <a:t>2020/2/8</a:t>
+              <a:t>2020/2/12</a:t>
             </a:fld>
             <a:endParaRPr lang="zh-CN" altLang="en-US"/>
           </a:p>
@@ -1381,7 +1818,7 @@
           <a:p>
             <a:fld id="{82F288E0-7875-42C4-84C8-98DBBD3BF4D2}" type="datetimeFigureOut">
               <a:rPr lang="zh-CN" altLang="en-US" smtClean="0"/>
-              <a:t>2020/2/8</a:t>
+              <a:t>2020/2/12</a:t>
             </a:fld>
             <a:endParaRPr lang="zh-CN" altLang="en-US"/>
           </a:p>
@@ -1493,7 +1930,7 @@
           <a:p>
             <a:fld id="{82F288E0-7875-42C4-84C8-98DBBD3BF4D2}" type="datetimeFigureOut">
               <a:rPr lang="zh-CN" altLang="en-US" smtClean="0"/>
-              <a:t>2020/2/8</a:t>
+              <a:t>2020/2/12</a:t>
             </a:fld>
             <a:endParaRPr lang="zh-CN" altLang="en-US"/>
           </a:p>
@@ -1583,7 +2020,7 @@
           <a:p>
             <a:fld id="{82F288E0-7875-42C4-84C8-98DBBD3BF4D2}" type="datetimeFigureOut">
               <a:rPr lang="zh-CN" altLang="en-US" smtClean="0"/>
-              <a:t>2020/2/8</a:t>
+              <a:t>2020/2/12</a:t>
             </a:fld>
             <a:endParaRPr lang="zh-CN" altLang="en-US"/>
           </a:p>
@@ -1830,7 +2267,7 @@
           <a:p>
             <a:fld id="{82F288E0-7875-42C4-84C8-98DBBD3BF4D2}" type="datetimeFigureOut">
               <a:rPr lang="zh-CN" altLang="en-US" smtClean="0"/>
-              <a:t>2020/2/8</a:t>
+              <a:t>2020/2/12</a:t>
             </a:fld>
             <a:endParaRPr lang="zh-CN" altLang="en-US"/>
           </a:p>
@@ -2003,7 +2440,7 @@
           <a:p>
             <a:fld id="{82F288E0-7875-42C4-84C8-98DBBD3BF4D2}" type="datetimeFigureOut">
               <a:rPr lang="zh-CN" altLang="en-US" smtClean="0"/>
-              <a:t>2020/2/8</a:t>
+              <a:t>2020/2/12</a:t>
             </a:fld>
             <a:endParaRPr lang="zh-CN" altLang="en-US"/>
           </a:p>
@@ -2209,7 +2646,7 @@
           <a:p>
             <a:fld id="{82F288E0-7875-42C4-84C8-98DBBD3BF4D2}" type="datetimeFigureOut">
               <a:rPr lang="zh-CN" altLang="en-US" smtClean="0"/>
-              <a:t>2020/2/8</a:t>
+              <a:t>2020/2/12</a:t>
             </a:fld>
             <a:endParaRPr lang="zh-CN" altLang="en-US"/>
           </a:p>
@@ -3298,6 +3735,681 @@
         </p:txBody>
       </p:sp>
     </p:spTree>
+  </p:cSld>
+  <p:clrMapOvr>
+    <a:masterClrMapping/>
+  </p:clrMapOvr>
+</p:sld>
+</file>
+
+<file path=ppt/slides/slide10.xml><?xml version="1.0" encoding="utf-8"?>
+<p:sld xmlns:a="http://schemas.openxmlformats.org/drawingml/2006/main" xmlns:r="http://schemas.openxmlformats.org/officeDocument/2006/relationships" xmlns:p="http://schemas.openxmlformats.org/presentationml/2006/main">
+  <p:cSld>
+    <p:spTree>
+      <p:nvGrpSpPr>
+        <p:cNvPr id="1" name=""/>
+        <p:cNvGrpSpPr/>
+        <p:nvPr/>
+      </p:nvGrpSpPr>
+      <p:grpSpPr>
+        <a:xfrm>
+          <a:off x="0" y="0"/>
+          <a:ext cx="0" cy="0"/>
+          <a:chOff x="0" y="0"/>
+          <a:chExt cx="0" cy="0"/>
+        </a:xfrm>
+      </p:grpSpPr>
+      <p:sp>
+        <p:nvSpPr>
+          <p:cNvPr id="4" name="矩形 3">
+            <a:extLst>
+              <a:ext uri="{FF2B5EF4-FFF2-40B4-BE49-F238E27FC236}">
+                <a16:creationId xmlns:a16="http://schemas.microsoft.com/office/drawing/2014/main" id="{8DE06381-2F61-4E4A-B3C5-D6F2E65998A9}"/>
+              </a:ext>
+            </a:extLst>
+          </p:cNvPr>
+          <p:cNvSpPr/>
+          <p:nvPr/>
+        </p:nvSpPr>
+        <p:spPr>
+          <a:xfrm>
+            <a:off x="0" y="2608289"/>
+            <a:ext cx="4092315" cy="3312826"/>
+          </a:xfrm>
+          <a:prstGeom prst="rect">
+            <a:avLst/>
+          </a:prstGeom>
+          <a:solidFill>
+            <a:schemeClr val="bg1"/>
+          </a:solidFill>
+        </p:spPr>
+        <p:style>
+          <a:lnRef idx="2">
+            <a:schemeClr val="accent1">
+              <a:shade val="50000"/>
+            </a:schemeClr>
+          </a:lnRef>
+          <a:fillRef idx="1">
+            <a:schemeClr val="accent1"/>
+          </a:fillRef>
+          <a:effectRef idx="0">
+            <a:schemeClr val="accent1"/>
+          </a:effectRef>
+          <a:fontRef idx="minor">
+            <a:schemeClr val="lt1"/>
+          </a:fontRef>
+        </p:style>
+        <p:txBody>
+          <a:bodyPr rtlCol="0" anchor="ctr"/>
+          <a:lstStyle/>
+          <a:p>
+            <a:pPr algn="ctr"/>
+            <a:endParaRPr lang="zh-CN" altLang="en-US" dirty="0"/>
+          </a:p>
+        </p:txBody>
+      </p:sp>
+      <p:sp>
+        <p:nvSpPr>
+          <p:cNvPr id="5" name="矩形 4">
+            <a:extLst>
+              <a:ext uri="{FF2B5EF4-FFF2-40B4-BE49-F238E27FC236}">
+                <a16:creationId xmlns:a16="http://schemas.microsoft.com/office/drawing/2014/main" id="{EC799DAE-D7D6-4244-ADC9-0079D419A286}"/>
+              </a:ext>
+            </a:extLst>
+          </p:cNvPr>
+          <p:cNvSpPr/>
+          <p:nvPr/>
+        </p:nvSpPr>
+        <p:spPr>
+          <a:xfrm>
+            <a:off x="8489430" y="2608289"/>
+            <a:ext cx="4092315" cy="3312826"/>
+          </a:xfrm>
+          <a:prstGeom prst="rect">
+            <a:avLst/>
+          </a:prstGeom>
+          <a:solidFill>
+            <a:schemeClr val="bg1"/>
+          </a:solidFill>
+        </p:spPr>
+        <p:style>
+          <a:lnRef idx="2">
+            <a:schemeClr val="accent1">
+              <a:shade val="50000"/>
+            </a:schemeClr>
+          </a:lnRef>
+          <a:fillRef idx="1">
+            <a:schemeClr val="accent1"/>
+          </a:fillRef>
+          <a:effectRef idx="0">
+            <a:schemeClr val="accent1"/>
+          </a:effectRef>
+          <a:fontRef idx="minor">
+            <a:schemeClr val="lt1"/>
+          </a:fontRef>
+        </p:style>
+        <p:txBody>
+          <a:bodyPr rtlCol="0" anchor="ctr"/>
+          <a:lstStyle/>
+          <a:p>
+            <a:pPr algn="ctr"/>
+            <a:endParaRPr lang="zh-CN" altLang="en-US"/>
+          </a:p>
+        </p:txBody>
+      </p:sp>
+      <p:sp>
+        <p:nvSpPr>
+          <p:cNvPr id="6" name="矩形 5">
+            <a:extLst>
+              <a:ext uri="{FF2B5EF4-FFF2-40B4-BE49-F238E27FC236}">
+                <a16:creationId xmlns:a16="http://schemas.microsoft.com/office/drawing/2014/main" id="{23CAF723-A84D-4D6A-A088-25B73D56F701}"/>
+              </a:ext>
+            </a:extLst>
+          </p:cNvPr>
+          <p:cNvSpPr/>
+          <p:nvPr/>
+        </p:nvSpPr>
+        <p:spPr>
+          <a:xfrm>
+            <a:off x="4244715" y="2608289"/>
+            <a:ext cx="4092315" cy="3312826"/>
+          </a:xfrm>
+          <a:prstGeom prst="rect">
+            <a:avLst/>
+          </a:prstGeom>
+          <a:solidFill>
+            <a:schemeClr val="bg1"/>
+          </a:solidFill>
+        </p:spPr>
+        <p:style>
+          <a:lnRef idx="2">
+            <a:schemeClr val="accent1">
+              <a:shade val="50000"/>
+            </a:schemeClr>
+          </a:lnRef>
+          <a:fillRef idx="1">
+            <a:schemeClr val="accent1"/>
+          </a:fillRef>
+          <a:effectRef idx="0">
+            <a:schemeClr val="accent1"/>
+          </a:effectRef>
+          <a:fontRef idx="minor">
+            <a:schemeClr val="lt1"/>
+          </a:fontRef>
+        </p:style>
+        <p:txBody>
+          <a:bodyPr rtlCol="0" anchor="ctr"/>
+          <a:lstStyle/>
+          <a:p>
+            <a:pPr algn="ctr"/>
+            <a:endParaRPr lang="zh-CN" altLang="en-US" dirty="0"/>
+          </a:p>
+        </p:txBody>
+      </p:sp>
+      <p:sp>
+        <p:nvSpPr>
+          <p:cNvPr id="7" name="文本框 6">
+            <a:extLst>
+              <a:ext uri="{FF2B5EF4-FFF2-40B4-BE49-F238E27FC236}">
+                <a16:creationId xmlns:a16="http://schemas.microsoft.com/office/drawing/2014/main" id="{14671DE5-FA3A-469D-920B-41FD1B91026C}"/>
+              </a:ext>
+            </a:extLst>
+          </p:cNvPr>
+          <p:cNvSpPr txBox="1"/>
+          <p:nvPr/>
+        </p:nvSpPr>
+        <p:spPr>
+          <a:xfrm>
+            <a:off x="1229193" y="2983043"/>
+            <a:ext cx="1708879" cy="369332"/>
+          </a:xfrm>
+          <a:prstGeom prst="rect">
+            <a:avLst/>
+          </a:prstGeom>
+          <a:noFill/>
+        </p:spPr>
+        <p:txBody>
+          <a:bodyPr wrap="square" rtlCol="0">
+            <a:spAutoFit/>
+          </a:bodyPr>
+          <a:lstStyle/>
+          <a:p>
+            <a:r>
+              <a:rPr lang="en-US" altLang="zh-CN" dirty="0"/>
+              <a:t>Node1</a:t>
+            </a:r>
+          </a:p>
+        </p:txBody>
+      </p:sp>
+      <p:sp>
+        <p:nvSpPr>
+          <p:cNvPr id="8" name="文本框 7">
+            <a:extLst>
+              <a:ext uri="{FF2B5EF4-FFF2-40B4-BE49-F238E27FC236}">
+                <a16:creationId xmlns:a16="http://schemas.microsoft.com/office/drawing/2014/main" id="{E2E8DEDE-B5F6-42DC-BD75-58126B25C4D6}"/>
+              </a:ext>
+            </a:extLst>
+          </p:cNvPr>
+          <p:cNvSpPr txBox="1"/>
+          <p:nvPr/>
+        </p:nvSpPr>
+        <p:spPr>
+          <a:xfrm>
+            <a:off x="164892" y="3777521"/>
+            <a:ext cx="1334124" cy="369332"/>
+          </a:xfrm>
+          <a:prstGeom prst="rect">
+            <a:avLst/>
+          </a:prstGeom>
+          <a:noFill/>
+        </p:spPr>
+        <p:txBody>
+          <a:bodyPr wrap="square" rtlCol="0">
+            <a:spAutoFit/>
+          </a:bodyPr>
+          <a:lstStyle/>
+          <a:p>
+            <a:endParaRPr lang="zh-CN" altLang="en-US" dirty="0"/>
+          </a:p>
+        </p:txBody>
+      </p:sp>
+      <p:sp>
+        <p:nvSpPr>
+          <p:cNvPr id="9" name="矩形 8">
+            <a:extLst>
+              <a:ext uri="{FF2B5EF4-FFF2-40B4-BE49-F238E27FC236}">
+                <a16:creationId xmlns:a16="http://schemas.microsoft.com/office/drawing/2014/main" id="{27F2471B-7B23-4CAE-9747-F14CF2BC01EB}"/>
+              </a:ext>
+            </a:extLst>
+          </p:cNvPr>
+          <p:cNvSpPr/>
+          <p:nvPr/>
+        </p:nvSpPr>
+        <p:spPr>
+          <a:xfrm>
+            <a:off x="419725" y="3567659"/>
+            <a:ext cx="1469036" cy="579194"/>
+          </a:xfrm>
+          <a:prstGeom prst="rect">
+            <a:avLst/>
+          </a:prstGeom>
+        </p:spPr>
+        <p:style>
+          <a:lnRef idx="2">
+            <a:schemeClr val="accent1">
+              <a:shade val="50000"/>
+            </a:schemeClr>
+          </a:lnRef>
+          <a:fillRef idx="1">
+            <a:schemeClr val="accent1"/>
+          </a:fillRef>
+          <a:effectRef idx="0">
+            <a:schemeClr val="accent1"/>
+          </a:effectRef>
+          <a:fontRef idx="minor">
+            <a:schemeClr val="lt1"/>
+          </a:fontRef>
+        </p:style>
+        <p:txBody>
+          <a:bodyPr rtlCol="0" anchor="ctr"/>
+          <a:lstStyle/>
+          <a:p>
+            <a:pPr algn="ctr"/>
+            <a:r>
+              <a:rPr lang="en-US" altLang="zh-CN" dirty="0"/>
+              <a:t>Shard01 P</a:t>
+            </a:r>
+            <a:endParaRPr lang="zh-CN" altLang="en-US" dirty="0"/>
+          </a:p>
+        </p:txBody>
+      </p:sp>
+      <p:sp>
+        <p:nvSpPr>
+          <p:cNvPr id="10" name="矩形 9">
+            <a:extLst>
+              <a:ext uri="{FF2B5EF4-FFF2-40B4-BE49-F238E27FC236}">
+                <a16:creationId xmlns:a16="http://schemas.microsoft.com/office/drawing/2014/main" id="{146C5B11-C206-435A-BBDA-C20ABA56D94C}"/>
+              </a:ext>
+            </a:extLst>
+          </p:cNvPr>
+          <p:cNvSpPr/>
+          <p:nvPr/>
+        </p:nvSpPr>
+        <p:spPr>
+          <a:xfrm>
+            <a:off x="2249774" y="3567234"/>
+            <a:ext cx="1469036" cy="579194"/>
+          </a:xfrm>
+          <a:prstGeom prst="rect">
+            <a:avLst/>
+          </a:prstGeom>
+        </p:spPr>
+        <p:style>
+          <a:lnRef idx="2">
+            <a:schemeClr val="accent1">
+              <a:shade val="50000"/>
+            </a:schemeClr>
+          </a:lnRef>
+          <a:fillRef idx="1">
+            <a:schemeClr val="accent1"/>
+          </a:fillRef>
+          <a:effectRef idx="0">
+            <a:schemeClr val="accent1"/>
+          </a:effectRef>
+          <a:fontRef idx="minor">
+            <a:schemeClr val="lt1"/>
+          </a:fontRef>
+        </p:style>
+        <p:txBody>
+          <a:bodyPr rtlCol="0" anchor="ctr"/>
+          <a:lstStyle/>
+          <a:p>
+            <a:pPr algn="ctr"/>
+            <a:r>
+              <a:rPr lang="en-US" altLang="zh-CN" dirty="0"/>
+              <a:t>Shard02 R</a:t>
+            </a:r>
+            <a:endParaRPr lang="zh-CN" altLang="en-US" dirty="0"/>
+          </a:p>
+        </p:txBody>
+      </p:sp>
+      <p:sp>
+        <p:nvSpPr>
+          <p:cNvPr id="11" name="矩形 10">
+            <a:extLst>
+              <a:ext uri="{FF2B5EF4-FFF2-40B4-BE49-F238E27FC236}">
+                <a16:creationId xmlns:a16="http://schemas.microsoft.com/office/drawing/2014/main" id="{B4A709D2-8512-440D-9702-5BB5032ABC17}"/>
+              </a:ext>
+            </a:extLst>
+          </p:cNvPr>
+          <p:cNvSpPr/>
+          <p:nvPr/>
+        </p:nvSpPr>
+        <p:spPr>
+          <a:xfrm>
+            <a:off x="8786735" y="3532044"/>
+            <a:ext cx="1469036" cy="579194"/>
+          </a:xfrm>
+          <a:prstGeom prst="rect">
+            <a:avLst/>
+          </a:prstGeom>
+        </p:spPr>
+        <p:style>
+          <a:lnRef idx="2">
+            <a:schemeClr val="accent1">
+              <a:shade val="50000"/>
+            </a:schemeClr>
+          </a:lnRef>
+          <a:fillRef idx="1">
+            <a:schemeClr val="accent1"/>
+          </a:fillRef>
+          <a:effectRef idx="0">
+            <a:schemeClr val="accent1"/>
+          </a:effectRef>
+          <a:fontRef idx="minor">
+            <a:schemeClr val="lt1"/>
+          </a:fontRef>
+        </p:style>
+        <p:txBody>
+          <a:bodyPr rtlCol="0" anchor="ctr"/>
+          <a:lstStyle/>
+          <a:p>
+            <a:pPr algn="ctr"/>
+            <a:r>
+              <a:rPr lang="en-US" altLang="zh-CN" dirty="0"/>
+              <a:t>Shard02 P</a:t>
+            </a:r>
+            <a:endParaRPr lang="zh-CN" altLang="en-US" dirty="0"/>
+          </a:p>
+        </p:txBody>
+      </p:sp>
+      <p:sp>
+        <p:nvSpPr>
+          <p:cNvPr id="12" name="矩形 11">
+            <a:extLst>
+              <a:ext uri="{FF2B5EF4-FFF2-40B4-BE49-F238E27FC236}">
+                <a16:creationId xmlns:a16="http://schemas.microsoft.com/office/drawing/2014/main" id="{655809C0-B896-49FE-B149-31A8BAB3E63E}"/>
+              </a:ext>
+            </a:extLst>
+          </p:cNvPr>
+          <p:cNvSpPr/>
+          <p:nvPr/>
+        </p:nvSpPr>
+        <p:spPr>
+          <a:xfrm>
+            <a:off x="4528279" y="3567234"/>
+            <a:ext cx="1469036" cy="579194"/>
+          </a:xfrm>
+          <a:prstGeom prst="rect">
+            <a:avLst/>
+          </a:prstGeom>
+        </p:spPr>
+        <p:style>
+          <a:lnRef idx="2">
+            <a:schemeClr val="accent1">
+              <a:shade val="50000"/>
+            </a:schemeClr>
+          </a:lnRef>
+          <a:fillRef idx="1">
+            <a:schemeClr val="accent1"/>
+          </a:fillRef>
+          <a:effectRef idx="0">
+            <a:schemeClr val="accent1"/>
+          </a:effectRef>
+          <a:fontRef idx="minor">
+            <a:schemeClr val="lt1"/>
+          </a:fontRef>
+        </p:style>
+        <p:txBody>
+          <a:bodyPr rtlCol="0" anchor="ctr"/>
+          <a:lstStyle/>
+          <a:p>
+            <a:pPr algn="ctr"/>
+            <a:r>
+              <a:rPr lang="en-US" altLang="zh-CN" dirty="0"/>
+              <a:t>Shard01 R</a:t>
+            </a:r>
+            <a:endParaRPr lang="zh-CN" altLang="en-US" dirty="0"/>
+          </a:p>
+        </p:txBody>
+      </p:sp>
+      <p:sp>
+        <p:nvSpPr>
+          <p:cNvPr id="13" name="矩形 12">
+            <a:extLst>
+              <a:ext uri="{FF2B5EF4-FFF2-40B4-BE49-F238E27FC236}">
+                <a16:creationId xmlns:a16="http://schemas.microsoft.com/office/drawing/2014/main" id="{794B9533-E121-45EE-9A94-0410BD6429C3}"/>
+              </a:ext>
+            </a:extLst>
+          </p:cNvPr>
+          <p:cNvSpPr/>
+          <p:nvPr/>
+        </p:nvSpPr>
+        <p:spPr>
+          <a:xfrm>
+            <a:off x="6472004" y="3551818"/>
+            <a:ext cx="1469036" cy="579194"/>
+          </a:xfrm>
+          <a:prstGeom prst="rect">
+            <a:avLst/>
+          </a:prstGeom>
+        </p:spPr>
+        <p:style>
+          <a:lnRef idx="2">
+            <a:schemeClr val="accent1">
+              <a:shade val="50000"/>
+            </a:schemeClr>
+          </a:lnRef>
+          <a:fillRef idx="1">
+            <a:schemeClr val="accent1"/>
+          </a:fillRef>
+          <a:effectRef idx="0">
+            <a:schemeClr val="accent1"/>
+          </a:effectRef>
+          <a:fontRef idx="minor">
+            <a:schemeClr val="lt1"/>
+          </a:fontRef>
+        </p:style>
+        <p:txBody>
+          <a:bodyPr rtlCol="0" anchor="ctr"/>
+          <a:lstStyle/>
+          <a:p>
+            <a:pPr algn="ctr"/>
+            <a:r>
+              <a:rPr lang="en-US" altLang="zh-CN" dirty="0"/>
+              <a:t>Shard03 P</a:t>
+            </a:r>
+            <a:endParaRPr lang="zh-CN" altLang="en-US" dirty="0"/>
+          </a:p>
+        </p:txBody>
+      </p:sp>
+      <p:sp>
+        <p:nvSpPr>
+          <p:cNvPr id="14" name="矩形 13">
+            <a:extLst>
+              <a:ext uri="{FF2B5EF4-FFF2-40B4-BE49-F238E27FC236}">
+                <a16:creationId xmlns:a16="http://schemas.microsoft.com/office/drawing/2014/main" id="{3ADA45BB-5748-47BB-AB3A-D1B4CC4575D5}"/>
+              </a:ext>
+            </a:extLst>
+          </p:cNvPr>
+          <p:cNvSpPr/>
+          <p:nvPr/>
+        </p:nvSpPr>
+        <p:spPr>
+          <a:xfrm>
+            <a:off x="10677992" y="3521838"/>
+            <a:ext cx="1469036" cy="579194"/>
+          </a:xfrm>
+          <a:prstGeom prst="rect">
+            <a:avLst/>
+          </a:prstGeom>
+        </p:spPr>
+        <p:style>
+          <a:lnRef idx="2">
+            <a:schemeClr val="accent1">
+              <a:shade val="50000"/>
+            </a:schemeClr>
+          </a:lnRef>
+          <a:fillRef idx="1">
+            <a:schemeClr val="accent1"/>
+          </a:fillRef>
+          <a:effectRef idx="0">
+            <a:schemeClr val="accent1"/>
+          </a:effectRef>
+          <a:fontRef idx="minor">
+            <a:schemeClr val="lt1"/>
+          </a:fontRef>
+        </p:style>
+        <p:txBody>
+          <a:bodyPr rtlCol="0" anchor="ctr"/>
+          <a:lstStyle/>
+          <a:p>
+            <a:pPr algn="ctr"/>
+            <a:r>
+              <a:rPr lang="en-US" altLang="zh-CN" dirty="0"/>
+              <a:t>Shard02 R</a:t>
+            </a:r>
+            <a:endParaRPr lang="zh-CN" altLang="en-US" dirty="0"/>
+          </a:p>
+        </p:txBody>
+      </p:sp>
+      <p:sp>
+        <p:nvSpPr>
+          <p:cNvPr id="15" name="文本框 14">
+            <a:extLst>
+              <a:ext uri="{FF2B5EF4-FFF2-40B4-BE49-F238E27FC236}">
+                <a16:creationId xmlns:a16="http://schemas.microsoft.com/office/drawing/2014/main" id="{9C5FF050-BBA3-47B0-AE46-66D460D3B21D}"/>
+              </a:ext>
+            </a:extLst>
+          </p:cNvPr>
+          <p:cNvSpPr txBox="1"/>
+          <p:nvPr/>
+        </p:nvSpPr>
+        <p:spPr>
+          <a:xfrm>
+            <a:off x="5247807" y="2951840"/>
+            <a:ext cx="2448394" cy="369332"/>
+          </a:xfrm>
+          <a:prstGeom prst="rect">
+            <a:avLst/>
+          </a:prstGeom>
+          <a:noFill/>
+        </p:spPr>
+        <p:txBody>
+          <a:bodyPr wrap="square" rtlCol="0">
+            <a:spAutoFit/>
+          </a:bodyPr>
+          <a:lstStyle/>
+          <a:p>
+            <a:r>
+              <a:rPr lang="en-US" altLang="zh-CN" dirty="0"/>
+              <a:t>Node2 </a:t>
+            </a:r>
+            <a:r>
+              <a:rPr lang="zh-CN" altLang="en-US" dirty="0"/>
+              <a:t>协调节点</a:t>
+            </a:r>
+            <a:endParaRPr lang="en-US" altLang="zh-CN" dirty="0"/>
+          </a:p>
+        </p:txBody>
+      </p:sp>
+      <p:sp>
+        <p:nvSpPr>
+          <p:cNvPr id="17" name="矩形 16">
+            <a:extLst>
+              <a:ext uri="{FF2B5EF4-FFF2-40B4-BE49-F238E27FC236}">
+                <a16:creationId xmlns:a16="http://schemas.microsoft.com/office/drawing/2014/main" id="{363F17FD-B75A-4C75-83F7-887A62DE20CE}"/>
+              </a:ext>
+            </a:extLst>
+          </p:cNvPr>
+          <p:cNvSpPr/>
+          <p:nvPr/>
+        </p:nvSpPr>
+        <p:spPr>
+          <a:xfrm>
+            <a:off x="5556354" y="647288"/>
+            <a:ext cx="1469036" cy="579194"/>
+          </a:xfrm>
+          <a:prstGeom prst="rect">
+            <a:avLst/>
+          </a:prstGeom>
+        </p:spPr>
+        <p:style>
+          <a:lnRef idx="2">
+            <a:schemeClr val="accent1">
+              <a:shade val="50000"/>
+            </a:schemeClr>
+          </a:lnRef>
+          <a:fillRef idx="1">
+            <a:schemeClr val="accent1"/>
+          </a:fillRef>
+          <a:effectRef idx="0">
+            <a:schemeClr val="accent1"/>
+          </a:effectRef>
+          <a:fontRef idx="minor">
+            <a:schemeClr val="lt1"/>
+          </a:fontRef>
+        </p:style>
+        <p:txBody>
+          <a:bodyPr rtlCol="0" anchor="ctr"/>
+          <a:lstStyle/>
+          <a:p>
+            <a:pPr algn="ctr"/>
+            <a:r>
+              <a:rPr lang="en-US" altLang="zh-CN" dirty="0"/>
+              <a:t>Client</a:t>
+            </a:r>
+          </a:p>
+        </p:txBody>
+      </p:sp>
+      <p:cxnSp>
+        <p:nvCxnSpPr>
+          <p:cNvPr id="19" name="直接箭头连接符 18">
+            <a:extLst>
+              <a:ext uri="{FF2B5EF4-FFF2-40B4-BE49-F238E27FC236}">
+                <a16:creationId xmlns:a16="http://schemas.microsoft.com/office/drawing/2014/main" id="{D880BEED-FDD2-4401-9A85-D27A7E11A790}"/>
+              </a:ext>
+            </a:extLst>
+          </p:cNvPr>
+          <p:cNvCxnSpPr>
+            <a:stCxn id="17" idx="2"/>
+            <a:endCxn id="6" idx="0"/>
+          </p:cNvCxnSpPr>
+          <p:nvPr/>
+        </p:nvCxnSpPr>
+        <p:spPr>
+          <a:xfrm>
+            <a:off x="6290872" y="1226482"/>
+            <a:ext cx="1" cy="1381807"/>
+          </a:xfrm>
+          <a:prstGeom prst="straightConnector1">
+            <a:avLst/>
+          </a:prstGeom>
+          <a:ln>
+            <a:tailEnd type="triangle"/>
+          </a:ln>
+        </p:spPr>
+        <p:style>
+          <a:lnRef idx="1">
+            <a:schemeClr val="accent1"/>
+          </a:lnRef>
+          <a:fillRef idx="0">
+            <a:schemeClr val="accent1"/>
+          </a:fillRef>
+          <a:effectRef idx="0">
+            <a:schemeClr val="accent1"/>
+          </a:effectRef>
+          <a:fontRef idx="minor">
+            <a:schemeClr val="tx1"/>
+          </a:fontRef>
+        </p:style>
+      </p:cxnSp>
+    </p:spTree>
+    <p:extLst>
+      <p:ext uri="{BB962C8B-B14F-4D97-AF65-F5344CB8AC3E}">
+        <p14:creationId xmlns:p14="http://schemas.microsoft.com/office/powerpoint/2010/main" val="758372809"/>
+      </p:ext>
+    </p:extLst>
   </p:cSld>
   <p:clrMapOvr>
     <a:masterClrMapping/>
@@ -9932,4 +11044,299 @@
     </a:ext>
   </a:extLst>
 </a:theme>
+</file>
+
+<file path=ppt/theme/theme2.xml><?xml version="1.0" encoding="utf-8"?>
+<a:theme xmlns:a="http://schemas.openxmlformats.org/drawingml/2006/main" name="Office 主题​​">
+  <a:themeElements>
+    <a:clrScheme name="Office">
+      <a:dk1>
+        <a:sysClr val="windowText" lastClr="000000"/>
+      </a:dk1>
+      <a:lt1>
+        <a:sysClr val="window" lastClr="FFFFFF"/>
+      </a:lt1>
+      <a:dk2>
+        <a:srgbClr val="44546A"/>
+      </a:dk2>
+      <a:lt2>
+        <a:srgbClr val="E7E6E6"/>
+      </a:lt2>
+      <a:accent1>
+        <a:srgbClr val="4472C4"/>
+      </a:accent1>
+      <a:accent2>
+        <a:srgbClr val="ED7D31"/>
+      </a:accent2>
+      <a:accent3>
+        <a:srgbClr val="A5A5A5"/>
+      </a:accent3>
+      <a:accent4>
+        <a:srgbClr val="FFC000"/>
+      </a:accent4>
+      <a:accent5>
+        <a:srgbClr val="5B9BD5"/>
+      </a:accent5>
+      <a:accent6>
+        <a:srgbClr val="70AD47"/>
+      </a:accent6>
+      <a:hlink>
+        <a:srgbClr val="0563C1"/>
+      </a:hlink>
+      <a:folHlink>
+        <a:srgbClr val="954F72"/>
+      </a:folHlink>
+    </a:clrScheme>
+    <a:fontScheme name="Office">
+      <a:majorFont>
+        <a:latin typeface="等线 Light" panose="020F0302020204030204"/>
+        <a:ea typeface=""/>
+        <a:cs typeface=""/>
+        <a:font script="Jpan" typeface="游ゴシック Light"/>
+        <a:font script="Hang" typeface="맑은 고딕"/>
+        <a:font script="Hans" typeface="等线 Light"/>
+        <a:font script="Hant" typeface="新細明體"/>
+        <a:font script="Arab" typeface="Times New Roman"/>
+        <a:font script="Hebr" typeface="Times New Roman"/>
+        <a:font script="Thai" typeface="Angsana New"/>
+        <a:font script="Ethi" typeface="Nyala"/>
+        <a:font script="Beng" typeface="Vrinda"/>
+        <a:font script="Gujr" typeface="Shruti"/>
+        <a:font script="Khmr" typeface="MoolBoran"/>
+        <a:font script="Knda" typeface="Tunga"/>
+        <a:font script="Guru" typeface="Raavi"/>
+        <a:font script="Cans" typeface="Euphemia"/>
+        <a:font script="Cher" typeface="Plantagenet Cherokee"/>
+        <a:font script="Yiii" typeface="Microsoft Yi Baiti"/>
+        <a:font script="Tibt" typeface="Microsoft Himalaya"/>
+        <a:font script="Thaa" typeface="MV Boli"/>
+        <a:font script="Deva" typeface="Mangal"/>
+        <a:font script="Telu" typeface="Gautami"/>
+        <a:font script="Taml" typeface="Latha"/>
+        <a:font script="Syrc" typeface="Estrangelo Edessa"/>
+        <a:font script="Orya" typeface="Kalinga"/>
+        <a:font script="Mlym" typeface="Kartika"/>
+        <a:font script="Laoo" typeface="DokChampa"/>
+        <a:font script="Sinh" typeface="Iskoola Pota"/>
+        <a:font script="Mong" typeface="Mongolian Baiti"/>
+        <a:font script="Viet" typeface="Times New Roman"/>
+        <a:font script="Uigh" typeface="Microsoft Uighur"/>
+        <a:font script="Geor" typeface="Sylfaen"/>
+        <a:font script="Armn" typeface="Arial"/>
+        <a:font script="Bugi" typeface="Leelawadee UI"/>
+        <a:font script="Bopo" typeface="Microsoft JhengHei"/>
+        <a:font script="Java" typeface="Javanese Text"/>
+        <a:font script="Lisu" typeface="Segoe UI"/>
+        <a:font script="Mymr" typeface="Myanmar Text"/>
+        <a:font script="Nkoo" typeface="Ebrima"/>
+        <a:font script="Olck" typeface="Nirmala UI"/>
+        <a:font script="Osma" typeface="Ebrima"/>
+        <a:font script="Phag" typeface="Phagspa"/>
+        <a:font script="Syrn" typeface="Estrangelo Edessa"/>
+        <a:font script="Syrj" typeface="Estrangelo Edessa"/>
+        <a:font script="Syre" typeface="Estrangelo Edessa"/>
+        <a:font script="Sora" typeface="Nirmala UI"/>
+        <a:font script="Tale" typeface="Microsoft Tai Le"/>
+        <a:font script="Talu" typeface="Microsoft New Tai Lue"/>
+        <a:font script="Tfng" typeface="Ebrima"/>
+      </a:majorFont>
+      <a:minorFont>
+        <a:latin typeface="等线" panose="020F0502020204030204"/>
+        <a:ea typeface=""/>
+        <a:cs typeface=""/>
+        <a:font script="Jpan" typeface="游ゴシック"/>
+        <a:font script="Hang" typeface="맑은 고딕"/>
+        <a:font script="Hans" typeface="等线"/>
+        <a:font script="Hant" typeface="新細明體"/>
+        <a:font script="Arab" typeface="Arial"/>
+        <a:font script="Hebr" typeface="Arial"/>
+        <a:font script="Thai" typeface="Cordia New"/>
+        <a:font script="Ethi" typeface="Nyala"/>
+        <a:font script="Beng" typeface="Vrinda"/>
+        <a:font script="Gujr" typeface="Shruti"/>
+        <a:font script="Khmr" typeface="DaunPenh"/>
+        <a:font script="Knda" typeface="Tunga"/>
+        <a:font script="Guru" typeface="Raavi"/>
+        <a:font script="Cans" typeface="Euphemia"/>
+        <a:font script="Cher" typeface="Plantagenet Cherokee"/>
+        <a:font script="Yiii" typeface="Microsoft Yi Baiti"/>
+        <a:font script="Tibt" typeface="Microsoft Himalaya"/>
+        <a:font script="Thaa" typeface="MV Boli"/>
+        <a:font script="Deva" typeface="Mangal"/>
+        <a:font script="Telu" typeface="Gautami"/>
+        <a:font script="Taml" typeface="Latha"/>
+        <a:font script="Syrc" typeface="Estrangelo Edessa"/>
+        <a:font script="Orya" typeface="Kalinga"/>
+        <a:font script="Mlym" typeface="Kartika"/>
+        <a:font script="Laoo" typeface="DokChampa"/>
+        <a:font script="Sinh" typeface="Iskoola Pota"/>
+        <a:font script="Mong" typeface="Mongolian Baiti"/>
+        <a:font script="Viet" typeface="Arial"/>
+        <a:font script="Uigh" typeface="Microsoft Uighur"/>
+        <a:font script="Geor" typeface="Sylfaen"/>
+        <a:font script="Armn" typeface="Arial"/>
+        <a:font script="Bugi" typeface="Leelawadee UI"/>
+        <a:font script="Bopo" typeface="Microsoft JhengHei"/>
+        <a:font script="Java" typeface="Javanese Text"/>
+        <a:font script="Lisu" typeface="Segoe UI"/>
+        <a:font script="Mymr" typeface="Myanmar Text"/>
+        <a:font script="Nkoo" typeface="Ebrima"/>
+        <a:font script="Olck" typeface="Nirmala UI"/>
+        <a:font script="Osma" typeface="Ebrima"/>
+        <a:font script="Phag" typeface="Phagspa"/>
+        <a:font script="Syrn" typeface="Estrangelo Edessa"/>
+        <a:font script="Syrj" typeface="Estrangelo Edessa"/>
+        <a:font script="Syre" typeface="Estrangelo Edessa"/>
+        <a:font script="Sora" typeface="Nirmala UI"/>
+        <a:font script="Tale" typeface="Microsoft Tai Le"/>
+        <a:font script="Talu" typeface="Microsoft New Tai Lue"/>
+        <a:font script="Tfng" typeface="Ebrima"/>
+      </a:minorFont>
+    </a:fontScheme>
+    <a:fmtScheme name="Office">
+      <a:fillStyleLst>
+        <a:solidFill>
+          <a:schemeClr val="phClr"/>
+        </a:solidFill>
+        <a:gradFill rotWithShape="1">
+          <a:gsLst>
+            <a:gs pos="0">
+              <a:schemeClr val="phClr">
+                <a:lumMod val="110000"/>
+                <a:satMod val="105000"/>
+                <a:tint val="67000"/>
+              </a:schemeClr>
+            </a:gs>
+            <a:gs pos="50000">
+              <a:schemeClr val="phClr">
+                <a:lumMod val="105000"/>
+                <a:satMod val="103000"/>
+                <a:tint val="73000"/>
+              </a:schemeClr>
+            </a:gs>
+            <a:gs pos="100000">
+              <a:schemeClr val="phClr">
+                <a:lumMod val="105000"/>
+                <a:satMod val="109000"/>
+                <a:tint val="81000"/>
+              </a:schemeClr>
+            </a:gs>
+          </a:gsLst>
+          <a:lin ang="5400000" scaled="0"/>
+        </a:gradFill>
+        <a:gradFill rotWithShape="1">
+          <a:gsLst>
+            <a:gs pos="0">
+              <a:schemeClr val="phClr">
+                <a:satMod val="103000"/>
+                <a:lumMod val="102000"/>
+                <a:tint val="94000"/>
+              </a:schemeClr>
+            </a:gs>
+            <a:gs pos="50000">
+              <a:schemeClr val="phClr">
+                <a:satMod val="110000"/>
+                <a:lumMod val="100000"/>
+                <a:shade val="100000"/>
+              </a:schemeClr>
+            </a:gs>
+            <a:gs pos="100000">
+              <a:schemeClr val="phClr">
+                <a:lumMod val="99000"/>
+                <a:satMod val="120000"/>
+                <a:shade val="78000"/>
+              </a:schemeClr>
+            </a:gs>
+          </a:gsLst>
+          <a:lin ang="5400000" scaled="0"/>
+        </a:gradFill>
+      </a:fillStyleLst>
+      <a:lnStyleLst>
+        <a:ln w="6350" cap="flat" cmpd="sng" algn="ctr">
+          <a:solidFill>
+            <a:schemeClr val="phClr"/>
+          </a:solidFill>
+          <a:prstDash val="solid"/>
+          <a:miter lim="800000"/>
+        </a:ln>
+        <a:ln w="12700" cap="flat" cmpd="sng" algn="ctr">
+          <a:solidFill>
+            <a:schemeClr val="phClr"/>
+          </a:solidFill>
+          <a:prstDash val="solid"/>
+          <a:miter lim="800000"/>
+        </a:ln>
+        <a:ln w="19050" cap="flat" cmpd="sng" algn="ctr">
+          <a:solidFill>
+            <a:schemeClr val="phClr"/>
+          </a:solidFill>
+          <a:prstDash val="solid"/>
+          <a:miter lim="800000"/>
+        </a:ln>
+      </a:lnStyleLst>
+      <a:effectStyleLst>
+        <a:effectStyle>
+          <a:effectLst/>
+        </a:effectStyle>
+        <a:effectStyle>
+          <a:effectLst/>
+        </a:effectStyle>
+        <a:effectStyle>
+          <a:effectLst>
+            <a:outerShdw blurRad="57150" dist="19050" dir="5400000" algn="ctr" rotWithShape="0">
+              <a:srgbClr val="000000">
+                <a:alpha val="63000"/>
+              </a:srgbClr>
+            </a:outerShdw>
+          </a:effectLst>
+        </a:effectStyle>
+      </a:effectStyleLst>
+      <a:bgFillStyleLst>
+        <a:solidFill>
+          <a:schemeClr val="phClr"/>
+        </a:solidFill>
+        <a:solidFill>
+          <a:schemeClr val="phClr">
+            <a:tint val="95000"/>
+            <a:satMod val="170000"/>
+          </a:schemeClr>
+        </a:solidFill>
+        <a:gradFill rotWithShape="1">
+          <a:gsLst>
+            <a:gs pos="0">
+              <a:schemeClr val="phClr">
+                <a:tint val="93000"/>
+                <a:satMod val="150000"/>
+                <a:shade val="98000"/>
+                <a:lumMod val="102000"/>
+              </a:schemeClr>
+            </a:gs>
+            <a:gs pos="50000">
+              <a:schemeClr val="phClr">
+                <a:tint val="98000"/>
+                <a:satMod val="130000"/>
+                <a:shade val="90000"/>
+                <a:lumMod val="103000"/>
+              </a:schemeClr>
+            </a:gs>
+            <a:gs pos="100000">
+              <a:schemeClr val="phClr">
+                <a:shade val="63000"/>
+                <a:satMod val="120000"/>
+              </a:schemeClr>
+            </a:gs>
+          </a:gsLst>
+          <a:lin ang="5400000" scaled="0"/>
+        </a:gradFill>
+      </a:bgFillStyleLst>
+    </a:fmtScheme>
+  </a:themeElements>
+  <a:objectDefaults/>
+  <a:extraClrSchemeLst/>
+  <a:extLst>
+    <a:ext uri="{05A4C25C-085E-4340-85A3-A5531E510DB2}">
+      <thm15:themeFamily xmlns:thm15="http://schemas.microsoft.com/office/thememl/2012/main" name="Office Theme" id="{62F939B6-93AF-4DB8-9C6B-D6C7DFDC589F}" vid="{4A3C46E8-61CC-4603-A589-7422A47A8E4A}"/>
+    </a:ext>
+  </a:extLst>
+</a:theme>
 </file>